--- a/BBDD/exposicion.pptx
+++ b/BBDD/exposicion.pptx
@@ -37,6 +37,7 @@
     <p:sldId id="284" r:id="rId31"/>
     <p:sldId id="285" r:id="rId32"/>
     <p:sldId id="287" r:id="rId33"/>
+    <p:sldId id="288" r:id="rId34"/>
   </p:sldIdLst>
   <p:sldSz cx="9144000" cy="6858000" type="screen4x3"/>
   <p:notesSz cx="6858000" cy="9144000"/>
@@ -5661,7 +5662,7 @@
           <a:p>
             <a:fld id="{F6AD2FDC-B7EB-48B8-958E-E2164AF2B759}" type="datetimeFigureOut">
               <a:rPr lang="es-ES" smtClean="0"/>
-              <a:t>17/06/2018</a:t>
+              <a:t>19/06/2018</a:t>
             </a:fld>
             <a:endParaRPr lang="es-ES"/>
           </a:p>
@@ -5831,7 +5832,7 @@
           <a:p>
             <a:fld id="{F6AD2FDC-B7EB-48B8-958E-E2164AF2B759}" type="datetimeFigureOut">
               <a:rPr lang="es-ES" smtClean="0"/>
-              <a:t>17/06/2018</a:t>
+              <a:t>19/06/2018</a:t>
             </a:fld>
             <a:endParaRPr lang="es-ES"/>
           </a:p>
@@ -6011,7 +6012,7 @@
           <a:p>
             <a:fld id="{F6AD2FDC-B7EB-48B8-958E-E2164AF2B759}" type="datetimeFigureOut">
               <a:rPr lang="es-ES" smtClean="0"/>
-              <a:t>17/06/2018</a:t>
+              <a:t>19/06/2018</a:t>
             </a:fld>
             <a:endParaRPr lang="es-ES"/>
           </a:p>
@@ -6181,7 +6182,7 @@
           <a:p>
             <a:fld id="{F6AD2FDC-B7EB-48B8-958E-E2164AF2B759}" type="datetimeFigureOut">
               <a:rPr lang="es-ES" smtClean="0"/>
-              <a:t>17/06/2018</a:t>
+              <a:t>19/06/2018</a:t>
             </a:fld>
             <a:endParaRPr lang="es-ES"/>
           </a:p>
@@ -6425,7 +6426,7 @@
           <a:p>
             <a:fld id="{F6AD2FDC-B7EB-48B8-958E-E2164AF2B759}" type="datetimeFigureOut">
               <a:rPr lang="es-ES" smtClean="0"/>
-              <a:t>17/06/2018</a:t>
+              <a:t>19/06/2018</a:t>
             </a:fld>
             <a:endParaRPr lang="es-ES"/>
           </a:p>
@@ -6657,7 +6658,7 @@
           <a:p>
             <a:fld id="{F6AD2FDC-B7EB-48B8-958E-E2164AF2B759}" type="datetimeFigureOut">
               <a:rPr lang="es-ES" smtClean="0"/>
-              <a:t>17/06/2018</a:t>
+              <a:t>19/06/2018</a:t>
             </a:fld>
             <a:endParaRPr lang="es-ES"/>
           </a:p>
@@ -7024,7 +7025,7 @@
           <a:p>
             <a:fld id="{F6AD2FDC-B7EB-48B8-958E-E2164AF2B759}" type="datetimeFigureOut">
               <a:rPr lang="es-ES" smtClean="0"/>
-              <a:t>17/06/2018</a:t>
+              <a:t>19/06/2018</a:t>
             </a:fld>
             <a:endParaRPr lang="es-ES"/>
           </a:p>
@@ -7142,7 +7143,7 @@
           <a:p>
             <a:fld id="{F6AD2FDC-B7EB-48B8-958E-E2164AF2B759}" type="datetimeFigureOut">
               <a:rPr lang="es-ES" smtClean="0"/>
-              <a:t>17/06/2018</a:t>
+              <a:t>19/06/2018</a:t>
             </a:fld>
             <a:endParaRPr lang="es-ES"/>
           </a:p>
@@ -7237,7 +7238,7 @@
           <a:p>
             <a:fld id="{F6AD2FDC-B7EB-48B8-958E-E2164AF2B759}" type="datetimeFigureOut">
               <a:rPr lang="es-ES" smtClean="0"/>
-              <a:t>17/06/2018</a:t>
+              <a:t>19/06/2018</a:t>
             </a:fld>
             <a:endParaRPr lang="es-ES"/>
           </a:p>
@@ -7514,7 +7515,7 @@
           <a:p>
             <a:fld id="{F6AD2FDC-B7EB-48B8-958E-E2164AF2B759}" type="datetimeFigureOut">
               <a:rPr lang="es-ES" smtClean="0"/>
-              <a:t>17/06/2018</a:t>
+              <a:t>19/06/2018</a:t>
             </a:fld>
             <a:endParaRPr lang="es-ES"/>
           </a:p>
@@ -7771,7 +7772,7 @@
           <a:p>
             <a:fld id="{F6AD2FDC-B7EB-48B8-958E-E2164AF2B759}" type="datetimeFigureOut">
               <a:rPr lang="es-ES" smtClean="0"/>
-              <a:t>17/06/2018</a:t>
+              <a:t>19/06/2018</a:t>
             </a:fld>
             <a:endParaRPr lang="es-ES"/>
           </a:p>
@@ -7836,9 +7837,34 @@
 <p:sldMaster xmlns:a="http://schemas.openxmlformats.org/drawingml/2006/main" xmlns:r="http://schemas.openxmlformats.org/officeDocument/2006/relationships" xmlns:p="http://schemas.openxmlformats.org/presentationml/2006/main">
   <p:cSld>
     <p:bg>
-      <p:bgRef idx="1001">
-        <a:schemeClr val="bg1"/>
-      </p:bgRef>
+      <p:bgPr>
+        <a:gradFill flip="none" rotWithShape="1">
+          <a:gsLst>
+            <a:gs pos="0">
+              <a:schemeClr val="accent5">
+                <a:lumMod val="0"/>
+                <a:lumOff val="100000"/>
+              </a:schemeClr>
+            </a:gs>
+            <a:gs pos="41000">
+              <a:schemeClr val="accent5">
+                <a:lumMod val="0"/>
+                <a:lumOff val="100000"/>
+              </a:schemeClr>
+            </a:gs>
+            <a:gs pos="100000">
+              <a:schemeClr val="accent5">
+                <a:lumMod val="100000"/>
+              </a:schemeClr>
+            </a:gs>
+          </a:gsLst>
+          <a:path path="circle">
+            <a:fillToRect l="50000" t="50000" r="50000" b="50000"/>
+          </a:path>
+          <a:tileRect/>
+        </a:gradFill>
+        <a:effectLst/>
+      </p:bgPr>
     </p:bg>
     <p:spTree>
       <p:nvGrpSpPr>
@@ -7984,7 +8010,7 @@
           <a:p>
             <a:fld id="{F6AD2FDC-B7EB-48B8-958E-E2164AF2B759}" type="datetimeFigureOut">
               <a:rPr lang="es-ES" smtClean="0"/>
-              <a:t>17/06/2018</a:t>
+              <a:t>19/06/2018</a:t>
             </a:fld>
             <a:endParaRPr lang="es-ES"/>
           </a:p>
@@ -8389,6 +8415,85 @@
           <a:chExt cx="0" cy="0"/>
         </a:xfrm>
       </p:grpSpPr>
+      <p:pic>
+        <p:nvPicPr>
+          <p:cNvPr id="5" name="Imagen 4">
+            <a:extLst>
+              <a:ext uri="{FF2B5EF4-FFF2-40B4-BE49-F238E27FC236}">
+                <a16:creationId xmlns:a16="http://schemas.microsoft.com/office/drawing/2014/main" id="{DBC83213-A1C8-4EFB-A6B6-C8F41D57AD76}"/>
+              </a:ext>
+            </a:extLst>
+          </p:cNvPr>
+          <p:cNvPicPr>
+            <a:picLocks noChangeAspect="1"/>
+          </p:cNvPicPr>
+          <p:nvPr/>
+        </p:nvPicPr>
+        <p:blipFill>
+          <a:blip r:embed="rId2">
+            <a:extLst>
+              <a:ext uri="{28A0092B-C50C-407E-A947-70E740481C1C}">
+                <a14:useLocalDpi xmlns:a14="http://schemas.microsoft.com/office/drawing/2010/main" val="0"/>
+              </a:ext>
+            </a:extLst>
+          </a:blip>
+          <a:stretch>
+            <a:fillRect/>
+          </a:stretch>
+        </p:blipFill>
+        <p:spPr>
+          <a:xfrm>
+            <a:off x="1401172" y="534839"/>
+            <a:ext cx="6341656" cy="4046912"/>
+          </a:xfrm>
+          <a:prstGeom prst="rect">
+            <a:avLst/>
+          </a:prstGeom>
+        </p:spPr>
+      </p:pic>
+      <p:sp>
+        <p:nvSpPr>
+          <p:cNvPr id="6" name="CuadroTexto 5">
+            <a:extLst>
+              <a:ext uri="{FF2B5EF4-FFF2-40B4-BE49-F238E27FC236}">
+                <a16:creationId xmlns:a16="http://schemas.microsoft.com/office/drawing/2014/main" id="{977324E0-B04B-4B46-8021-1864D7833402}"/>
+              </a:ext>
+            </a:extLst>
+          </p:cNvPr>
+          <p:cNvSpPr txBox="1"/>
+          <p:nvPr/>
+        </p:nvSpPr>
+        <p:spPr>
+          <a:xfrm>
+            <a:off x="1228644" y="3429000"/>
+            <a:ext cx="5950596" cy="1323439"/>
+          </a:xfrm>
+          <a:prstGeom prst="rect">
+            <a:avLst/>
+          </a:prstGeom>
+          <a:noFill/>
+        </p:spPr>
+        <p:txBody>
+          <a:bodyPr wrap="square" rtlCol="0">
+            <a:spAutoFit/>
+          </a:bodyPr>
+          <a:lstStyle/>
+          <a:p>
+            <a:pPr algn="r"/>
+            <a:r>
+              <a:rPr lang="es-ES" sz="4000" dirty="0"/>
+              <a:t>PLANES Y PROYECTOS </a:t>
+            </a:r>
+          </a:p>
+          <a:p>
+            <a:pPr algn="r"/>
+            <a:r>
+              <a:rPr lang="es-ES" sz="4000" dirty="0"/>
+              <a:t>IES DELGADO HERNÁNDEZ</a:t>
+            </a:r>
+          </a:p>
+        </p:txBody>
+      </p:sp>
     </p:spTree>
     <p:extLst>
       <p:ext uri="{BB962C8B-B14F-4D97-AF65-F5344CB8AC3E}">
@@ -8464,7 +8569,12 @@
             <p:ph idx="1"/>
           </p:nvPr>
         </p:nvSpPr>
-        <p:spPr/>
+        <p:spPr>
+          <a:xfrm>
+            <a:off x="628650" y="1613140"/>
+            <a:ext cx="7886700" cy="4563823"/>
+          </a:xfrm>
+        </p:spPr>
         <p:txBody>
           <a:bodyPr>
             <a:normAutofit/>
@@ -8505,8 +8615,44 @@
         </p:blipFill>
         <p:spPr>
           <a:xfrm>
-            <a:off x="1871980" y="3600504"/>
-            <a:ext cx="5400040" cy="2417445"/>
+            <a:off x="1518273" y="3118163"/>
+            <a:ext cx="6107454" cy="2868733"/>
+          </a:xfrm>
+          <a:prstGeom prst="rect">
+            <a:avLst/>
+          </a:prstGeom>
+        </p:spPr>
+      </p:pic>
+      <p:pic>
+        <p:nvPicPr>
+          <p:cNvPr id="7" name="Imagen 6">
+            <a:extLst>
+              <a:ext uri="{FF2B5EF4-FFF2-40B4-BE49-F238E27FC236}">
+                <a16:creationId xmlns:a16="http://schemas.microsoft.com/office/drawing/2014/main" id="{115AD160-3AED-415D-8F73-1A49FB0EF24D}"/>
+              </a:ext>
+            </a:extLst>
+          </p:cNvPr>
+          <p:cNvPicPr>
+            <a:picLocks noChangeAspect="1"/>
+          </p:cNvPicPr>
+          <p:nvPr/>
+        </p:nvPicPr>
+        <p:blipFill>
+          <a:blip r:embed="rId3">
+            <a:extLst>
+              <a:ext uri="{28A0092B-C50C-407E-A947-70E740481C1C}">
+                <a14:useLocalDpi xmlns:a14="http://schemas.microsoft.com/office/drawing/2010/main" val="0"/>
+              </a:ext>
+            </a:extLst>
+          </a:blip>
+          <a:stretch>
+            <a:fillRect/>
+          </a:stretch>
+        </p:blipFill>
+        <p:spPr>
+          <a:xfrm>
+            <a:off x="-138543" y="4474981"/>
+            <a:ext cx="4495407" cy="2868733"/>
           </a:xfrm>
           <a:prstGeom prst="rect">
             <a:avLst/>
@@ -8567,58 +8713,64 @@
         </p:spPr>
         <p:txBody>
           <a:bodyPr>
-            <a:normAutofit/>
+            <a:normAutofit lnSpcReduction="10000"/>
           </a:bodyPr>
           <a:lstStyle/>
           <a:p>
             <a:pPr algn="just"/>
             <a:r>
-              <a:rPr lang="es-ES_tradnl" sz="1800" dirty="0"/>
+              <a:rPr lang="es-ES_tradnl" sz="2000" dirty="0"/>
               <a:t>Del mismo modo, usamos un repositorio de código para que ambos podamos subir la tarea que acaba de realizar y así el otro alumno puede disponer del proyecto actualizado al instante. Dicha aplicación es “GitHub”, la cual permite un control de versiones.</a:t>
             </a:r>
           </a:p>
           <a:p>
             <a:pPr algn="just"/>
-            <a:endParaRPr lang="es-ES_tradnl" sz="1800" dirty="0"/>
+            <a:endParaRPr lang="es-ES_tradnl" sz="2000" dirty="0"/>
           </a:p>
           <a:p>
             <a:pPr algn="just"/>
-            <a:endParaRPr lang="es-ES_tradnl" sz="1800" dirty="0"/>
+            <a:endParaRPr lang="es-ES_tradnl" sz="2000" dirty="0"/>
           </a:p>
           <a:p>
             <a:pPr algn="just"/>
-            <a:endParaRPr lang="es-ES_tradnl" sz="1800" dirty="0"/>
+            <a:endParaRPr lang="es-ES_tradnl" sz="2000" dirty="0"/>
           </a:p>
           <a:p>
             <a:pPr algn="just"/>
-            <a:endParaRPr lang="es-ES_tradnl" sz="1800" dirty="0"/>
+            <a:endParaRPr lang="es-ES_tradnl" sz="2000" dirty="0"/>
           </a:p>
           <a:p>
             <a:pPr algn="just"/>
-            <a:endParaRPr lang="es-ES_tradnl" sz="1800" dirty="0"/>
+            <a:endParaRPr lang="es-ES_tradnl" sz="2000" dirty="0"/>
           </a:p>
           <a:p>
             <a:pPr algn="just"/>
-            <a:endParaRPr lang="es-ES_tradnl" sz="1800" dirty="0"/>
+            <a:endParaRPr lang="es-ES_tradnl" sz="2000" dirty="0"/>
           </a:p>
           <a:p>
             <a:pPr algn="just"/>
-            <a:endParaRPr lang="es-ES_tradnl" sz="1800" dirty="0"/>
+            <a:endParaRPr lang="es-ES_tradnl" sz="2000" dirty="0"/>
           </a:p>
           <a:p>
             <a:pPr algn="just"/>
-            <a:endParaRPr lang="es-ES_tradnl" sz="1800" dirty="0"/>
+            <a:endParaRPr lang="es-ES_tradnl" sz="2000" dirty="0"/>
           </a:p>
           <a:p>
             <a:pPr marL="0" indent="0" algn="just">
               <a:buNone/>
             </a:pPr>
-            <a:endParaRPr lang="es-ES_tradnl" sz="1800" dirty="0"/>
+            <a:endParaRPr lang="es-ES_tradnl" sz="2000" dirty="0"/>
+          </a:p>
+          <a:p>
+            <a:pPr marL="0" indent="0" algn="just">
+              <a:buNone/>
+            </a:pPr>
+            <a:endParaRPr lang="es-ES_tradnl" sz="2000" dirty="0"/>
           </a:p>
           <a:p>
             <a:pPr algn="just"/>
             <a:r>
-              <a:rPr lang="es-ES" sz="1800" dirty="0"/>
+              <a:rPr lang="es-ES" sz="2000" dirty="0"/>
               <a:t>De este modo hemos podido sincronizarnos eficientemente, evitando así que ambos trabajásemos en la misma tarea.</a:t>
             </a:r>
           </a:p>
@@ -8644,8 +8796,44 @@
         </p:blipFill>
         <p:spPr>
           <a:xfrm>
-            <a:off x="1904293" y="1816489"/>
-            <a:ext cx="5335414" cy="3225022"/>
+            <a:off x="1775969" y="1816489"/>
+            <a:ext cx="5592062" cy="3402492"/>
+          </a:xfrm>
+          <a:prstGeom prst="rect">
+            <a:avLst/>
+          </a:prstGeom>
+        </p:spPr>
+      </p:pic>
+      <p:pic>
+        <p:nvPicPr>
+          <p:cNvPr id="5" name="Imagen 4">
+            <a:extLst>
+              <a:ext uri="{FF2B5EF4-FFF2-40B4-BE49-F238E27FC236}">
+                <a16:creationId xmlns:a16="http://schemas.microsoft.com/office/drawing/2014/main" id="{B7114A2D-A3E6-42CE-A620-036F5BA61650}"/>
+              </a:ext>
+            </a:extLst>
+          </p:cNvPr>
+          <p:cNvPicPr>
+            <a:picLocks noChangeAspect="1"/>
+          </p:cNvPicPr>
+          <p:nvPr/>
+        </p:nvPicPr>
+        <p:blipFill>
+          <a:blip r:embed="rId3">
+            <a:extLst>
+              <a:ext uri="{28A0092B-C50C-407E-A947-70E740481C1C}">
+                <a14:useLocalDpi xmlns:a14="http://schemas.microsoft.com/office/drawing/2010/main" val="0"/>
+              </a:ext>
+            </a:extLst>
+          </a:blip>
+          <a:stretch>
+            <a:fillRect/>
+          </a:stretch>
+        </p:blipFill>
+        <p:spPr>
+          <a:xfrm>
+            <a:off x="-121407" y="2006583"/>
+            <a:ext cx="4844692" cy="3091628"/>
           </a:xfrm>
           <a:prstGeom prst="rect">
             <a:avLst/>
@@ -8736,18 +8924,18 @@
         <p:spPr>
           <a:xfrm>
             <a:off x="628650" y="1380139"/>
-            <a:ext cx="7886700" cy="578058"/>
+            <a:ext cx="7886700" cy="724706"/>
           </a:xfrm>
         </p:spPr>
         <p:txBody>
           <a:bodyPr>
-            <a:normAutofit lnSpcReduction="10000"/>
+            <a:normAutofit/>
           </a:bodyPr>
           <a:lstStyle/>
           <a:p>
             <a:pPr algn="just"/>
             <a:r>
-              <a:rPr lang="es-ES" sz="1800" dirty="0"/>
+              <a:rPr lang="es-ES" sz="2200" dirty="0"/>
               <a:t>La realización del proyecto se divide en una serie de etapas mostradas en la siguiente grafica de Gantt</a:t>
             </a:r>
           </a:p>
@@ -8773,8 +8961,8 @@
         </p:nvSpPr>
         <p:spPr>
           <a:xfrm>
-            <a:off x="628650" y="2277374"/>
-            <a:ext cx="3572414" cy="2585323"/>
+            <a:off x="628649" y="2277374"/>
+            <a:ext cx="3943349" cy="2831544"/>
           </a:xfrm>
           <a:prstGeom prst="rect">
             <a:avLst/>
@@ -8792,10 +8980,10 @@
               <a:buChar char="•"/>
             </a:pPr>
             <a:r>
-              <a:rPr lang="es-ES_tradnl" dirty="0"/>
+              <a:rPr lang="es-ES_tradnl" sz="2000" dirty="0"/>
               <a:t>Según la planificación resultante, el proyecto comprende una duración de 4 meses (120 días). Dado que hemos sido dos personas trabajando en paralelo, se estima de media 50 horas semanales dedicadas al proyecto entre los dos.</a:t>
             </a:r>
-            <a:endParaRPr lang="es-ES" dirty="0"/>
+            <a:endParaRPr lang="es-ES" sz="2000" dirty="0"/>
           </a:p>
           <a:p>
             <a:endParaRPr lang="es-ES" dirty="0"/>
@@ -8824,8 +9012,44 @@
         </p:blipFill>
         <p:spPr>
           <a:xfrm>
-            <a:off x="4451229" y="1958197"/>
-            <a:ext cx="4064121" cy="4140678"/>
+            <a:off x="4675515" y="2216989"/>
+            <a:ext cx="3943352" cy="4140678"/>
+          </a:xfrm>
+          <a:prstGeom prst="rect">
+            <a:avLst/>
+          </a:prstGeom>
+        </p:spPr>
+      </p:pic>
+      <p:pic>
+        <p:nvPicPr>
+          <p:cNvPr id="7" name="Imagen 6">
+            <a:extLst>
+              <a:ext uri="{FF2B5EF4-FFF2-40B4-BE49-F238E27FC236}">
+                <a16:creationId xmlns:a16="http://schemas.microsoft.com/office/drawing/2014/main" id="{8A79FABA-0CA3-4AB0-9218-4100244C039E}"/>
+              </a:ext>
+            </a:extLst>
+          </p:cNvPr>
+          <p:cNvPicPr>
+            <a:picLocks noChangeAspect="1"/>
+          </p:cNvPicPr>
+          <p:nvPr/>
+        </p:nvPicPr>
+        <p:blipFill>
+          <a:blip r:embed="rId3">
+            <a:extLst>
+              <a:ext uri="{28A0092B-C50C-407E-A947-70E740481C1C}">
+                <a14:useLocalDpi xmlns:a14="http://schemas.microsoft.com/office/drawing/2010/main" val="0"/>
+              </a:ext>
+            </a:extLst>
+          </a:blip>
+          <a:stretch>
+            <a:fillRect/>
+          </a:stretch>
+        </p:blipFill>
+        <p:spPr>
+          <a:xfrm>
+            <a:off x="-138543" y="4474981"/>
+            <a:ext cx="4495407" cy="2868733"/>
           </a:xfrm>
           <a:prstGeom prst="rect">
             <a:avLst/>
@@ -8971,6 +9195,42 @@
           </a:prstGeom>
         </p:spPr>
       </p:pic>
+      <p:pic>
+        <p:nvPicPr>
+          <p:cNvPr id="5" name="Imagen 4">
+            <a:extLst>
+              <a:ext uri="{FF2B5EF4-FFF2-40B4-BE49-F238E27FC236}">
+                <a16:creationId xmlns:a16="http://schemas.microsoft.com/office/drawing/2014/main" id="{0B6B8DC4-4016-4620-82D3-658B47DBEB15}"/>
+              </a:ext>
+            </a:extLst>
+          </p:cNvPr>
+          <p:cNvPicPr>
+            <a:picLocks noChangeAspect="1"/>
+          </p:cNvPicPr>
+          <p:nvPr/>
+        </p:nvPicPr>
+        <p:blipFill>
+          <a:blip r:embed="rId3">
+            <a:extLst>
+              <a:ext uri="{28A0092B-C50C-407E-A947-70E740481C1C}">
+                <a14:useLocalDpi xmlns:a14="http://schemas.microsoft.com/office/drawing/2010/main" val="0"/>
+              </a:ext>
+            </a:extLst>
+          </a:blip>
+          <a:stretch>
+            <a:fillRect/>
+          </a:stretch>
+        </p:blipFill>
+        <p:spPr>
+          <a:xfrm>
+            <a:off x="-138543" y="4474981"/>
+            <a:ext cx="4495407" cy="2868733"/>
+          </a:xfrm>
+          <a:prstGeom prst="rect">
+            <a:avLst/>
+          </a:prstGeom>
+        </p:spPr>
+      </p:pic>
     </p:spTree>
     <p:extLst>
       <p:ext uri="{BB962C8B-B14F-4D97-AF65-F5344CB8AC3E}">
@@ -9104,6 +9364,42 @@
           <a:xfrm>
             <a:off x="1838325" y="3276061"/>
             <a:ext cx="5467350" cy="2876550"/>
+          </a:xfrm>
+          <a:prstGeom prst="rect">
+            <a:avLst/>
+          </a:prstGeom>
+        </p:spPr>
+      </p:pic>
+      <p:pic>
+        <p:nvPicPr>
+          <p:cNvPr id="5" name="Imagen 4">
+            <a:extLst>
+              <a:ext uri="{FF2B5EF4-FFF2-40B4-BE49-F238E27FC236}">
+                <a16:creationId xmlns:a16="http://schemas.microsoft.com/office/drawing/2014/main" id="{53687E2A-DF5B-46D4-989E-A5693D829B31}"/>
+              </a:ext>
+            </a:extLst>
+          </p:cNvPr>
+          <p:cNvPicPr>
+            <a:picLocks noChangeAspect="1"/>
+          </p:cNvPicPr>
+          <p:nvPr/>
+        </p:nvPicPr>
+        <p:blipFill>
+          <a:blip r:embed="rId3">
+            <a:extLst>
+              <a:ext uri="{28A0092B-C50C-407E-A947-70E740481C1C}">
+                <a14:useLocalDpi xmlns:a14="http://schemas.microsoft.com/office/drawing/2010/main" val="0"/>
+              </a:ext>
+            </a:extLst>
+          </a:blip>
+          <a:stretch>
+            <a:fillRect/>
+          </a:stretch>
+        </p:blipFill>
+        <p:spPr>
+          <a:xfrm>
+            <a:off x="-138542" y="4728542"/>
+            <a:ext cx="4098068" cy="2615172"/>
           </a:xfrm>
           <a:prstGeom prst="rect">
             <a:avLst/>
@@ -9215,8 +9511,44 @@
         </p:blipFill>
         <p:spPr>
           <a:xfrm>
-            <a:off x="2228850" y="3570078"/>
+            <a:off x="2228850" y="3429000"/>
             <a:ext cx="4686300" cy="2495550"/>
+          </a:xfrm>
+          <a:prstGeom prst="rect">
+            <a:avLst/>
+          </a:prstGeom>
+        </p:spPr>
+      </p:pic>
+      <p:pic>
+        <p:nvPicPr>
+          <p:cNvPr id="5" name="Imagen 4">
+            <a:extLst>
+              <a:ext uri="{FF2B5EF4-FFF2-40B4-BE49-F238E27FC236}">
+                <a16:creationId xmlns:a16="http://schemas.microsoft.com/office/drawing/2014/main" id="{09ECC59F-BC44-4FD0-9681-F714FB4E5BB5}"/>
+              </a:ext>
+            </a:extLst>
+          </p:cNvPr>
+          <p:cNvPicPr>
+            <a:picLocks noChangeAspect="1"/>
+          </p:cNvPicPr>
+          <p:nvPr/>
+        </p:nvPicPr>
+        <p:blipFill>
+          <a:blip r:embed="rId3">
+            <a:extLst>
+              <a:ext uri="{28A0092B-C50C-407E-A947-70E740481C1C}">
+                <a14:useLocalDpi xmlns:a14="http://schemas.microsoft.com/office/drawing/2010/main" val="0"/>
+              </a:ext>
+            </a:extLst>
+          </a:blip>
+          <a:stretch>
+            <a:fillRect/>
+          </a:stretch>
+        </p:blipFill>
+        <p:spPr>
+          <a:xfrm>
+            <a:off x="-138542" y="4623758"/>
+            <a:ext cx="4262268" cy="2719956"/>
           </a:xfrm>
           <a:prstGeom prst="rect">
             <a:avLst/>
@@ -9285,80 +9617,67 @@
               <a:buNone/>
             </a:pPr>
             <a:r>
-              <a:rPr lang="es-ES_tradnl" sz="1800" dirty="0"/>
+              <a:rPr lang="es-ES_tradnl" sz="2000" dirty="0"/>
               <a:t>La estructura creada busca cumplir con los siguientes aspectos.</a:t>
             </a:r>
-            <a:endParaRPr lang="es-ES" sz="1800" dirty="0"/>
+            <a:endParaRPr lang="es-ES" sz="2000" dirty="0"/>
           </a:p>
           <a:p>
             <a:pPr lvl="0" algn="just"/>
             <a:r>
-              <a:rPr lang="es-ES_tradnl" sz="1600" dirty="0"/>
-              <a:t>Regla de las tres pulsaciones (tres clics): la media de pulsaciones para acceder a cualquier información útil del sitio web debería de ser tres pulsaciones. Los usuarios buscan rapidez y efectividad. </a:t>
-            </a:r>
-            <a:endParaRPr lang="es-ES" sz="1600" dirty="0"/>
+              <a:rPr lang="es-ES_tradnl" sz="2000" dirty="0"/>
+              <a:t>Regla de las tres pulsaciones (tres clics): Los usuarios buscan rapidez y efectividad. </a:t>
+            </a:r>
+            <a:endParaRPr lang="es-ES" sz="2000" dirty="0"/>
           </a:p>
           <a:p>
             <a:pPr lvl="0" algn="just"/>
             <a:r>
-              <a:rPr lang="es-ES_tradnl" sz="1600" dirty="0"/>
-              <a:t>Evitamos los callejones sin salida: páginas que no poseen enlaces para continuar la navegación.</a:t>
-            </a:r>
-            <a:endParaRPr lang="es-ES" sz="1600" dirty="0"/>
+              <a:rPr lang="es-ES_tradnl" sz="2000" dirty="0"/>
+              <a:t>Evitamos los callejones sin salida: Páginas que no poseen enlaces para continuar la navegación.</a:t>
+            </a:r>
+            <a:endParaRPr lang="es-ES" sz="2000" dirty="0"/>
+          </a:p>
+          <a:p>
+            <a:pPr algn="just"/>
+            <a:r>
+              <a:rPr lang="es-ES_tradnl" sz="2000" dirty="0"/>
+              <a:t>Los visitantes sabrán en todo momento dónde se encuentran y cómo volver a la página principal. </a:t>
+            </a:r>
+            <a:endParaRPr lang="es-ES" sz="2000" dirty="0"/>
           </a:p>
           <a:p>
             <a:pPr lvl="0" algn="just"/>
             <a:r>
-              <a:rPr lang="es-ES_tradnl" sz="1600" dirty="0"/>
-              <a:t>Para evitar el problema anterior, añadimos a todas las páginas un enlace a la página principal. </a:t>
-            </a:r>
-          </a:p>
-          <a:p>
-            <a:pPr algn="just"/>
-            <a:r>
-              <a:rPr lang="es-ES_tradnl" sz="1600" dirty="0"/>
-              <a:t>Los visitantes sabrán en todo momento dónde se encuentran y cómo volver a la página principal. </a:t>
-            </a:r>
-            <a:endParaRPr lang="es-ES" sz="1600" dirty="0"/>
-          </a:p>
-          <a:p>
-            <a:pPr marL="0" indent="0" algn="just">
-              <a:buNone/>
-            </a:pPr>
-            <a:endParaRPr lang="es-ES" sz="1600" dirty="0"/>
+              <a:rPr lang="es-ES_tradnl" sz="2000" dirty="0"/>
+              <a:t>Como añadido, creamos una barra de navegación o menú del sitio web con las categorías principales en que se ha organizado la información. </a:t>
+            </a:r>
+            <a:endParaRPr lang="es-ES" sz="2000" dirty="0"/>
           </a:p>
           <a:p>
             <a:pPr lvl="0" algn="just"/>
             <a:r>
-              <a:rPr lang="es-ES_tradnl" sz="1600" dirty="0"/>
-              <a:t>Como añadido, creamos una barra de navegación o menú del sitio web con las categorías principales en que se ha organizado la información. </a:t>
-            </a:r>
-            <a:endParaRPr lang="es-ES" sz="1600" dirty="0"/>
+              <a:rPr lang="es-ES_tradnl" sz="2000" dirty="0"/>
+              <a:t>La opción de búsqueda facilita a los visitantes la localización de la información que buscan.</a:t>
+            </a:r>
           </a:p>
           <a:p>
             <a:pPr lvl="0" algn="just"/>
-            <a:r>
-              <a:rPr lang="es-ES_tradnl" sz="1600" dirty="0"/>
-              <a:t>La opción de búsqueda facilita a los visitantes la localización de la información que buscan.</a:t>
-            </a:r>
-          </a:p>
-          <a:p>
-            <a:pPr lvl="0" algn="just"/>
-            <a:endParaRPr lang="es-ES_tradnl" sz="1600" dirty="0"/>
+            <a:endParaRPr lang="es-ES_tradnl" sz="2000" dirty="0"/>
           </a:p>
           <a:p>
             <a:pPr marL="0" lvl="0" indent="0" algn="just">
               <a:buNone/>
             </a:pPr>
-            <a:endParaRPr lang="es-ES" sz="1600" dirty="0"/>
+            <a:endParaRPr lang="es-ES_tradnl" sz="2000" dirty="0"/>
           </a:p>
           <a:p>
             <a:pPr lvl="0" algn="just"/>
             <a:r>
-              <a:rPr lang="es-ES_tradnl" sz="1600" dirty="0"/>
+              <a:rPr lang="es-ES_tradnl" sz="2000" dirty="0"/>
               <a:t>Indicamos en todo momento la información de contacto del centro.</a:t>
             </a:r>
-            <a:endParaRPr lang="es-ES" sz="1600" dirty="0"/>
+            <a:endParaRPr lang="es-ES" sz="2000" dirty="0"/>
           </a:p>
           <a:p>
             <a:endParaRPr lang="es-ES" dirty="0"/>
@@ -9367,14 +9686,16 @@
       </p:sp>
       <p:pic>
         <p:nvPicPr>
-          <p:cNvPr id="4" name="Imagen 3">
+          <p:cNvPr id="5" name="Imagen 4">
             <a:extLst>
               <a:ext uri="{FF2B5EF4-FFF2-40B4-BE49-F238E27FC236}">
-                <a16:creationId xmlns:a16="http://schemas.microsoft.com/office/drawing/2014/main" id="{554C2592-40E4-4A09-9A28-163DDF31CC9E}"/>
+                <a16:creationId xmlns:a16="http://schemas.microsoft.com/office/drawing/2014/main" id="{63140717-DBE6-49C1-9E8A-A26A152B25A5}"/>
               </a:ext>
             </a:extLst>
           </p:cNvPr>
-          <p:cNvPicPr/>
+          <p:cNvPicPr>
+            <a:picLocks noChangeAspect="1"/>
+          </p:cNvPicPr>
           <p:nvPr/>
         </p:nvPicPr>
         <p:blipFill>
@@ -9385,8 +9706,8 @@
         </p:blipFill>
         <p:spPr>
           <a:xfrm>
-            <a:off x="3419475" y="3373153"/>
-            <a:ext cx="2305050" cy="333375"/>
+            <a:off x="763285" y="4386532"/>
+            <a:ext cx="7617428" cy="565032"/>
           </a:xfrm>
           <a:prstGeom prst="rect">
             <a:avLst/>
@@ -9395,10 +9716,10 @@
       </p:pic>
       <p:pic>
         <p:nvPicPr>
-          <p:cNvPr id="5" name="Imagen 4">
+          <p:cNvPr id="6" name="Imagen 5">
             <a:extLst>
               <a:ext uri="{FF2B5EF4-FFF2-40B4-BE49-F238E27FC236}">
-                <a16:creationId xmlns:a16="http://schemas.microsoft.com/office/drawing/2014/main" id="{63140717-DBE6-49C1-9E8A-A26A152B25A5}"/>
+                <a16:creationId xmlns:a16="http://schemas.microsoft.com/office/drawing/2014/main" id="{EB93D3BF-F39A-4F75-93A5-3A3A8CDF8496}"/>
               </a:ext>
             </a:extLst>
           </p:cNvPr>
@@ -9408,15 +9729,21 @@
           <p:nvPr/>
         </p:nvPicPr>
         <p:blipFill>
-          <a:blip r:embed="rId3"/>
+          <a:blip r:embed="rId3">
+            <a:extLst>
+              <a:ext uri="{28A0092B-C50C-407E-A947-70E740481C1C}">
+                <a14:useLocalDpi xmlns:a14="http://schemas.microsoft.com/office/drawing/2010/main" val="0"/>
+              </a:ext>
+            </a:extLst>
+          </a:blip>
           <a:stretch>
             <a:fillRect/>
           </a:stretch>
         </p:blipFill>
         <p:spPr>
           <a:xfrm>
-            <a:off x="1190445" y="4713892"/>
-            <a:ext cx="6763110" cy="455707"/>
+            <a:off x="2070020" y="4386982"/>
+            <a:ext cx="5003957" cy="3215218"/>
           </a:xfrm>
           <a:prstGeom prst="rect">
             <a:avLst/>
@@ -9580,7 +9907,7 @@
         </p:blipFill>
         <p:spPr>
           <a:xfrm>
-            <a:off x="1340059" y="5024783"/>
+            <a:off x="1340059" y="4892391"/>
             <a:ext cx="2912763" cy="1091345"/>
           </a:xfrm>
           <a:prstGeom prst="rect">
@@ -9617,7 +9944,7 @@
         </p:blipFill>
         <p:spPr bwMode="auto">
           <a:xfrm>
-            <a:off x="5184384" y="4884713"/>
+            <a:off x="5167131" y="4754887"/>
             <a:ext cx="2912764" cy="1366351"/>
           </a:xfrm>
           <a:prstGeom prst="rect">
@@ -9633,6 +9960,42 @@
               </a14:hiddenFill>
             </a:ext>
           </a:extLst>
+        </p:spPr>
+      </p:pic>
+      <p:pic>
+        <p:nvPicPr>
+          <p:cNvPr id="6" name="Imagen 5">
+            <a:extLst>
+              <a:ext uri="{FF2B5EF4-FFF2-40B4-BE49-F238E27FC236}">
+                <a16:creationId xmlns:a16="http://schemas.microsoft.com/office/drawing/2014/main" id="{D477C4F6-FE55-4719-B2EC-3697B8D73DE8}"/>
+              </a:ext>
+            </a:extLst>
+          </p:cNvPr>
+          <p:cNvPicPr>
+            <a:picLocks noChangeAspect="1"/>
+          </p:cNvPicPr>
+          <p:nvPr/>
+        </p:nvPicPr>
+        <p:blipFill>
+          <a:blip r:embed="rId4">
+            <a:extLst>
+              <a:ext uri="{28A0092B-C50C-407E-A947-70E740481C1C}">
+                <a14:useLocalDpi xmlns:a14="http://schemas.microsoft.com/office/drawing/2010/main" val="0"/>
+              </a:ext>
+            </a:extLst>
+          </a:blip>
+          <a:stretch>
+            <a:fillRect/>
+          </a:stretch>
+        </p:blipFill>
+        <p:spPr>
+          <a:xfrm>
+            <a:off x="-138542" y="4623758"/>
+            <a:ext cx="4262268" cy="2719956"/>
+          </a:xfrm>
+          <a:prstGeom prst="rect">
+            <a:avLst/>
+          </a:prstGeom>
         </p:spPr>
       </p:pic>
     </p:spTree>
@@ -9743,7 +10106,7 @@
         <p:spPr>
           <a:xfrm>
             <a:off x="897147" y="1397479"/>
-            <a:ext cx="7497433" cy="646331"/>
+            <a:ext cx="7497433" cy="707886"/>
           </a:xfrm>
           <a:prstGeom prst="rect">
             <a:avLst/>
@@ -9756,13 +10119,50 @@
           </a:bodyPr>
           <a:lstStyle/>
           <a:p>
-            <a:r>
-              <a:rPr lang="es-ES" dirty="0"/>
+            <a:pPr algn="just"/>
+            <a:r>
+              <a:rPr lang="es-ES" sz="2000" dirty="0"/>
               <a:t>A partir de las necesidades de la aplicación generamos el siguiente modelo de datos.</a:t>
             </a:r>
           </a:p>
         </p:txBody>
       </p:sp>
+      <p:pic>
+        <p:nvPicPr>
+          <p:cNvPr id="6" name="Imagen 5">
+            <a:extLst>
+              <a:ext uri="{FF2B5EF4-FFF2-40B4-BE49-F238E27FC236}">
+                <a16:creationId xmlns:a16="http://schemas.microsoft.com/office/drawing/2014/main" id="{1DA31D62-DC4A-4A27-BA85-B4573614B73F}"/>
+              </a:ext>
+            </a:extLst>
+          </p:cNvPr>
+          <p:cNvPicPr>
+            <a:picLocks noChangeAspect="1"/>
+          </p:cNvPicPr>
+          <p:nvPr/>
+        </p:nvPicPr>
+        <p:blipFill>
+          <a:blip r:embed="rId3">
+            <a:extLst>
+              <a:ext uri="{28A0092B-C50C-407E-A947-70E740481C1C}">
+                <a14:useLocalDpi xmlns:a14="http://schemas.microsoft.com/office/drawing/2010/main" val="0"/>
+              </a:ext>
+            </a:extLst>
+          </a:blip>
+          <a:stretch>
+            <a:fillRect/>
+          </a:stretch>
+        </p:blipFill>
+        <p:spPr>
+          <a:xfrm>
+            <a:off x="-138542" y="4882550"/>
+            <a:ext cx="3856730" cy="2461163"/>
+          </a:xfrm>
+          <a:prstGeom prst="rect">
+            <a:avLst/>
+          </a:prstGeom>
+        </p:spPr>
+      </p:pic>
     </p:spTree>
     <p:extLst>
       <p:ext uri="{BB962C8B-B14F-4D97-AF65-F5344CB8AC3E}">
@@ -9840,7 +10240,7 @@
         </p:nvSpPr>
         <p:spPr>
           <a:xfrm>
-            <a:off x="628650" y="1690689"/>
+            <a:off x="628650" y="1526787"/>
             <a:ext cx="7886700" cy="822684"/>
           </a:xfrm>
         </p:spPr>
@@ -9884,8 +10284,44 @@
         </p:blipFill>
         <p:spPr>
           <a:xfrm>
-            <a:off x="827596" y="2783245"/>
+            <a:off x="827596" y="2533079"/>
             <a:ext cx="7687754" cy="3388400"/>
+          </a:xfrm>
+          <a:prstGeom prst="rect">
+            <a:avLst/>
+          </a:prstGeom>
+        </p:spPr>
+      </p:pic>
+      <p:pic>
+        <p:nvPicPr>
+          <p:cNvPr id="5" name="Imagen 4">
+            <a:extLst>
+              <a:ext uri="{FF2B5EF4-FFF2-40B4-BE49-F238E27FC236}">
+                <a16:creationId xmlns:a16="http://schemas.microsoft.com/office/drawing/2014/main" id="{468DFF11-D93A-4525-AF7E-A555E2F864C8}"/>
+              </a:ext>
+            </a:extLst>
+          </p:cNvPr>
+          <p:cNvPicPr>
+            <a:picLocks noChangeAspect="1"/>
+          </p:cNvPicPr>
+          <p:nvPr/>
+        </p:nvPicPr>
+        <p:blipFill>
+          <a:blip r:embed="rId3">
+            <a:extLst>
+              <a:ext uri="{28A0092B-C50C-407E-A947-70E740481C1C}">
+                <a14:useLocalDpi xmlns:a14="http://schemas.microsoft.com/office/drawing/2010/main" val="0"/>
+              </a:ext>
+            </a:extLst>
+          </a:blip>
+          <a:stretch>
+            <a:fillRect/>
+          </a:stretch>
+        </p:blipFill>
+        <p:spPr>
+          <a:xfrm>
+            <a:off x="-138542" y="4968814"/>
+            <a:ext cx="3721551" cy="2374899"/>
           </a:xfrm>
           <a:prstGeom prst="rect">
             <a:avLst/>
@@ -9938,14 +10374,19 @@
             <p:ph type="title"/>
           </p:nvPr>
         </p:nvSpPr>
-        <p:spPr/>
+        <p:spPr>
+          <a:xfrm>
+            <a:off x="628650" y="365127"/>
+            <a:ext cx="7886700" cy="1049606"/>
+          </a:xfrm>
+        </p:spPr>
         <p:txBody>
           <a:bodyPr/>
           <a:lstStyle/>
           <a:p>
             <a:pPr algn="ctr"/>
             <a:r>
-              <a:rPr lang="es-ES" dirty="0"/>
+              <a:rPr lang="es-ES" b="1" dirty="0"/>
               <a:t>INTRODUCCIÓN</a:t>
             </a:r>
           </a:p>
@@ -9967,40 +10408,81 @@
             <p:ph idx="1"/>
           </p:nvPr>
         </p:nvSpPr>
-        <p:spPr/>
+        <p:spPr>
+          <a:xfrm>
+            <a:off x="628650" y="1708030"/>
+            <a:ext cx="7886700" cy="4598329"/>
+          </a:xfrm>
+        </p:spPr>
         <p:txBody>
           <a:bodyPr>
-            <a:normAutofit fontScale="92500" lnSpcReduction="10000"/>
+            <a:normAutofit/>
           </a:bodyPr>
           <a:lstStyle/>
           <a:p>
             <a:pPr algn="just"/>
             <a:r>
-              <a:rPr lang="es-ES" dirty="0"/>
+              <a:rPr lang="es-ES" sz="2400" dirty="0"/>
               <a:t>Ante la falta de un </a:t>
             </a:r>
             <a:r>
-              <a:rPr lang="es-ES_tradnl" dirty="0"/>
+              <a:rPr lang="es-ES_tradnl" sz="2400" dirty="0"/>
               <a:t>sistema automatizado que almacene la información relacionada con las actividades extraescolares del centro, decidimos por sugerencia de Domingo Pérez realizar este proyecto para solventar dicho problema. </a:t>
             </a:r>
           </a:p>
           <a:p>
             <a:pPr algn="just"/>
             <a:r>
-              <a:rPr lang="es-ES_tradnl" dirty="0"/>
+              <a:rPr lang="es-ES_tradnl" sz="2400" dirty="0"/>
               <a:t>Dotando al centro de una aplicación mediante la cual tanto profesores como alumnos pueden contribuir a dicha tarea y exponer sus opiniones y comentarios sobre las propias actividades extraescolares.</a:t>
             </a:r>
           </a:p>
           <a:p>
             <a:pPr algn="just"/>
             <a:r>
-              <a:rPr lang="es-ES_tradnl" dirty="0"/>
+              <a:rPr lang="es-ES_tradnl" sz="2400" dirty="0"/>
               <a:t>Dicho proyecto nos ofrece la oportunidad de enriquecer nuestro conocimiento y hábitos de programación.</a:t>
             </a:r>
-            <a:endParaRPr lang="es-ES" dirty="0"/>
+            <a:endParaRPr lang="es-ES" sz="2400" dirty="0"/>
           </a:p>
         </p:txBody>
       </p:sp>
+      <p:pic>
+        <p:nvPicPr>
+          <p:cNvPr id="11" name="Imagen 10">
+            <a:extLst>
+              <a:ext uri="{FF2B5EF4-FFF2-40B4-BE49-F238E27FC236}">
+                <a16:creationId xmlns:a16="http://schemas.microsoft.com/office/drawing/2014/main" id="{5853A6DC-36EB-4F89-B256-39D809E3BD1D}"/>
+              </a:ext>
+            </a:extLst>
+          </p:cNvPr>
+          <p:cNvPicPr>
+            <a:picLocks noChangeAspect="1"/>
+          </p:cNvPicPr>
+          <p:nvPr/>
+        </p:nvPicPr>
+        <p:blipFill>
+          <a:blip r:embed="rId2">
+            <a:extLst>
+              <a:ext uri="{28A0092B-C50C-407E-A947-70E740481C1C}">
+                <a14:useLocalDpi xmlns:a14="http://schemas.microsoft.com/office/drawing/2010/main" val="0"/>
+              </a:ext>
+            </a:extLst>
+          </a:blip>
+          <a:stretch>
+            <a:fillRect/>
+          </a:stretch>
+        </p:blipFill>
+        <p:spPr>
+          <a:xfrm>
+            <a:off x="2070021" y="4239129"/>
+            <a:ext cx="5003957" cy="3215218"/>
+          </a:xfrm>
+          <a:prstGeom prst="rect">
+            <a:avLst/>
+          </a:prstGeom>
+        </p:spPr>
+      </p:pic>
     </p:spTree>
     <p:extLst>
       <p:ext uri="{BB962C8B-B14F-4D97-AF65-F5344CB8AC3E}">
@@ -10092,7 +10574,7 @@
         </p:spPr>
         <p:txBody>
           <a:bodyPr>
-            <a:normAutofit lnSpcReduction="10000"/>
+            <a:noAutofit/>
           </a:bodyPr>
           <a:lstStyle/>
           <a:p>
@@ -10105,127 +10587,121 @@
             </a:r>
           </a:p>
           <a:p>
-            <a:pPr marL="0" indent="0" algn="just">
-              <a:buNone/>
-            </a:pPr>
-            <a:endParaRPr lang="es-ES" sz="2000" dirty="0"/>
-          </a:p>
-          <a:p>
             <a:pPr algn="just"/>
             <a:r>
-              <a:rPr lang="es-ES" sz="1800" b="1" dirty="0"/>
+              <a:rPr lang="es-ES" sz="2000" b="1" dirty="0"/>
               <a:t>HTML5</a:t>
             </a:r>
             <a:r>
-              <a:rPr lang="es-ES" sz="1800" dirty="0"/>
-              <a:t>: Debido a que </a:t>
-            </a:r>
-            <a:r>
-              <a:rPr lang="es-ES" sz="1800" dirty="0" err="1"/>
-              <a:t>incorpo</a:t>
-            </a:r>
-            <a:r>
-              <a:rPr lang="es-ES_tradnl" sz="1800" dirty="0" err="1"/>
-              <a:t>ra</a:t>
-            </a:r>
-            <a:r>
-              <a:rPr lang="es-ES_tradnl" sz="1800" dirty="0"/>
-              <a:t> etiquetas con un significado semántico, lo que facilita su comprensión, algunas etiquetas son: header, </a:t>
-            </a:r>
-            <a:r>
-              <a:rPr lang="es-ES_tradnl" sz="1800" dirty="0" err="1"/>
-              <a:t>footer</a:t>
-            </a:r>
-            <a:r>
-              <a:rPr lang="es-ES_tradnl" sz="1800" dirty="0"/>
-              <a:t>, </a:t>
-            </a:r>
-            <a:r>
-              <a:rPr lang="es-ES_tradnl" sz="1800" dirty="0" err="1"/>
-              <a:t>article</a:t>
-            </a:r>
-            <a:r>
-              <a:rPr lang="es-ES_tradnl" sz="1800" dirty="0"/>
-              <a:t>, </a:t>
-            </a:r>
-            <a:r>
-              <a:rPr lang="es-ES_tradnl" sz="1800" dirty="0" err="1"/>
-              <a:t>nav</a:t>
-            </a:r>
-            <a:r>
-              <a:rPr lang="es-ES_tradnl" sz="1800" dirty="0"/>
-              <a:t>, </a:t>
-            </a:r>
-            <a:r>
-              <a:rPr lang="es-ES_tradnl" sz="1800" dirty="0" err="1"/>
-              <a:t>section</a:t>
-            </a:r>
-            <a:r>
-              <a:rPr lang="es-ES_tradnl" sz="1800" dirty="0"/>
-              <a:t>, etc. </a:t>
+              <a:rPr lang="es-ES" sz="2000" dirty="0"/>
+              <a:t>: Incorpora</a:t>
+            </a:r>
+            <a:r>
+              <a:rPr lang="es-ES_tradnl" sz="2000" dirty="0"/>
+              <a:t> etiquetas con un significado semántico, lo que facilita su comprensión. </a:t>
             </a:r>
           </a:p>
           <a:p>
             <a:pPr algn="just"/>
             <a:r>
-              <a:rPr lang="es-ES" sz="1800" b="1" dirty="0"/>
+              <a:rPr lang="es-ES" sz="2000" b="1" dirty="0"/>
               <a:t>CSS3</a:t>
             </a:r>
             <a:r>
-              <a:rPr lang="es-ES" sz="1800" dirty="0"/>
-              <a:t>: Debido a que </a:t>
-            </a:r>
-            <a:r>
-              <a:rPr lang="es-ES_tradnl" sz="1800" dirty="0"/>
-              <a:t>permite a los desarrolladores Web controlar el estilo y el formato de múltiples páginas Web al mismo tiempo. </a:t>
+              <a:rPr lang="es-ES" sz="2000" dirty="0"/>
+              <a:t>: P</a:t>
+            </a:r>
+            <a:r>
+              <a:rPr lang="es-ES_tradnl" sz="2000" dirty="0" err="1"/>
+              <a:t>ermite</a:t>
+            </a:r>
+            <a:r>
+              <a:rPr lang="es-ES_tradnl" sz="2000" dirty="0"/>
+              <a:t> controlar el estilo y el formato de múltiples páginas Web al mismo tiempo. </a:t>
             </a:r>
           </a:p>
           <a:p>
             <a:pPr algn="just"/>
             <a:r>
-              <a:rPr lang="es-ES_tradnl" sz="1800" b="1" dirty="0"/>
+              <a:rPr lang="es-ES_tradnl" sz="2000" b="1" dirty="0"/>
               <a:t>JavaScript</a:t>
             </a:r>
             <a:r>
-              <a:rPr lang="es-ES_tradnl" sz="1800" dirty="0"/>
+              <a:rPr lang="es-ES_tradnl" sz="2000" dirty="0"/>
               <a:t>: Debido a su versatilidad hemos optado por su uso para que el usuario interactúe con la aplicación desde el front-end.</a:t>
             </a:r>
           </a:p>
           <a:p>
             <a:pPr algn="just"/>
             <a:r>
-              <a:rPr lang="es-ES" sz="1800" b="1" dirty="0"/>
+              <a:rPr lang="es-ES" sz="2000" b="1" dirty="0"/>
               <a:t>PHP</a:t>
             </a:r>
             <a:r>
-              <a:rPr lang="es-ES" sz="1800" dirty="0"/>
+              <a:rPr lang="es-ES" sz="2000" dirty="0"/>
               <a:t>: lenguaje utilizado para todo lo relacionado con el back-end.</a:t>
             </a:r>
           </a:p>
           <a:p>
             <a:pPr algn="just"/>
             <a:r>
-              <a:rPr lang="es-ES" sz="1800" b="1" dirty="0"/>
+              <a:rPr lang="es-ES" sz="2000" b="1" dirty="0"/>
               <a:t>AJAX</a:t>
             </a:r>
             <a:r>
-              <a:rPr lang="es-ES" sz="1800" dirty="0"/>
-              <a:t>: Utilizado para modificar ciertas secciones de la aplicación mediante llamadas asíncronas al servidor, actualizando únicamente dicha sección sin recargar toda la pagina.</a:t>
+              <a:rPr lang="es-ES" sz="2000" dirty="0"/>
+              <a:t>: Utilizado para modificar ciertas secciones de la aplicación sin recargar toda la pagina.</a:t>
             </a:r>
           </a:p>
           <a:p>
             <a:pPr algn="just"/>
             <a:r>
-              <a:rPr lang="es-ES" sz="1800" b="1" dirty="0"/>
+              <a:rPr lang="es-ES" sz="2000" b="1" dirty="0"/>
               <a:t>MySQL y SQL: </a:t>
             </a:r>
             <a:r>
-              <a:rPr lang="es-ES" sz="1800" dirty="0"/>
+              <a:rPr lang="es-ES" sz="2000" dirty="0"/>
               <a:t>lenguaje de consultas empleado para interactuar con la base de datos MySQL.</a:t>
             </a:r>
           </a:p>
         </p:txBody>
       </p:sp>
+      <p:pic>
+        <p:nvPicPr>
+          <p:cNvPr id="4" name="Imagen 3">
+            <a:extLst>
+              <a:ext uri="{FF2B5EF4-FFF2-40B4-BE49-F238E27FC236}">
+                <a16:creationId xmlns:a16="http://schemas.microsoft.com/office/drawing/2014/main" id="{E07B0641-3527-4D43-8B68-6847478E8FE4}"/>
+              </a:ext>
+            </a:extLst>
+          </p:cNvPr>
+          <p:cNvPicPr>
+            <a:picLocks noChangeAspect="1"/>
+          </p:cNvPicPr>
+          <p:nvPr/>
+        </p:nvPicPr>
+        <p:blipFill>
+          <a:blip r:embed="rId2">
+            <a:extLst>
+              <a:ext uri="{28A0092B-C50C-407E-A947-70E740481C1C}">
+                <a14:useLocalDpi xmlns:a14="http://schemas.microsoft.com/office/drawing/2010/main" val="0"/>
+              </a:ext>
+            </a:extLst>
+          </a:blip>
+          <a:stretch>
+            <a:fillRect/>
+          </a:stretch>
+        </p:blipFill>
+        <p:spPr>
+          <a:xfrm>
+            <a:off x="2350538" y="4809981"/>
+            <a:ext cx="4442923" cy="2854734"/>
+          </a:xfrm>
+          <a:prstGeom prst="rect">
+            <a:avLst/>
+          </a:prstGeom>
+        </p:spPr>
+      </p:pic>
     </p:spTree>
     <p:extLst>
       <p:ext uri="{BB962C8B-B14F-4D97-AF65-F5344CB8AC3E}">
@@ -10308,8 +10784,8 @@
         </p:nvSpPr>
         <p:spPr>
           <a:xfrm>
-            <a:off x="628650" y="1302589"/>
-            <a:ext cx="7886700" cy="4874374"/>
+            <a:off x="1095555" y="1794294"/>
+            <a:ext cx="7439066" cy="4874374"/>
           </a:xfrm>
         </p:spPr>
         <p:txBody>
@@ -10320,55 +10796,69 @@
           <a:p>
             <a:pPr algn="just"/>
             <a:r>
+              <a:rPr lang="es-ES" sz="2400" b="1" dirty="0"/>
+              <a:t>JQUERY</a:t>
+            </a:r>
+          </a:p>
+          <a:p>
+            <a:pPr algn="just"/>
+            <a:endParaRPr lang="es-ES" sz="2400" dirty="0"/>
+          </a:p>
+          <a:p>
+            <a:pPr algn="just"/>
+            <a:r>
+              <a:rPr lang="es-ES" sz="2400" b="1" dirty="0"/>
+              <a:t>BOOTSTRAP</a:t>
+            </a:r>
+            <a:r>
               <a:rPr lang="es-ES" sz="2400" dirty="0"/>
-              <a:t>JQUERY: Librería que facilita el uso de funciones JavaScript</a:t>
+              <a:t>:</a:t>
             </a:r>
           </a:p>
           <a:p>
             <a:pPr algn="just"/>
+            <a:endParaRPr lang="es-ES" sz="2400" dirty="0"/>
+          </a:p>
+          <a:p>
+            <a:pPr algn="just"/>
+            <a:r>
+              <a:rPr lang="es-ES" sz="2400" b="1" dirty="0"/>
+              <a:t>CLASS PHPMAILER</a:t>
+            </a:r>
             <a:r>
               <a:rPr lang="es-ES" sz="2400" dirty="0"/>
-              <a:t>BOOTSTRAP: </a:t>
-            </a:r>
-            <a:r>
-              <a:rPr lang="es-ES_tradnl" sz="2400" dirty="0"/>
-              <a:t>Framework de CSS empleado para simplificar el proceso de maquetación web </a:t>
-            </a:r>
-            <a:r>
-              <a:rPr lang="es-ES_tradnl" sz="2400" dirty="0" err="1"/>
-              <a:t>Responsive</a:t>
-            </a:r>
-            <a:r>
-              <a:rPr lang="es-ES_tradnl" sz="2400" dirty="0"/>
-              <a:t>.</a:t>
-            </a:r>
+              <a:t>: </a:t>
+            </a:r>
+          </a:p>
+          <a:p>
+            <a:pPr algn="just"/>
             <a:endParaRPr lang="es-ES" sz="2400" dirty="0"/>
           </a:p>
           <a:p>
             <a:pPr algn="just"/>
             <a:r>
+              <a:rPr lang="es-ES" sz="2400" b="1" dirty="0"/>
+              <a:t>CKEDITOR</a:t>
+            </a:r>
+            <a:r>
               <a:rPr lang="es-ES" sz="2400" dirty="0"/>
-              <a:t>CLASS PHPMAILER: Clase php utilizada para el envío de mails mediante un servidor SMTP.</a:t>
+              <a:t>: </a:t>
             </a:r>
           </a:p>
           <a:p>
             <a:pPr algn="just"/>
+            <a:endParaRPr lang="es-ES" sz="2400" dirty="0"/>
+          </a:p>
+          <a:p>
+            <a:pPr algn="just"/>
+            <a:r>
+              <a:rPr lang="es-ES" sz="2400" b="1" dirty="0"/>
+              <a:t>GOOGLE CHARTS</a:t>
+            </a:r>
             <a:r>
               <a:rPr lang="es-ES" sz="2400" dirty="0"/>
-              <a:t>CKEDITOR: Editor de texto html que permite aplicar estilos al texto introducido.</a:t>
-            </a:r>
-          </a:p>
-          <a:p>
-            <a:pPr algn="just"/>
-            <a:r>
-              <a:rPr lang="es-ES" sz="2400" dirty="0"/>
-              <a:t>GOOGLE CHARTS: </a:t>
-            </a:r>
-            <a:r>
-              <a:rPr lang="es-ES_tradnl" sz="2400" dirty="0"/>
-              <a:t>Es una aplicación de Google para mostrar estadísticas web gráficamente.</a:t>
-            </a:r>
-            <a:endParaRPr lang="es-ES" sz="2400" dirty="0"/>
+              <a:t>:</a:t>
+            </a:r>
           </a:p>
         </p:txBody>
       </p:sp>
@@ -10401,7 +10891,7 @@
         </p:blipFill>
         <p:spPr bwMode="auto">
           <a:xfrm>
-            <a:off x="2930247" y="5152125"/>
+            <a:off x="3525469" y="2439540"/>
             <a:ext cx="806569" cy="806569"/>
           </a:xfrm>
           <a:prstGeom prst="rect">
@@ -10448,7 +10938,7 @@
         </p:blipFill>
         <p:spPr bwMode="auto">
           <a:xfrm>
-            <a:off x="3914114" y="4982596"/>
+            <a:off x="4124548" y="3186445"/>
             <a:ext cx="1315771" cy="1112766"/>
           </a:xfrm>
           <a:prstGeom prst="rect">
@@ -10495,7 +10985,7 @@
         </p:blipFill>
         <p:spPr bwMode="auto">
           <a:xfrm>
-            <a:off x="503493" y="5035009"/>
+            <a:off x="2709554" y="1371601"/>
             <a:ext cx="2438400" cy="1219200"/>
           </a:xfrm>
           <a:prstGeom prst="rect">
@@ -10542,7 +11032,7 @@
         </p:blipFill>
         <p:spPr bwMode="auto">
           <a:xfrm>
-            <a:off x="5184854" y="5224289"/>
+            <a:off x="3205835" y="4299211"/>
             <a:ext cx="1837426" cy="662239"/>
           </a:xfrm>
           <a:prstGeom prst="rect">
@@ -10589,7 +11079,7 @@
         </p:blipFill>
         <p:spPr bwMode="auto">
           <a:xfrm>
-            <a:off x="7359784" y="5072361"/>
+            <a:off x="3928753" y="5097848"/>
             <a:ext cx="933236" cy="933236"/>
           </a:xfrm>
           <a:prstGeom prst="rect">
@@ -10605,6 +11095,42 @@
               </a14:hiddenFill>
             </a:ext>
           </a:extLst>
+        </p:spPr>
+      </p:pic>
+      <p:pic>
+        <p:nvPicPr>
+          <p:cNvPr id="14" name="Imagen 13">
+            <a:extLst>
+              <a:ext uri="{FF2B5EF4-FFF2-40B4-BE49-F238E27FC236}">
+                <a16:creationId xmlns:a16="http://schemas.microsoft.com/office/drawing/2014/main" id="{6235C010-F3FD-4323-9AAB-7C203B38EA83}"/>
+              </a:ext>
+            </a:extLst>
+          </p:cNvPr>
+          <p:cNvPicPr>
+            <a:picLocks noChangeAspect="1"/>
+          </p:cNvPicPr>
+          <p:nvPr/>
+        </p:nvPicPr>
+        <p:blipFill>
+          <a:blip r:embed="rId7">
+            <a:extLst>
+              <a:ext uri="{28A0092B-C50C-407E-A947-70E740481C1C}">
+                <a14:useLocalDpi xmlns:a14="http://schemas.microsoft.com/office/drawing/2010/main" val="0"/>
+              </a:ext>
+            </a:extLst>
+          </a:blip>
+          <a:stretch>
+            <a:fillRect/>
+          </a:stretch>
+        </p:blipFill>
+        <p:spPr>
+          <a:xfrm>
+            <a:off x="7030988" y="2129595"/>
+            <a:ext cx="4844692" cy="3091628"/>
+          </a:xfrm>
+          <a:prstGeom prst="rect">
+            <a:avLst/>
+          </a:prstGeom>
         </p:spPr>
       </p:pic>
     </p:spTree>
@@ -10695,7 +11221,7 @@
         </p:spPr>
         <p:txBody>
           <a:bodyPr>
-            <a:normAutofit/>
+            <a:normAutofit lnSpcReduction="10000"/>
           </a:bodyPr>
           <a:lstStyle/>
           <a:p>
@@ -10703,7 +11229,7 @@
               <a:buNone/>
             </a:pPr>
             <a:r>
-              <a:rPr lang="es-ES" sz="1900" dirty="0"/>
+              <a:rPr lang="es-ES" sz="2000" dirty="0"/>
               <a:t>Para securizar la aplicación hemos seguido los siguientes métodos.</a:t>
             </a:r>
           </a:p>
@@ -10714,26 +11240,13 @@
               </a:lnSpc>
             </a:pPr>
             <a:r>
-              <a:rPr lang="es-ES" sz="1800" b="1" dirty="0"/>
+              <a:rPr lang="es-ES" sz="2000" b="1" dirty="0"/>
               <a:t>INICIO DE SESION: </a:t>
             </a:r>
             <a:r>
-              <a:rPr lang="es-ES" sz="1800" dirty="0"/>
+              <a:rPr lang="es-ES" sz="2000" dirty="0"/>
               <a:t>Controlamos el acceso a los datos mediante un sistema de inicio de sesión que otorga privilegios dependiendo del rol del usuario. </a:t>
             </a:r>
-          </a:p>
-          <a:p>
-            <a:pPr marL="266700" indent="0" algn="just">
-              <a:lnSpc>
-                <a:spcPct val="100000"/>
-              </a:lnSpc>
-              <a:buNone/>
-            </a:pPr>
-            <a:r>
-              <a:rPr lang="es-ES_tradnl" sz="1800" dirty="0"/>
-              <a:t>Para aumentar la seguridad, se le pasa a cada contraseña el algoritmo de cifrado md5, para evitar que si usuarios ajenos acceden a la base de datos no puedan obtener las contraseñas en texto plano. Para el cifrado se sigue el siguiente procedimiento.</a:t>
-            </a:r>
-            <a:endParaRPr lang="es-ES" sz="1800" dirty="0"/>
           </a:p>
           <a:p>
             <a:pPr marL="0" indent="0" algn="just">
@@ -10742,7 +11255,10 @@
               </a:lnSpc>
               <a:buNone/>
             </a:pPr>
-            <a:endParaRPr lang="es-ES" sz="1800" b="1" dirty="0"/>
+            <a:r>
+              <a:rPr lang="es-ES" sz="2000" dirty="0"/>
+              <a:t>    Ejemplo de encriptado</a:t>
+            </a:r>
           </a:p>
           <a:p>
             <a:pPr algn="just">
@@ -10750,7 +11266,7 @@
                 <a:spcPct val="100000"/>
               </a:lnSpc>
             </a:pPr>
-            <a:endParaRPr lang="es-ES" sz="1800" b="1" dirty="0"/>
+            <a:endParaRPr lang="es-ES" sz="2000" b="1" dirty="0"/>
           </a:p>
           <a:p>
             <a:pPr algn="just">
@@ -10758,7 +11274,7 @@
                 <a:spcPct val="100000"/>
               </a:lnSpc>
             </a:pPr>
-            <a:endParaRPr lang="es-ES" sz="1800" b="1" dirty="0"/>
+            <a:endParaRPr lang="es-ES" sz="2000" b="1" dirty="0"/>
           </a:p>
           <a:p>
             <a:pPr algn="just">
@@ -10766,7 +11282,7 @@
                 <a:spcPct val="100000"/>
               </a:lnSpc>
             </a:pPr>
-            <a:endParaRPr lang="es-ES" sz="1800" b="1" dirty="0"/>
+            <a:endParaRPr lang="es-ES" sz="2000" b="1" dirty="0"/>
           </a:p>
           <a:p>
             <a:pPr algn="just">
@@ -10774,15 +11290,32 @@
                 <a:spcPct val="100000"/>
               </a:lnSpc>
             </a:pPr>
-            <a:r>
-              <a:rPr lang="es-ES_tradnl" sz="1800" b="1" dirty="0"/>
+            <a:endParaRPr lang="es-ES" sz="2000" b="1" dirty="0"/>
+          </a:p>
+          <a:p>
+            <a:pPr marL="0" indent="0" algn="just">
+              <a:lnSpc>
+                <a:spcPct val="100000"/>
+              </a:lnSpc>
+              <a:buNone/>
+            </a:pPr>
+            <a:endParaRPr lang="es-ES" sz="2000" b="1" dirty="0"/>
+          </a:p>
+          <a:p>
+            <a:pPr algn="just">
+              <a:lnSpc>
+                <a:spcPct val="100000"/>
+              </a:lnSpc>
+            </a:pPr>
+            <a:r>
+              <a:rPr lang="es-ES_tradnl" sz="2000" b="1" dirty="0"/>
               <a:t>USO DE VARIABLES DE SESIÓN Y NO DE COOKIES: </a:t>
             </a:r>
             <a:r>
-              <a:rPr lang="es-ES_tradnl" sz="1800" dirty="0"/>
+              <a:rPr lang="es-ES_tradnl" sz="2000" dirty="0"/>
               <a:t>Debido a que el uso de cookies es bastante inseguro, optamos por el uso de variables de sesión para almacenar los datos del usuario.</a:t>
             </a:r>
-            <a:endParaRPr lang="es-ES" sz="1800" dirty="0"/>
+            <a:endParaRPr lang="es-ES" sz="2000" dirty="0"/>
           </a:p>
           <a:p>
             <a:pPr marL="0" indent="0" algn="just">
@@ -10826,8 +11359,44 @@
         </p:blipFill>
         <p:spPr>
           <a:xfrm>
-            <a:off x="1776730" y="3724907"/>
-            <a:ext cx="5590540" cy="1324610"/>
+            <a:off x="707366" y="3137934"/>
+            <a:ext cx="7729268" cy="1719041"/>
+          </a:xfrm>
+          <a:prstGeom prst="rect">
+            <a:avLst/>
+          </a:prstGeom>
+        </p:spPr>
+      </p:pic>
+      <p:pic>
+        <p:nvPicPr>
+          <p:cNvPr id="5" name="Imagen 4">
+            <a:extLst>
+              <a:ext uri="{FF2B5EF4-FFF2-40B4-BE49-F238E27FC236}">
+                <a16:creationId xmlns:a16="http://schemas.microsoft.com/office/drawing/2014/main" id="{03F02241-3E35-463A-92E7-C4196DC9CDFD}"/>
+              </a:ext>
+            </a:extLst>
+          </p:cNvPr>
+          <p:cNvPicPr>
+            <a:picLocks noChangeAspect="1"/>
+          </p:cNvPicPr>
+          <p:nvPr/>
+        </p:nvPicPr>
+        <p:blipFill>
+          <a:blip r:embed="rId3">
+            <a:extLst>
+              <a:ext uri="{28A0092B-C50C-407E-A947-70E740481C1C}">
+                <a14:useLocalDpi xmlns:a14="http://schemas.microsoft.com/office/drawing/2010/main" val="0"/>
+              </a:ext>
+            </a:extLst>
+          </a:blip>
+          <a:stretch>
+            <a:fillRect/>
+          </a:stretch>
+        </p:blipFill>
+        <p:spPr>
+          <a:xfrm>
+            <a:off x="2350538" y="4809981"/>
+            <a:ext cx="4442923" cy="2854734"/>
           </a:xfrm>
           <a:prstGeom prst="rect">
             <a:avLst/>
@@ -10892,49 +11461,26 @@
           <a:p>
             <a:pPr algn="just"/>
             <a:r>
-              <a:rPr lang="es-ES_tradnl" sz="1600" b="1" dirty="0"/>
+              <a:rPr lang="es-ES_tradnl" sz="2000" b="1" dirty="0"/>
               <a:t>CONTROL DE ATAQUES MEDIANTE URL: </a:t>
             </a:r>
             <a:r>
-              <a:rPr lang="es-ES_tradnl" sz="1600" dirty="0"/>
+              <a:rPr lang="es-ES_tradnl" sz="2000" dirty="0"/>
               <a:t>Para evitar ataques por URL, comprobamos en cada redirección y cada carga de nueva página, que las credenciales URL de usuario coincidan con el usuario que ha iniciado la sesión.</a:t>
             </a:r>
+            <a:endParaRPr lang="es-ES" sz="1600" b="1" dirty="0"/>
           </a:p>
           <a:p>
             <a:pPr algn="just"/>
-            <a:endParaRPr lang="es-ES_tradnl" sz="1600" b="1" dirty="0"/>
-          </a:p>
-          <a:p>
-            <a:pPr algn="just"/>
-            <a:endParaRPr lang="es-ES_tradnl" sz="1600" b="1" dirty="0"/>
-          </a:p>
-          <a:p>
-            <a:pPr algn="just"/>
-            <a:endParaRPr lang="es-ES_tradnl" sz="1600" b="1" dirty="0"/>
-          </a:p>
-          <a:p>
-            <a:pPr algn="just"/>
-            <a:endParaRPr lang="es-ES" sz="1600" b="1" dirty="0"/>
-          </a:p>
-          <a:p>
-            <a:pPr algn="just"/>
-            <a:r>
-              <a:rPr lang="es-ES_tradnl" sz="1600" b="1" dirty="0"/>
+            <a:r>
+              <a:rPr lang="es-ES_tradnl" sz="2000" b="1" dirty="0"/>
               <a:t>PERIODO DE INACTIVIDAD: </a:t>
             </a:r>
             <a:r>
-              <a:rPr lang="es-ES_tradnl" sz="1600" dirty="0"/>
-              <a:t>Se ha incorporado una función a la aplicación que contabiliza el tiempo que pasa un usuario </a:t>
-            </a:r>
-            <a:r>
-              <a:rPr lang="es-ES_tradnl" sz="1600" dirty="0" err="1"/>
-              <a:t>logueado</a:t>
-            </a:r>
-            <a:r>
-              <a:rPr lang="es-ES_tradnl" sz="1600" dirty="0"/>
-              <a:t> sin realizar ninguna acción, una vez superado el tiempo (30 minutos), el sistema cierra la sesión automáticamente.</a:t>
-            </a:r>
-            <a:endParaRPr lang="es-ES" sz="1600" dirty="0"/>
+              <a:rPr lang="es-ES_tradnl" sz="2000" dirty="0"/>
+              <a:t>Función que cierra la sesión automáticamente tras un tiempo de inactividad.</a:t>
+            </a:r>
+            <a:endParaRPr lang="es-ES" sz="2000" dirty="0"/>
           </a:p>
           <a:p>
             <a:endParaRPr lang="es-ES" dirty="0"/>
@@ -10943,10 +11489,10 @@
       </p:sp>
       <p:pic>
         <p:nvPicPr>
-          <p:cNvPr id="4" name="Imagen 3">
+          <p:cNvPr id="5" name="Imagen 4">
             <a:extLst>
               <a:ext uri="{FF2B5EF4-FFF2-40B4-BE49-F238E27FC236}">
-                <a16:creationId xmlns:a16="http://schemas.microsoft.com/office/drawing/2014/main" id="{384CFDED-05E7-4E5D-8F0A-776F79D6EB12}"/>
+                <a16:creationId xmlns:a16="http://schemas.microsoft.com/office/drawing/2014/main" id="{074BD1C3-3520-4EE3-A90D-2CAFDB9584CD}"/>
               </a:ext>
             </a:extLst>
           </p:cNvPr>
@@ -10963,8 +11509,8 @@
         </p:blipFill>
         <p:spPr>
           <a:xfrm>
-            <a:off x="1736425" y="1419674"/>
-            <a:ext cx="5671149" cy="1322781"/>
+            <a:off x="1638217" y="2462726"/>
+            <a:ext cx="5867566" cy="4076097"/>
           </a:xfrm>
           <a:prstGeom prst="rect">
             <a:avLst/>
@@ -10973,10 +11519,10 @@
       </p:pic>
       <p:pic>
         <p:nvPicPr>
-          <p:cNvPr id="5" name="Imagen 4">
+          <p:cNvPr id="6" name="Imagen 5">
             <a:extLst>
               <a:ext uri="{FF2B5EF4-FFF2-40B4-BE49-F238E27FC236}">
-                <a16:creationId xmlns:a16="http://schemas.microsoft.com/office/drawing/2014/main" id="{074BD1C3-3520-4EE3-A90D-2CAFDB9584CD}"/>
+                <a16:creationId xmlns:a16="http://schemas.microsoft.com/office/drawing/2014/main" id="{40F0CA3A-5C78-4173-A784-EF597ACB6C8F}"/>
               </a:ext>
             </a:extLst>
           </p:cNvPr>
@@ -10986,15 +11532,21 @@
           <p:nvPr/>
         </p:nvPicPr>
         <p:blipFill>
-          <a:blip r:embed="rId3"/>
+          <a:blip r:embed="rId3">
+            <a:extLst>
+              <a:ext uri="{28A0092B-C50C-407E-A947-70E740481C1C}">
+                <a14:useLocalDpi xmlns:a14="http://schemas.microsoft.com/office/drawing/2010/main" val="0"/>
+              </a:ext>
+            </a:extLst>
+          </a:blip>
           <a:stretch>
             <a:fillRect/>
           </a:stretch>
         </p:blipFill>
         <p:spPr>
           <a:xfrm>
-            <a:off x="2298849" y="3541027"/>
-            <a:ext cx="4546301" cy="3158237"/>
+            <a:off x="7632016" y="2954960"/>
+            <a:ext cx="4844692" cy="3091628"/>
           </a:xfrm>
           <a:prstGeom prst="rect">
             <a:avLst/>
@@ -11049,8 +11601,8 @@
         </p:nvSpPr>
         <p:spPr>
           <a:xfrm>
-            <a:off x="628650" y="724619"/>
-            <a:ext cx="7886700" cy="5452344"/>
+            <a:off x="628650" y="603849"/>
+            <a:ext cx="7886700" cy="5573114"/>
           </a:xfrm>
         </p:spPr>
         <p:txBody>
@@ -11059,14 +11611,14 @@
           <a:p>
             <a:pPr algn="just"/>
             <a:r>
-              <a:rPr lang="es-ES_tradnl" sz="1800" b="1" dirty="0"/>
+              <a:rPr lang="es-ES_tradnl" sz="2000" b="1" dirty="0"/>
               <a:t>COPIAS DE SEGURIDAD: </a:t>
             </a:r>
             <a:r>
-              <a:rPr lang="es-ES_tradnl" sz="1800" dirty="0"/>
+              <a:rPr lang="es-ES_tradnl" sz="2000" dirty="0"/>
               <a:t>Para evitar la perdida de datos hemos implementado un sistema de copias de seguridad, el cual, realiza una copia semanal tanto de la base de datos como de los ficheros y carpetas que constituyen la aplicación.</a:t>
             </a:r>
-            <a:endParaRPr lang="es-ES" sz="1800" dirty="0"/>
+            <a:endParaRPr lang="es-ES" sz="2000" dirty="0"/>
           </a:p>
           <a:p>
             <a:endParaRPr lang="es-ES" dirty="0"/>
@@ -11095,8 +11647,44 @@
         </p:blipFill>
         <p:spPr>
           <a:xfrm>
-            <a:off x="2185987" y="1935641"/>
-            <a:ext cx="4772025" cy="3952875"/>
+            <a:off x="1916816" y="1778155"/>
+            <a:ext cx="5310368" cy="4398808"/>
+          </a:xfrm>
+          <a:prstGeom prst="rect">
+            <a:avLst/>
+          </a:prstGeom>
+        </p:spPr>
+      </p:pic>
+      <p:pic>
+        <p:nvPicPr>
+          <p:cNvPr id="5" name="Imagen 4">
+            <a:extLst>
+              <a:ext uri="{FF2B5EF4-FFF2-40B4-BE49-F238E27FC236}">
+                <a16:creationId xmlns:a16="http://schemas.microsoft.com/office/drawing/2014/main" id="{A3BFE657-14D4-46B9-8982-7838DA068C63}"/>
+              </a:ext>
+            </a:extLst>
+          </p:cNvPr>
+          <p:cNvPicPr>
+            <a:picLocks noChangeAspect="1"/>
+          </p:cNvPicPr>
+          <p:nvPr/>
+        </p:nvPicPr>
+        <p:blipFill>
+          <a:blip r:embed="rId3">
+            <a:extLst>
+              <a:ext uri="{28A0092B-C50C-407E-A947-70E740481C1C}">
+                <a14:useLocalDpi xmlns:a14="http://schemas.microsoft.com/office/drawing/2010/main" val="0"/>
+              </a:ext>
+            </a:extLst>
+          </a:blip>
+          <a:stretch>
+            <a:fillRect/>
+          </a:stretch>
+        </p:blipFill>
+        <p:spPr>
+          <a:xfrm>
+            <a:off x="85728" y="2431745"/>
+            <a:ext cx="4844692" cy="3091628"/>
           </a:xfrm>
           <a:prstGeom prst="rect">
             <a:avLst/>
@@ -11157,118 +11745,32 @@
         </p:spPr>
         <p:txBody>
           <a:bodyPr>
-            <a:normAutofit/>
+            <a:normAutofit lnSpcReduction="10000"/>
           </a:bodyPr>
           <a:lstStyle/>
           <a:p>
             <a:pPr algn="just"/>
             <a:r>
-              <a:rPr lang="es-ES_tradnl" sz="1800" b="1" dirty="0"/>
+              <a:rPr lang="es-ES_tradnl" sz="2000" b="1" dirty="0"/>
               <a:t>PROTOCOLO HTTPS: </a:t>
             </a:r>
             <a:r>
-              <a:rPr lang="es-ES_tradnl" sz="1800" dirty="0"/>
-              <a:t>Optamos por usar el protocolo HTTPS debido a que incluye algunas mejoras en cuanto a seguridad con respecto a http.</a:t>
-            </a:r>
-          </a:p>
-          <a:p>
-            <a:pPr lvl="1" algn="just">
-              <a:buFont typeface="Wingdings" panose="05000000000000000000" pitchFamily="2" charset="2"/>
-              <a:buChar char="Ø"/>
-            </a:pPr>
-            <a:r>
-              <a:rPr lang="es-ES_tradnl" sz="1400" b="1" dirty="0"/>
-              <a:t>Encriptación</a:t>
-            </a:r>
-            <a:r>
-              <a:rPr lang="es-ES_tradnl" sz="1400" dirty="0"/>
-              <a:t>: si algún atacante consigue interceptar alguna información, no le servirá para nada ya que no sabrá descifrarla.</a:t>
-            </a:r>
-            <a:endParaRPr lang="es-ES" sz="1400" dirty="0"/>
-          </a:p>
-          <a:p>
-            <a:pPr lvl="1" algn="just">
-              <a:buFont typeface="Wingdings" panose="05000000000000000000" pitchFamily="2" charset="2"/>
-              <a:buChar char="Ø"/>
-            </a:pPr>
-            <a:r>
-              <a:rPr lang="es-ES_tradnl" sz="1400" b="1" dirty="0"/>
-              <a:t>Integridad</a:t>
-            </a:r>
-            <a:r>
-              <a:rPr lang="es-ES_tradnl" sz="1400" dirty="0"/>
-              <a:t> </a:t>
-            </a:r>
-            <a:r>
-              <a:rPr lang="es-ES_tradnl" sz="1400" b="1" dirty="0"/>
-              <a:t>de datos</a:t>
-            </a:r>
-            <a:r>
-              <a:rPr lang="es-ES_tradnl" sz="1400" dirty="0"/>
-              <a:t>: los atacantes no podrán “modificar” el contenido del mensaje enviado.</a:t>
-            </a:r>
-            <a:endParaRPr lang="es-ES" sz="1400" dirty="0"/>
-          </a:p>
-          <a:p>
-            <a:pPr lvl="1" algn="just">
-              <a:buFont typeface="Wingdings" panose="05000000000000000000" pitchFamily="2" charset="2"/>
-              <a:buChar char="Ø"/>
-            </a:pPr>
-            <a:r>
-              <a:rPr lang="es-ES_tradnl" sz="1400" b="1" dirty="0"/>
-              <a:t>Autenticación</a:t>
-            </a:r>
-            <a:r>
-              <a:rPr lang="es-ES_tradnl" sz="1400" dirty="0"/>
-              <a:t>: se evitan los ataques de suplantación de identidad o intermediarios (“</a:t>
-            </a:r>
-            <a:r>
-              <a:rPr lang="es-ES_tradnl" sz="1400" dirty="0" err="1"/>
-              <a:t>man</a:t>
-            </a:r>
-            <a:r>
-              <a:rPr lang="es-ES_tradnl" sz="1400" dirty="0"/>
-              <a:t> in </a:t>
-            </a:r>
-            <a:r>
-              <a:rPr lang="es-ES_tradnl" sz="1400" dirty="0" err="1"/>
-              <a:t>the</a:t>
-            </a:r>
-            <a:r>
-              <a:rPr lang="es-ES_tradnl" sz="1400" dirty="0"/>
-              <a:t> </a:t>
-            </a:r>
-            <a:r>
-              <a:rPr lang="es-ES_tradnl" sz="1400" dirty="0" err="1"/>
-              <a:t>middle</a:t>
-            </a:r>
-            <a:r>
-              <a:rPr lang="es-ES_tradnl" sz="1400" dirty="0"/>
-              <a:t>”) en el que el usuario proporciona información al atacante sin saberlo.</a:t>
-            </a:r>
-            <a:endParaRPr lang="es-ES" sz="1400" dirty="0"/>
-          </a:p>
-          <a:p>
-            <a:pPr marL="0" indent="0" algn="just">
-              <a:buNone/>
-            </a:pPr>
-            <a:r>
-              <a:rPr lang="es-ES_tradnl" sz="1800" dirty="0"/>
-              <a:t>Debido a estas mejoras, decidimos establecer la conexión forzada a https.</a:t>
-            </a:r>
-            <a:endParaRPr lang="es-ES" sz="1800" dirty="0"/>
+              <a:rPr lang="es-ES_tradnl" sz="2000" dirty="0"/>
+              <a:t>Decidimos establecer la conexión forzada a https.</a:t>
+            </a:r>
+            <a:endParaRPr lang="es-ES" sz="2000" dirty="0"/>
           </a:p>
           <a:p>
             <a:pPr algn="just"/>
             <a:r>
-              <a:rPr lang="es-ES_tradnl" sz="1800" b="1" dirty="0"/>
+              <a:rPr lang="es-ES_tradnl" sz="2000" b="1" dirty="0"/>
               <a:t>INYECCIÓN SQL: </a:t>
             </a:r>
             <a:r>
-              <a:rPr lang="es-ES_tradnl" sz="1800" dirty="0"/>
+              <a:rPr lang="es-ES_tradnl" sz="2000" dirty="0"/>
               <a:t>Para evitar ataques mediante inyección SQL, hemos implementado las siguientes medidas.</a:t>
             </a:r>
-            <a:endParaRPr lang="es-ES" sz="1800" dirty="0"/>
+            <a:endParaRPr lang="es-ES" sz="2000" dirty="0"/>
           </a:p>
           <a:p>
             <a:pPr lvl="1" algn="just" fontAlgn="base">
@@ -11276,10 +11778,10 @@
               <a:buChar char="Ø"/>
             </a:pPr>
             <a:r>
-              <a:rPr lang="es-ES_tradnl" sz="1400" dirty="0"/>
+              <a:rPr lang="es-ES_tradnl" sz="2000" dirty="0"/>
               <a:t>Usamos $_POST en lugar de $_GET en los formularios para validar las peticiones de los usuarios.</a:t>
             </a:r>
-            <a:endParaRPr lang="es-ES" sz="1400" dirty="0"/>
+            <a:endParaRPr lang="es-ES" sz="2000" dirty="0"/>
           </a:p>
           <a:p>
             <a:pPr lvl="1" algn="just" fontAlgn="base">
@@ -11287,34 +11789,34 @@
               <a:buChar char="Ø"/>
             </a:pPr>
             <a:r>
-              <a:rPr lang="es-ES_tradnl" sz="1400" dirty="0"/>
+              <a:rPr lang="es-ES_tradnl" sz="2000" dirty="0"/>
               <a:t>Para conectar con la BBDD usamos la conexión </a:t>
             </a:r>
             <a:r>
-              <a:rPr lang="es-ES_tradnl" sz="1400" dirty="0" err="1"/>
+              <a:rPr lang="es-ES_tradnl" sz="2000" dirty="0" err="1"/>
               <a:t>mysqli</a:t>
             </a:r>
             <a:r>
-              <a:rPr lang="es-ES_tradnl" sz="1400" dirty="0"/>
+              <a:rPr lang="es-ES_tradnl" sz="2000" dirty="0"/>
               <a:t> en lugar de </a:t>
             </a:r>
             <a:r>
-              <a:rPr lang="es-ES_tradnl" sz="1400" dirty="0" err="1"/>
+              <a:rPr lang="es-ES_tradnl" sz="2000" dirty="0" err="1"/>
               <a:t>mysql</a:t>
             </a:r>
             <a:r>
-              <a:rPr lang="es-ES_tradnl" sz="1400" dirty="0"/>
+              <a:rPr lang="es-ES_tradnl" sz="2000" dirty="0"/>
               <a:t>, la cual proporciona una barrera adicional contra la inyección </a:t>
             </a:r>
             <a:r>
-              <a:rPr lang="es-ES_tradnl" sz="1400" dirty="0" err="1"/>
+              <a:rPr lang="es-ES_tradnl" sz="2000" dirty="0" err="1"/>
               <a:t>sql</a:t>
             </a:r>
             <a:r>
-              <a:rPr lang="es-ES_tradnl" sz="1400" dirty="0"/>
+              <a:rPr lang="es-ES_tradnl" sz="2000" dirty="0"/>
               <a:t>. </a:t>
             </a:r>
-            <a:endParaRPr lang="es-ES" sz="1400" dirty="0"/>
+            <a:endParaRPr lang="es-ES" sz="2000" dirty="0"/>
           </a:p>
           <a:p>
             <a:pPr lvl="1" algn="just" fontAlgn="base">
@@ -11322,10 +11824,10 @@
               <a:buChar char="Ø"/>
             </a:pPr>
             <a:r>
-              <a:rPr lang="es-ES_tradnl" sz="1400" dirty="0"/>
+              <a:rPr lang="es-ES_tradnl" sz="2000" dirty="0"/>
               <a:t>Creamos limitaciones y reglas en los formularios para limitar las acciones de acuerdo a su uso.</a:t>
             </a:r>
-            <a:endParaRPr lang="es-ES" sz="1400" dirty="0"/>
+            <a:endParaRPr lang="es-ES" sz="2000" dirty="0"/>
           </a:p>
           <a:p>
             <a:pPr lvl="1" algn="just" fontAlgn="base">
@@ -11333,34 +11835,34 @@
               <a:buChar char="Ø"/>
             </a:pPr>
             <a:r>
-              <a:rPr lang="es-ES_tradnl" sz="1400" dirty="0"/>
+              <a:rPr lang="es-ES_tradnl" sz="2000" dirty="0"/>
               <a:t>En las entradas para introducir contraseñas, en ver de </a:t>
             </a:r>
             <a:r>
-              <a:rPr lang="es-ES_tradnl" sz="1400" dirty="0" err="1"/>
+              <a:rPr lang="es-ES_tradnl" sz="2000" dirty="0" err="1"/>
               <a:t>type</a:t>
             </a:r>
             <a:r>
-              <a:rPr lang="es-ES_tradnl" sz="1400" dirty="0"/>
+              <a:rPr lang="es-ES_tradnl" sz="2000" dirty="0"/>
               <a:t>=”</a:t>
             </a:r>
             <a:r>
-              <a:rPr lang="es-ES_tradnl" sz="1400" dirty="0" err="1"/>
+              <a:rPr lang="es-ES_tradnl" sz="2000" dirty="0" err="1"/>
               <a:t>text</a:t>
             </a:r>
             <a:r>
-              <a:rPr lang="es-ES_tradnl" sz="1400" dirty="0"/>
+              <a:rPr lang="es-ES_tradnl" sz="2000" dirty="0"/>
               <a:t>” usamos: </a:t>
             </a:r>
             <a:r>
-              <a:rPr lang="es-ES_tradnl" sz="1400" dirty="0" err="1"/>
+              <a:rPr lang="es-ES_tradnl" sz="2000" dirty="0" err="1"/>
               <a:t>type</a:t>
             </a:r>
             <a:r>
-              <a:rPr lang="es-ES_tradnl" sz="1400" dirty="0"/>
+              <a:rPr lang="es-ES_tradnl" sz="2000" dirty="0"/>
               <a:t>=”password”</a:t>
             </a:r>
-            <a:endParaRPr lang="es-ES" sz="1400" dirty="0"/>
+            <a:endParaRPr lang="es-ES" sz="2000" dirty="0"/>
           </a:p>
           <a:p>
             <a:pPr lvl="1" algn="just" fontAlgn="base">
@@ -11368,18 +11870,18 @@
               <a:buChar char="Ø"/>
             </a:pPr>
             <a:r>
-              <a:rPr lang="es-ES_tradnl" sz="1400" dirty="0"/>
+              <a:rPr lang="es-ES_tradnl" sz="2000" dirty="0"/>
               <a:t>En las entradas de texto se puede limitar la cantidad de caracteres usando el atributo “</a:t>
             </a:r>
             <a:r>
-              <a:rPr lang="es-ES_tradnl" sz="1400" dirty="0" err="1"/>
+              <a:rPr lang="es-ES_tradnl" sz="2000" dirty="0" err="1"/>
               <a:t>maxlength</a:t>
             </a:r>
             <a:r>
-              <a:rPr lang="es-ES_tradnl" sz="1400" dirty="0"/>
+              <a:rPr lang="es-ES_tradnl" sz="2000" dirty="0"/>
               <a:t>”.</a:t>
             </a:r>
-            <a:endParaRPr lang="es-ES" sz="1400" dirty="0"/>
+            <a:endParaRPr lang="es-ES" sz="2000" dirty="0"/>
           </a:p>
           <a:p>
             <a:pPr lvl="1" algn="just" fontAlgn="base">
@@ -11387,10 +11889,10 @@
               <a:buChar char="Ø"/>
             </a:pPr>
             <a:r>
-              <a:rPr lang="es-ES_tradnl" sz="1400" dirty="0"/>
+              <a:rPr lang="es-ES_tradnl" sz="2000" dirty="0"/>
               <a:t>En los formularios usados para subir archivos como imágenes, fotos, etc. puede limitarse el tipo de archivo a subir, basado en su extensión, así como regular su tamaño, por ello limitamos las imágenes a JPG, JPEG, BMP y PNG.</a:t>
             </a:r>
-            <a:endParaRPr lang="es-ES" sz="1400" dirty="0"/>
+            <a:endParaRPr lang="es-ES" sz="2000" dirty="0"/>
           </a:p>
           <a:p>
             <a:pPr lvl="1" algn="just" fontAlgn="base">
@@ -11398,24 +11900,60 @@
               <a:buChar char="Ø"/>
             </a:pPr>
             <a:r>
-              <a:rPr lang="es-ES_tradnl" sz="1400" dirty="0"/>
+              <a:rPr lang="es-ES_tradnl" sz="2000" dirty="0"/>
               <a:t>Convertir caracteres especiales con </a:t>
             </a:r>
             <a:r>
-              <a:rPr lang="es-ES_tradnl" sz="1400" dirty="0" err="1"/>
+              <a:rPr lang="es-ES_tradnl" sz="2000" dirty="0" err="1"/>
               <a:t>htmlentities</a:t>
             </a:r>
             <a:r>
-              <a:rPr lang="es-ES_tradnl" sz="1400" dirty="0"/>
+              <a:rPr lang="es-ES_tradnl" sz="2000" dirty="0"/>
               <a:t> (Convierte caracteres especiales en entidades HTML).</a:t>
             </a:r>
-            <a:endParaRPr lang="es-ES" sz="1400" dirty="0"/>
+            <a:endParaRPr lang="es-ES" sz="2000" dirty="0"/>
           </a:p>
           <a:p>
             <a:endParaRPr lang="es-ES" dirty="0"/>
           </a:p>
         </p:txBody>
       </p:sp>
+      <p:pic>
+        <p:nvPicPr>
+          <p:cNvPr id="4" name="Imagen 3">
+            <a:extLst>
+              <a:ext uri="{FF2B5EF4-FFF2-40B4-BE49-F238E27FC236}">
+                <a16:creationId xmlns:a16="http://schemas.microsoft.com/office/drawing/2014/main" id="{56A8F565-23CB-493F-8739-B011F4925A57}"/>
+              </a:ext>
+            </a:extLst>
+          </p:cNvPr>
+          <p:cNvPicPr>
+            <a:picLocks noChangeAspect="1"/>
+          </p:cNvPicPr>
+          <p:nvPr/>
+        </p:nvPicPr>
+        <p:blipFill>
+          <a:blip r:embed="rId2">
+            <a:extLst>
+              <a:ext uri="{28A0092B-C50C-407E-A947-70E740481C1C}">
+                <a14:useLocalDpi xmlns:a14="http://schemas.microsoft.com/office/drawing/2010/main" val="0"/>
+              </a:ext>
+            </a:extLst>
+          </a:blip>
+          <a:stretch>
+            <a:fillRect/>
+          </a:stretch>
+        </p:blipFill>
+        <p:spPr>
+          <a:xfrm>
+            <a:off x="-138542" y="4882550"/>
+            <a:ext cx="3856730" cy="2461163"/>
+          </a:xfrm>
+          <a:prstGeom prst="rect">
+            <a:avLst/>
+          </a:prstGeom>
+        </p:spPr>
+      </p:pic>
     </p:spTree>
     <p:extLst>
       <p:ext uri="{BB962C8B-B14F-4D97-AF65-F5344CB8AC3E}">
@@ -11590,6 +12128,42 @@
           <a:xfrm>
             <a:off x="2815986" y="4804779"/>
             <a:ext cx="4150384" cy="1690897"/>
+          </a:xfrm>
+          <a:prstGeom prst="rect">
+            <a:avLst/>
+          </a:prstGeom>
+        </p:spPr>
+      </p:pic>
+      <p:pic>
+        <p:nvPicPr>
+          <p:cNvPr id="6" name="Imagen 5">
+            <a:extLst>
+              <a:ext uri="{FF2B5EF4-FFF2-40B4-BE49-F238E27FC236}">
+                <a16:creationId xmlns:a16="http://schemas.microsoft.com/office/drawing/2014/main" id="{CABF53BF-54E8-4E12-AE45-0987C27D3260}"/>
+              </a:ext>
+            </a:extLst>
+          </p:cNvPr>
+          <p:cNvPicPr>
+            <a:picLocks noChangeAspect="1"/>
+          </p:cNvPicPr>
+          <p:nvPr/>
+        </p:nvPicPr>
+        <p:blipFill>
+          <a:blip r:embed="rId4">
+            <a:extLst>
+              <a:ext uri="{28A0092B-C50C-407E-A947-70E740481C1C}">
+                <a14:useLocalDpi xmlns:a14="http://schemas.microsoft.com/office/drawing/2010/main" val="0"/>
+              </a:ext>
+            </a:extLst>
+          </a:blip>
+          <a:stretch>
+            <a:fillRect/>
+          </a:stretch>
+        </p:blipFill>
+        <p:spPr>
+          <a:xfrm>
+            <a:off x="-138542" y="4882550"/>
+            <a:ext cx="3856730" cy="2461163"/>
           </a:xfrm>
           <a:prstGeom prst="rect">
             <a:avLst/>
@@ -12119,8 +12693,44 @@
         </p:blipFill>
         <p:spPr>
           <a:xfrm>
-            <a:off x="3803535" y="2695803"/>
-            <a:ext cx="1323340" cy="1323340"/>
+            <a:off x="3495857" y="2664293"/>
+            <a:ext cx="2034381" cy="1771232"/>
+          </a:xfrm>
+          <a:prstGeom prst="rect">
+            <a:avLst/>
+          </a:prstGeom>
+        </p:spPr>
+      </p:pic>
+      <p:pic>
+        <p:nvPicPr>
+          <p:cNvPr id="13" name="Imagen 12">
+            <a:extLst>
+              <a:ext uri="{FF2B5EF4-FFF2-40B4-BE49-F238E27FC236}">
+                <a16:creationId xmlns:a16="http://schemas.microsoft.com/office/drawing/2014/main" id="{83E0EE57-3090-4B6C-A093-92A9A6C7B777}"/>
+              </a:ext>
+            </a:extLst>
+          </p:cNvPr>
+          <p:cNvPicPr>
+            <a:picLocks noChangeAspect="1"/>
+          </p:cNvPicPr>
+          <p:nvPr/>
+        </p:nvPicPr>
+        <p:blipFill>
+          <a:blip r:embed="rId3">
+            <a:extLst>
+              <a:ext uri="{28A0092B-C50C-407E-A947-70E740481C1C}">
+                <a14:useLocalDpi xmlns:a14="http://schemas.microsoft.com/office/drawing/2010/main" val="0"/>
+              </a:ext>
+            </a:extLst>
+          </a:blip>
+          <a:stretch>
+            <a:fillRect/>
+          </a:stretch>
+        </p:blipFill>
+        <p:spPr>
+          <a:xfrm>
+            <a:off x="-53195" y="4756324"/>
+            <a:ext cx="3856730" cy="2461163"/>
           </a:xfrm>
           <a:prstGeom prst="rect">
             <a:avLst/>
@@ -12217,10 +12827,10 @@
       </p:sp>
       <p:pic>
         <p:nvPicPr>
-          <p:cNvPr id="15" name="Imagen 14">
+          <p:cNvPr id="5" name="Imagen 4">
             <a:extLst>
               <a:ext uri="{FF2B5EF4-FFF2-40B4-BE49-F238E27FC236}">
-                <a16:creationId xmlns:a16="http://schemas.microsoft.com/office/drawing/2014/main" id="{A361FBF9-61D2-4647-AF73-2B8D27BE8E8F}"/>
+                <a16:creationId xmlns:a16="http://schemas.microsoft.com/office/drawing/2014/main" id="{1903A8A2-2596-41C5-9B24-5258EA1178F3}"/>
               </a:ext>
             </a:extLst>
           </p:cNvPr>
@@ -12230,21 +12840,707 @@
           <p:nvPr/>
         </p:nvPicPr>
         <p:blipFill>
-          <a:blip r:embed="rId2"/>
+          <a:blip r:embed="rId2">
+            <a:extLst>
+              <a:ext uri="{28A0092B-C50C-407E-A947-70E740481C1C}">
+                <a14:useLocalDpi xmlns:a14="http://schemas.microsoft.com/office/drawing/2010/main" val="0"/>
+              </a:ext>
+            </a:extLst>
+          </a:blip>
           <a:stretch>
             <a:fillRect/>
           </a:stretch>
         </p:blipFill>
         <p:spPr>
           <a:xfrm>
-            <a:off x="870459" y="2562404"/>
-            <a:ext cx="7644891" cy="2708335"/>
+            <a:off x="2350538" y="4749596"/>
+            <a:ext cx="4442923" cy="2854734"/>
           </a:xfrm>
           <a:prstGeom prst="rect">
             <a:avLst/>
           </a:prstGeom>
         </p:spPr>
       </p:pic>
+      <p:sp>
+        <p:nvSpPr>
+          <p:cNvPr id="6" name="Cuadro de texto 2">
+            <a:extLst>
+              <a:ext uri="{FF2B5EF4-FFF2-40B4-BE49-F238E27FC236}">
+                <a16:creationId xmlns:a16="http://schemas.microsoft.com/office/drawing/2014/main" id="{3EF875B0-2860-4284-8F1C-2E77AE34AF89}"/>
+              </a:ext>
+            </a:extLst>
+          </p:cNvPr>
+          <p:cNvSpPr txBox="1">
+            <a:spLocks noChangeArrowheads="1"/>
+          </p:cNvSpPr>
+          <p:nvPr/>
+        </p:nvSpPr>
+        <p:spPr bwMode="auto">
+          <a:xfrm>
+            <a:off x="803275" y="3671864"/>
+            <a:ext cx="2305147" cy="472509"/>
+          </a:xfrm>
+          <a:prstGeom prst="rect">
+            <a:avLst/>
+          </a:prstGeom>
+          <a:gradFill flip="none" rotWithShape="1">
+            <a:gsLst>
+              <a:gs pos="0">
+                <a:srgbClr val="FFFFFF">
+                  <a:shade val="30000"/>
+                  <a:satMod val="115000"/>
+                </a:srgbClr>
+              </a:gs>
+              <a:gs pos="18000">
+                <a:srgbClr val="FFFFFF">
+                  <a:shade val="67500"/>
+                  <a:satMod val="115000"/>
+                </a:srgbClr>
+              </a:gs>
+              <a:gs pos="100000">
+                <a:srgbClr val="FFFFFF">
+                  <a:shade val="100000"/>
+                  <a:satMod val="115000"/>
+                </a:srgbClr>
+              </a:gs>
+            </a:gsLst>
+            <a:lin ang="5400000" scaled="1"/>
+            <a:tileRect/>
+          </a:gradFill>
+          <a:ln w="9525">
+            <a:noFill/>
+            <a:miter lim="800000"/>
+            <a:headEnd/>
+            <a:tailEnd/>
+          </a:ln>
+        </p:spPr>
+        <p:txBody>
+          <a:bodyPr rot="0" vert="horz" wrap="square" lIns="91440" tIns="45720" rIns="91440" bIns="45720" anchor="ctr" anchorCtr="0">
+            <a:noAutofit/>
+          </a:bodyPr>
+          <a:lstStyle/>
+          <a:p>
+            <a:pPr>
+              <a:lnSpc>
+                <a:spcPct val="107000"/>
+              </a:lnSpc>
+              <a:spcAft>
+                <a:spcPts val="800"/>
+              </a:spcAft>
+            </a:pPr>
+            <a:r>
+              <a:rPr lang="es-ES_tradnl" sz="1400" dirty="0">
+                <a:effectLst/>
+                <a:latin typeface="Calibri" panose="020F0502020204030204" pitchFamily="34" charset="0"/>
+                <a:ea typeface="Calibri" panose="020F0502020204030204" pitchFamily="34" charset="0"/>
+                <a:cs typeface="Times New Roman" panose="02020603050405020304" pitchFamily="18" charset="0"/>
+              </a:rPr>
+              <a:t>Redactar artículo</a:t>
+            </a:r>
+            <a:endParaRPr lang="es-ES" sz="1400" dirty="0">
+              <a:effectLst/>
+              <a:latin typeface="Calibri" panose="020F0502020204030204" pitchFamily="34" charset="0"/>
+              <a:ea typeface="Calibri" panose="020F0502020204030204" pitchFamily="34" charset="0"/>
+              <a:cs typeface="Times New Roman" panose="02020603050405020304" pitchFamily="18" charset="0"/>
+            </a:endParaRPr>
+          </a:p>
+        </p:txBody>
+      </p:sp>
+      <p:sp>
+        <p:nvSpPr>
+          <p:cNvPr id="7" name="Cuadro de texto 2">
+            <a:extLst>
+              <a:ext uri="{FF2B5EF4-FFF2-40B4-BE49-F238E27FC236}">
+                <a16:creationId xmlns:a16="http://schemas.microsoft.com/office/drawing/2014/main" id="{03B3D489-017D-4C08-AFAB-68750BB305C0}"/>
+              </a:ext>
+            </a:extLst>
+          </p:cNvPr>
+          <p:cNvSpPr txBox="1">
+            <a:spLocks noChangeArrowheads="1"/>
+          </p:cNvSpPr>
+          <p:nvPr/>
+        </p:nvSpPr>
+        <p:spPr bwMode="auto">
+          <a:xfrm>
+            <a:off x="3677949" y="4872854"/>
+            <a:ext cx="2153507" cy="558663"/>
+          </a:xfrm>
+          <a:prstGeom prst="rect">
+            <a:avLst/>
+          </a:prstGeom>
+          <a:gradFill flip="none" rotWithShape="1">
+            <a:gsLst>
+              <a:gs pos="0">
+                <a:srgbClr val="FFFFFF">
+                  <a:shade val="30000"/>
+                  <a:satMod val="115000"/>
+                </a:srgbClr>
+              </a:gs>
+              <a:gs pos="18000">
+                <a:srgbClr val="FFFFFF">
+                  <a:shade val="67500"/>
+                  <a:satMod val="115000"/>
+                </a:srgbClr>
+              </a:gs>
+              <a:gs pos="100000">
+                <a:srgbClr val="FFFFFF">
+                  <a:shade val="100000"/>
+                  <a:satMod val="115000"/>
+                </a:srgbClr>
+              </a:gs>
+            </a:gsLst>
+            <a:lin ang="5400000" scaled="1"/>
+            <a:tileRect/>
+          </a:gradFill>
+          <a:ln w="9525">
+            <a:noFill/>
+            <a:miter lim="800000"/>
+            <a:headEnd/>
+            <a:tailEnd/>
+          </a:ln>
+        </p:spPr>
+        <p:txBody>
+          <a:bodyPr rot="0" vert="horz" wrap="square" lIns="91440" tIns="45720" rIns="91440" bIns="45720" anchor="ctr" anchorCtr="0">
+            <a:noAutofit/>
+          </a:bodyPr>
+          <a:lstStyle/>
+          <a:p>
+            <a:pPr>
+              <a:lnSpc>
+                <a:spcPct val="107000"/>
+              </a:lnSpc>
+              <a:spcAft>
+                <a:spcPts val="800"/>
+              </a:spcAft>
+            </a:pPr>
+            <a:r>
+              <a:rPr lang="es-ES_tradnl" sz="1400" dirty="0">
+                <a:effectLst/>
+                <a:latin typeface="Calibri" panose="020F0502020204030204" pitchFamily="34" charset="0"/>
+                <a:ea typeface="Calibri" panose="020F0502020204030204" pitchFamily="34" charset="0"/>
+                <a:cs typeface="Times New Roman" panose="02020603050405020304" pitchFamily="18" charset="0"/>
+              </a:rPr>
+              <a:t>Añadir fotografías </a:t>
+            </a:r>
+            <a:endParaRPr lang="es-ES" sz="1400" dirty="0">
+              <a:effectLst/>
+              <a:latin typeface="Calibri" panose="020F0502020204030204" pitchFamily="34" charset="0"/>
+              <a:ea typeface="Calibri" panose="020F0502020204030204" pitchFamily="34" charset="0"/>
+              <a:cs typeface="Times New Roman" panose="02020603050405020304" pitchFamily="18" charset="0"/>
+            </a:endParaRPr>
+          </a:p>
+        </p:txBody>
+      </p:sp>
+      <p:sp>
+        <p:nvSpPr>
+          <p:cNvPr id="8" name="Cuadro de texto 2">
+            <a:extLst>
+              <a:ext uri="{FF2B5EF4-FFF2-40B4-BE49-F238E27FC236}">
+                <a16:creationId xmlns:a16="http://schemas.microsoft.com/office/drawing/2014/main" id="{2DFA14FF-B5DF-4F38-833B-4FCBA5536066}"/>
+              </a:ext>
+            </a:extLst>
+          </p:cNvPr>
+          <p:cNvSpPr txBox="1">
+            <a:spLocks noChangeArrowheads="1"/>
+          </p:cNvSpPr>
+          <p:nvPr/>
+        </p:nvSpPr>
+        <p:spPr bwMode="auto">
+          <a:xfrm>
+            <a:off x="6239509" y="2718434"/>
+            <a:ext cx="2067729" cy="710565"/>
+          </a:xfrm>
+          <a:prstGeom prst="rect">
+            <a:avLst/>
+          </a:prstGeom>
+          <a:gradFill flip="none" rotWithShape="1">
+            <a:gsLst>
+              <a:gs pos="0">
+                <a:srgbClr val="FFFFFF">
+                  <a:shade val="30000"/>
+                  <a:satMod val="115000"/>
+                </a:srgbClr>
+              </a:gs>
+              <a:gs pos="18000">
+                <a:srgbClr val="FFFFFF">
+                  <a:shade val="67500"/>
+                  <a:satMod val="115000"/>
+                </a:srgbClr>
+              </a:gs>
+              <a:gs pos="100000">
+                <a:srgbClr val="FFFFFF">
+                  <a:shade val="100000"/>
+                  <a:satMod val="115000"/>
+                </a:srgbClr>
+              </a:gs>
+            </a:gsLst>
+            <a:lin ang="5400000" scaled="1"/>
+            <a:tileRect/>
+          </a:gradFill>
+          <a:ln w="9525">
+            <a:noFill/>
+            <a:miter lim="800000"/>
+            <a:headEnd/>
+            <a:tailEnd/>
+          </a:ln>
+        </p:spPr>
+        <p:txBody>
+          <a:bodyPr rot="0" vert="horz" wrap="square" lIns="91440" tIns="45720" rIns="91440" bIns="45720" anchor="ctr" anchorCtr="0">
+            <a:noAutofit/>
+          </a:bodyPr>
+          <a:lstStyle/>
+          <a:p>
+            <a:pPr>
+              <a:lnSpc>
+                <a:spcPct val="107000"/>
+              </a:lnSpc>
+              <a:spcAft>
+                <a:spcPts val="800"/>
+              </a:spcAft>
+            </a:pPr>
+            <a:r>
+              <a:rPr lang="es-ES_tradnl" sz="1400" dirty="0">
+                <a:effectLst/>
+                <a:latin typeface="Calibri" panose="020F0502020204030204" pitchFamily="34" charset="0"/>
+                <a:ea typeface="Calibri" panose="020F0502020204030204" pitchFamily="34" charset="0"/>
+                <a:cs typeface="Times New Roman" panose="02020603050405020304" pitchFamily="18" charset="0"/>
+              </a:rPr>
+              <a:t>Visualizar sus proyectos publicados</a:t>
+            </a:r>
+            <a:endParaRPr lang="es-ES" sz="1400" dirty="0">
+              <a:effectLst/>
+              <a:latin typeface="Calibri" panose="020F0502020204030204" pitchFamily="34" charset="0"/>
+              <a:ea typeface="Calibri" panose="020F0502020204030204" pitchFamily="34" charset="0"/>
+              <a:cs typeface="Times New Roman" panose="02020603050405020304" pitchFamily="18" charset="0"/>
+            </a:endParaRPr>
+          </a:p>
+        </p:txBody>
+      </p:sp>
+      <p:cxnSp>
+        <p:nvCxnSpPr>
+          <p:cNvPr id="9" name="Conector recto de flecha 8">
+            <a:extLst>
+              <a:ext uri="{FF2B5EF4-FFF2-40B4-BE49-F238E27FC236}">
+                <a16:creationId xmlns:a16="http://schemas.microsoft.com/office/drawing/2014/main" id="{A892614B-575D-45BD-9A08-0D34E5F5F52B}"/>
+              </a:ext>
+            </a:extLst>
+          </p:cNvPr>
+          <p:cNvCxnSpPr>
+            <a:cxnSpLocks/>
+          </p:cNvCxnSpPr>
+          <p:nvPr/>
+        </p:nvCxnSpPr>
+        <p:spPr>
+          <a:xfrm flipV="1">
+            <a:off x="4691380" y="3043023"/>
+            <a:ext cx="1370868" cy="244373"/>
+          </a:xfrm>
+          <a:prstGeom prst="straightConnector1">
+            <a:avLst/>
+          </a:prstGeom>
+          <a:ln>
+            <a:solidFill>
+              <a:schemeClr val="tx1"/>
+            </a:solidFill>
+            <a:tailEnd type="triangle"/>
+          </a:ln>
+        </p:spPr>
+        <p:style>
+          <a:lnRef idx="1">
+            <a:schemeClr val="accent1"/>
+          </a:lnRef>
+          <a:fillRef idx="0">
+            <a:schemeClr val="accent1"/>
+          </a:fillRef>
+          <a:effectRef idx="0">
+            <a:schemeClr val="accent1"/>
+          </a:effectRef>
+          <a:fontRef idx="minor">
+            <a:schemeClr val="tx1"/>
+          </a:fontRef>
+        </p:style>
+      </p:cxnSp>
+      <p:cxnSp>
+        <p:nvCxnSpPr>
+          <p:cNvPr id="10" name="Conector recto de flecha 9">
+            <a:extLst>
+              <a:ext uri="{FF2B5EF4-FFF2-40B4-BE49-F238E27FC236}">
+                <a16:creationId xmlns:a16="http://schemas.microsoft.com/office/drawing/2014/main" id="{E0F753E0-B313-4F29-A21C-FEAA6829D942}"/>
+              </a:ext>
+            </a:extLst>
+          </p:cNvPr>
+          <p:cNvCxnSpPr>
+            <a:cxnSpLocks/>
+          </p:cNvCxnSpPr>
+          <p:nvPr/>
+        </p:nvCxnSpPr>
+        <p:spPr>
+          <a:xfrm>
+            <a:off x="4662805" y="3625851"/>
+            <a:ext cx="1399443" cy="376622"/>
+          </a:xfrm>
+          <a:prstGeom prst="straightConnector1">
+            <a:avLst/>
+          </a:prstGeom>
+          <a:ln>
+            <a:solidFill>
+              <a:schemeClr val="tx1"/>
+            </a:solidFill>
+            <a:tailEnd type="triangle"/>
+          </a:ln>
+        </p:spPr>
+        <p:style>
+          <a:lnRef idx="1">
+            <a:schemeClr val="accent1"/>
+          </a:lnRef>
+          <a:fillRef idx="0">
+            <a:schemeClr val="accent1"/>
+          </a:fillRef>
+          <a:effectRef idx="0">
+            <a:schemeClr val="accent1"/>
+          </a:effectRef>
+          <a:fontRef idx="minor">
+            <a:schemeClr val="tx1"/>
+          </a:fontRef>
+        </p:style>
+      </p:cxnSp>
+      <p:cxnSp>
+        <p:nvCxnSpPr>
+          <p:cNvPr id="11" name="Conector recto de flecha 10">
+            <a:extLst>
+              <a:ext uri="{FF2B5EF4-FFF2-40B4-BE49-F238E27FC236}">
+                <a16:creationId xmlns:a16="http://schemas.microsoft.com/office/drawing/2014/main" id="{5716BBB2-9C84-491D-ABD7-E6132984D24F}"/>
+              </a:ext>
+            </a:extLst>
+          </p:cNvPr>
+          <p:cNvCxnSpPr>
+            <a:cxnSpLocks/>
+          </p:cNvCxnSpPr>
+          <p:nvPr/>
+        </p:nvCxnSpPr>
+        <p:spPr>
+          <a:xfrm flipH="1" flipV="1">
+            <a:off x="3216593" y="3008274"/>
+            <a:ext cx="1455102" cy="336906"/>
+          </a:xfrm>
+          <a:prstGeom prst="straightConnector1">
+            <a:avLst/>
+          </a:prstGeom>
+          <a:ln>
+            <a:solidFill>
+              <a:schemeClr val="tx1"/>
+            </a:solidFill>
+            <a:tailEnd type="triangle"/>
+          </a:ln>
+        </p:spPr>
+        <p:style>
+          <a:lnRef idx="1">
+            <a:schemeClr val="accent1"/>
+          </a:lnRef>
+          <a:fillRef idx="0">
+            <a:schemeClr val="accent1"/>
+          </a:fillRef>
+          <a:effectRef idx="0">
+            <a:schemeClr val="accent1"/>
+          </a:effectRef>
+          <a:fontRef idx="minor">
+            <a:schemeClr val="tx1"/>
+          </a:fontRef>
+        </p:style>
+      </p:cxnSp>
+      <p:cxnSp>
+        <p:nvCxnSpPr>
+          <p:cNvPr id="12" name="Conector recto de flecha 11">
+            <a:extLst>
+              <a:ext uri="{FF2B5EF4-FFF2-40B4-BE49-F238E27FC236}">
+                <a16:creationId xmlns:a16="http://schemas.microsoft.com/office/drawing/2014/main" id="{89017626-21FD-425F-B626-62E44335D0D7}"/>
+              </a:ext>
+            </a:extLst>
+          </p:cNvPr>
+          <p:cNvCxnSpPr>
+            <a:cxnSpLocks/>
+          </p:cNvCxnSpPr>
+          <p:nvPr/>
+        </p:nvCxnSpPr>
+        <p:spPr>
+          <a:xfrm flipH="1">
+            <a:off x="3216593" y="3520440"/>
+            <a:ext cx="1236028" cy="396591"/>
+          </a:xfrm>
+          <a:prstGeom prst="straightConnector1">
+            <a:avLst/>
+          </a:prstGeom>
+          <a:ln>
+            <a:solidFill>
+              <a:schemeClr val="tx1"/>
+            </a:solidFill>
+            <a:tailEnd type="triangle"/>
+          </a:ln>
+        </p:spPr>
+        <p:style>
+          <a:lnRef idx="1">
+            <a:schemeClr val="accent1"/>
+          </a:lnRef>
+          <a:fillRef idx="0">
+            <a:schemeClr val="accent1"/>
+          </a:fillRef>
+          <a:effectRef idx="0">
+            <a:schemeClr val="accent1"/>
+          </a:effectRef>
+          <a:fontRef idx="minor">
+            <a:schemeClr val="tx1"/>
+          </a:fontRef>
+        </p:style>
+      </p:cxnSp>
+      <p:cxnSp>
+        <p:nvCxnSpPr>
+          <p:cNvPr id="13" name="Conector recto de flecha 12">
+            <a:extLst>
+              <a:ext uri="{FF2B5EF4-FFF2-40B4-BE49-F238E27FC236}">
+                <a16:creationId xmlns:a16="http://schemas.microsoft.com/office/drawing/2014/main" id="{8CF4DFAB-4973-4767-A654-2CBC58D58928}"/>
+              </a:ext>
+            </a:extLst>
+          </p:cNvPr>
+          <p:cNvCxnSpPr>
+            <a:cxnSpLocks/>
+            <a:endCxn id="5" idx="0"/>
+          </p:cNvCxnSpPr>
+          <p:nvPr/>
+        </p:nvCxnSpPr>
+        <p:spPr>
+          <a:xfrm flipH="1">
+            <a:off x="4572000" y="3718735"/>
+            <a:ext cx="90805" cy="1030861"/>
+          </a:xfrm>
+          <a:prstGeom prst="straightConnector1">
+            <a:avLst/>
+          </a:prstGeom>
+          <a:ln>
+            <a:solidFill>
+              <a:schemeClr val="tx1"/>
+            </a:solidFill>
+            <a:tailEnd type="triangle"/>
+          </a:ln>
+        </p:spPr>
+        <p:style>
+          <a:lnRef idx="1">
+            <a:schemeClr val="accent1"/>
+          </a:lnRef>
+          <a:fillRef idx="0">
+            <a:schemeClr val="accent1"/>
+          </a:fillRef>
+          <a:effectRef idx="0">
+            <a:schemeClr val="accent1"/>
+          </a:effectRef>
+          <a:fontRef idx="minor">
+            <a:schemeClr val="tx1"/>
+          </a:fontRef>
+        </p:style>
+      </p:cxnSp>
+      <p:pic>
+        <p:nvPicPr>
+          <p:cNvPr id="14" name="Imagen 13">
+            <a:extLst>
+              <a:ext uri="{FF2B5EF4-FFF2-40B4-BE49-F238E27FC236}">
+                <a16:creationId xmlns:a16="http://schemas.microsoft.com/office/drawing/2014/main" id="{85BE8E40-FD40-42A6-9527-3A4298937D58}"/>
+              </a:ext>
+            </a:extLst>
+          </p:cNvPr>
+          <p:cNvPicPr/>
+          <p:nvPr/>
+        </p:nvPicPr>
+        <p:blipFill>
+          <a:blip r:embed="rId3">
+            <a:extLst>
+              <a:ext uri="{28A0092B-C50C-407E-A947-70E740481C1C}">
+                <a14:useLocalDpi xmlns:a14="http://schemas.microsoft.com/office/drawing/2010/main" val="0"/>
+              </a:ext>
+            </a:extLst>
+          </a:blip>
+          <a:stretch>
+            <a:fillRect/>
+          </a:stretch>
+        </p:blipFill>
+        <p:spPr>
+          <a:xfrm>
+            <a:off x="3696481" y="2745398"/>
+            <a:ext cx="1907791" cy="1550083"/>
+          </a:xfrm>
+          <a:prstGeom prst="rect">
+            <a:avLst/>
+          </a:prstGeom>
+        </p:spPr>
+      </p:pic>
+      <p:sp>
+        <p:nvSpPr>
+          <p:cNvPr id="16" name="Cuadro de texto 2">
+            <a:extLst>
+              <a:ext uri="{FF2B5EF4-FFF2-40B4-BE49-F238E27FC236}">
+                <a16:creationId xmlns:a16="http://schemas.microsoft.com/office/drawing/2014/main" id="{19B4A1C4-17B9-48C5-8965-4EA4B2665F09}"/>
+              </a:ext>
+            </a:extLst>
+          </p:cNvPr>
+          <p:cNvSpPr txBox="1">
+            <a:spLocks noChangeArrowheads="1"/>
+          </p:cNvSpPr>
+          <p:nvPr/>
+        </p:nvSpPr>
+        <p:spPr bwMode="auto">
+          <a:xfrm>
+            <a:off x="831851" y="2720241"/>
+            <a:ext cx="2276571" cy="677009"/>
+          </a:xfrm>
+          <a:prstGeom prst="rect">
+            <a:avLst/>
+          </a:prstGeom>
+          <a:gradFill flip="none" rotWithShape="1">
+            <a:gsLst>
+              <a:gs pos="0">
+                <a:srgbClr val="FFFFFF">
+                  <a:shade val="30000"/>
+                  <a:satMod val="115000"/>
+                </a:srgbClr>
+              </a:gs>
+              <a:gs pos="18000">
+                <a:srgbClr val="FFFFFF">
+                  <a:shade val="67500"/>
+                  <a:satMod val="115000"/>
+                </a:srgbClr>
+              </a:gs>
+              <a:gs pos="100000">
+                <a:srgbClr val="FFFFFF">
+                  <a:shade val="100000"/>
+                  <a:satMod val="115000"/>
+                </a:srgbClr>
+              </a:gs>
+            </a:gsLst>
+            <a:lin ang="5400000" scaled="1"/>
+            <a:tileRect/>
+          </a:gradFill>
+          <a:ln w="9525">
+            <a:noFill/>
+            <a:miter lim="800000"/>
+            <a:headEnd/>
+            <a:tailEnd/>
+          </a:ln>
+        </p:spPr>
+        <p:txBody>
+          <a:bodyPr rot="0" vert="horz" wrap="square" lIns="91440" tIns="45720" rIns="91440" bIns="45720" anchor="ctr" anchorCtr="0">
+            <a:noAutofit/>
+          </a:bodyPr>
+          <a:lstStyle/>
+          <a:p>
+            <a:pPr>
+              <a:lnSpc>
+                <a:spcPct val="107000"/>
+              </a:lnSpc>
+              <a:spcAft>
+                <a:spcPts val="800"/>
+              </a:spcAft>
+            </a:pPr>
+            <a:r>
+              <a:rPr lang="es-ES_tradnl" sz="1400" dirty="0">
+                <a:effectLst/>
+                <a:latin typeface="Calibri" panose="020F0502020204030204" pitchFamily="34" charset="0"/>
+                <a:ea typeface="Calibri" panose="020F0502020204030204" pitchFamily="34" charset="0"/>
+                <a:cs typeface="Times New Roman" panose="02020603050405020304" pitchFamily="18" charset="0"/>
+              </a:rPr>
+              <a:t>Visualizar sus proyectos no publicados</a:t>
+            </a:r>
+            <a:endParaRPr lang="es-ES" sz="1400" dirty="0">
+              <a:effectLst/>
+              <a:latin typeface="Calibri" panose="020F0502020204030204" pitchFamily="34" charset="0"/>
+              <a:ea typeface="Calibri" panose="020F0502020204030204" pitchFamily="34" charset="0"/>
+              <a:cs typeface="Times New Roman" panose="02020603050405020304" pitchFamily="18" charset="0"/>
+            </a:endParaRPr>
+          </a:p>
+        </p:txBody>
+      </p:sp>
+      <p:sp>
+        <p:nvSpPr>
+          <p:cNvPr id="17" name="Cuadro de texto 2">
+            <a:extLst>
+              <a:ext uri="{FF2B5EF4-FFF2-40B4-BE49-F238E27FC236}">
+                <a16:creationId xmlns:a16="http://schemas.microsoft.com/office/drawing/2014/main" id="{089BD24D-F40C-4B91-AE8E-D1E8CE002AEC}"/>
+              </a:ext>
+            </a:extLst>
+          </p:cNvPr>
+          <p:cNvSpPr txBox="1">
+            <a:spLocks noChangeArrowheads="1"/>
+          </p:cNvSpPr>
+          <p:nvPr/>
+        </p:nvSpPr>
+        <p:spPr bwMode="auto">
+          <a:xfrm>
+            <a:off x="6239509" y="3709567"/>
+            <a:ext cx="2067729" cy="466555"/>
+          </a:xfrm>
+          <a:prstGeom prst="rect">
+            <a:avLst/>
+          </a:prstGeom>
+          <a:gradFill flip="none" rotWithShape="1">
+            <a:gsLst>
+              <a:gs pos="0">
+                <a:srgbClr val="FFFFFF">
+                  <a:shade val="30000"/>
+                  <a:satMod val="115000"/>
+                </a:srgbClr>
+              </a:gs>
+              <a:gs pos="18000">
+                <a:srgbClr val="FFFFFF">
+                  <a:shade val="67500"/>
+                  <a:satMod val="115000"/>
+                </a:srgbClr>
+              </a:gs>
+              <a:gs pos="100000">
+                <a:srgbClr val="FFFFFF">
+                  <a:shade val="100000"/>
+                  <a:satMod val="115000"/>
+                </a:srgbClr>
+              </a:gs>
+            </a:gsLst>
+            <a:lin ang="5400000" scaled="1"/>
+            <a:tileRect/>
+          </a:gradFill>
+          <a:ln w="9525">
+            <a:noFill/>
+            <a:miter lim="800000"/>
+            <a:headEnd/>
+            <a:tailEnd/>
+          </a:ln>
+        </p:spPr>
+        <p:txBody>
+          <a:bodyPr rot="0" vert="horz" wrap="square" lIns="91440" tIns="45720" rIns="91440" bIns="45720" anchor="ctr" anchorCtr="0">
+            <a:noAutofit/>
+          </a:bodyPr>
+          <a:lstStyle/>
+          <a:p>
+            <a:pPr>
+              <a:lnSpc>
+                <a:spcPct val="107000"/>
+              </a:lnSpc>
+              <a:spcAft>
+                <a:spcPts val="800"/>
+              </a:spcAft>
+            </a:pPr>
+            <a:r>
+              <a:rPr lang="es-ES_tradnl" sz="1400" dirty="0">
+                <a:effectLst/>
+                <a:latin typeface="Calibri" panose="020F0502020204030204" pitchFamily="34" charset="0"/>
+                <a:ea typeface="Calibri" panose="020F0502020204030204" pitchFamily="34" charset="0"/>
+                <a:cs typeface="Times New Roman" panose="02020603050405020304" pitchFamily="18" charset="0"/>
+              </a:rPr>
+              <a:t>Añadir comentarios</a:t>
+            </a:r>
+            <a:endParaRPr lang="es-ES" sz="1400" dirty="0">
+              <a:effectLst/>
+              <a:latin typeface="Calibri" panose="020F0502020204030204" pitchFamily="34" charset="0"/>
+              <a:ea typeface="Calibri" panose="020F0502020204030204" pitchFamily="34" charset="0"/>
+              <a:cs typeface="Times New Roman" panose="02020603050405020304" pitchFamily="18" charset="0"/>
+            </a:endParaRPr>
+          </a:p>
+        </p:txBody>
+      </p:sp>
     </p:spTree>
     <p:extLst>
       <p:ext uri="{BB962C8B-B14F-4D97-AF65-F5344CB8AC3E}">
@@ -12315,14 +13611,20 @@
             </a:pPr>
             <a:endParaRPr lang="es-ES" b="1" dirty="0"/>
           </a:p>
+          <a:p>
+            <a:pPr marL="0" indent="0">
+              <a:buNone/>
+            </a:pPr>
+            <a:endParaRPr lang="es-ES" b="1" dirty="0"/>
+          </a:p>
         </p:txBody>
       </p:sp>
       <p:pic>
         <p:nvPicPr>
-          <p:cNvPr id="4" name="Imagen 3">
+          <p:cNvPr id="6" name="Imagen 5">
             <a:extLst>
               <a:ext uri="{FF2B5EF4-FFF2-40B4-BE49-F238E27FC236}">
-                <a16:creationId xmlns:a16="http://schemas.microsoft.com/office/drawing/2014/main" id="{96FB682F-1794-425E-A3B1-3444656EF671}"/>
+                <a16:creationId xmlns:a16="http://schemas.microsoft.com/office/drawing/2014/main" id="{DE1C65DF-B51B-4781-9C92-512E5B89E128}"/>
               </a:ext>
             </a:extLst>
           </p:cNvPr>
@@ -12332,21 +13634,885 @@
           <p:nvPr/>
         </p:nvPicPr>
         <p:blipFill>
-          <a:blip r:embed="rId2"/>
+          <a:blip r:embed="rId2">
+            <a:extLst>
+              <a:ext uri="{28A0092B-C50C-407E-A947-70E740481C1C}">
+                <a14:useLocalDpi xmlns:a14="http://schemas.microsoft.com/office/drawing/2010/main" val="0"/>
+              </a:ext>
+            </a:extLst>
+          </a:blip>
           <a:stretch>
             <a:fillRect/>
           </a:stretch>
         </p:blipFill>
         <p:spPr>
           <a:xfrm>
-            <a:off x="628650" y="1981738"/>
-            <a:ext cx="8219353" cy="2894523"/>
+            <a:off x="2350538" y="4749596"/>
+            <a:ext cx="4442923" cy="2854734"/>
           </a:xfrm>
           <a:prstGeom prst="rect">
             <a:avLst/>
           </a:prstGeom>
         </p:spPr>
       </p:pic>
+      <p:sp>
+        <p:nvSpPr>
+          <p:cNvPr id="7" name="Cuadro de texto 2">
+            <a:extLst>
+              <a:ext uri="{FF2B5EF4-FFF2-40B4-BE49-F238E27FC236}">
+                <a16:creationId xmlns:a16="http://schemas.microsoft.com/office/drawing/2014/main" id="{4E183DDB-9D28-411B-A754-9385C1E0A85B}"/>
+              </a:ext>
+            </a:extLst>
+          </p:cNvPr>
+          <p:cNvSpPr txBox="1">
+            <a:spLocks noChangeArrowheads="1"/>
+          </p:cNvSpPr>
+          <p:nvPr/>
+        </p:nvSpPr>
+        <p:spPr bwMode="auto">
+          <a:xfrm>
+            <a:off x="1100728" y="2108404"/>
+            <a:ext cx="1790017" cy="476249"/>
+          </a:xfrm>
+          <a:prstGeom prst="rect">
+            <a:avLst/>
+          </a:prstGeom>
+          <a:gradFill flip="none" rotWithShape="1">
+            <a:gsLst>
+              <a:gs pos="0">
+                <a:srgbClr val="FFFFFF">
+                  <a:shade val="30000"/>
+                  <a:satMod val="115000"/>
+                </a:srgbClr>
+              </a:gs>
+              <a:gs pos="18000">
+                <a:srgbClr val="FFFFFF">
+                  <a:shade val="67500"/>
+                  <a:satMod val="115000"/>
+                </a:srgbClr>
+              </a:gs>
+              <a:gs pos="100000">
+                <a:srgbClr val="FFFFFF">
+                  <a:shade val="100000"/>
+                  <a:satMod val="115000"/>
+                </a:srgbClr>
+              </a:gs>
+            </a:gsLst>
+            <a:lin ang="5400000" scaled="1"/>
+            <a:tileRect/>
+          </a:gradFill>
+          <a:ln w="9525">
+            <a:noFill/>
+            <a:miter lim="800000"/>
+            <a:headEnd/>
+            <a:tailEnd/>
+          </a:ln>
+        </p:spPr>
+        <p:txBody>
+          <a:bodyPr rot="0" vert="horz" wrap="square" lIns="91440" tIns="45720" rIns="91440" bIns="45720" anchor="ctr" anchorCtr="0">
+            <a:noAutofit/>
+          </a:bodyPr>
+          <a:lstStyle/>
+          <a:p>
+            <a:pPr>
+              <a:lnSpc>
+                <a:spcPct val="107000"/>
+              </a:lnSpc>
+              <a:spcAft>
+                <a:spcPts val="800"/>
+              </a:spcAft>
+            </a:pPr>
+            <a:r>
+              <a:rPr lang="es-ES_tradnl" sz="1400" dirty="0">
+                <a:effectLst/>
+                <a:latin typeface="Calibri" panose="020F0502020204030204" pitchFamily="34" charset="0"/>
+                <a:ea typeface="Calibri" panose="020F0502020204030204" pitchFamily="34" charset="0"/>
+                <a:cs typeface="Times New Roman" panose="02020603050405020304" pitchFamily="18" charset="0"/>
+              </a:rPr>
+              <a:t>Añadir usuarios</a:t>
+            </a:r>
+            <a:endParaRPr lang="es-ES" sz="1400" dirty="0">
+              <a:effectLst/>
+              <a:latin typeface="Calibri" panose="020F0502020204030204" pitchFamily="34" charset="0"/>
+              <a:ea typeface="Calibri" panose="020F0502020204030204" pitchFamily="34" charset="0"/>
+              <a:cs typeface="Times New Roman" panose="02020603050405020304" pitchFamily="18" charset="0"/>
+            </a:endParaRPr>
+          </a:p>
+        </p:txBody>
+      </p:sp>
+      <p:sp>
+        <p:nvSpPr>
+          <p:cNvPr id="8" name="Cuadro de texto 2">
+            <a:extLst>
+              <a:ext uri="{FF2B5EF4-FFF2-40B4-BE49-F238E27FC236}">
+                <a16:creationId xmlns:a16="http://schemas.microsoft.com/office/drawing/2014/main" id="{7BB3526D-1130-452E-A7BB-A8E1A0BDFDB2}"/>
+              </a:ext>
+            </a:extLst>
+          </p:cNvPr>
+          <p:cNvSpPr txBox="1">
+            <a:spLocks noChangeArrowheads="1"/>
+          </p:cNvSpPr>
+          <p:nvPr/>
+        </p:nvSpPr>
+        <p:spPr bwMode="auto">
+          <a:xfrm>
+            <a:off x="1100727" y="2965385"/>
+            <a:ext cx="1790017" cy="492760"/>
+          </a:xfrm>
+          <a:prstGeom prst="rect">
+            <a:avLst/>
+          </a:prstGeom>
+          <a:gradFill flip="none" rotWithShape="1">
+            <a:gsLst>
+              <a:gs pos="0">
+                <a:srgbClr val="FFFFFF">
+                  <a:shade val="30000"/>
+                  <a:satMod val="115000"/>
+                </a:srgbClr>
+              </a:gs>
+              <a:gs pos="18000">
+                <a:srgbClr val="FFFFFF">
+                  <a:shade val="67500"/>
+                  <a:satMod val="115000"/>
+                </a:srgbClr>
+              </a:gs>
+              <a:gs pos="100000">
+                <a:srgbClr val="FFFFFF">
+                  <a:shade val="100000"/>
+                  <a:satMod val="115000"/>
+                </a:srgbClr>
+              </a:gs>
+            </a:gsLst>
+            <a:lin ang="5400000" scaled="1"/>
+            <a:tileRect/>
+          </a:gradFill>
+          <a:ln w="9525">
+            <a:noFill/>
+            <a:miter lim="800000"/>
+            <a:headEnd/>
+            <a:tailEnd/>
+          </a:ln>
+        </p:spPr>
+        <p:txBody>
+          <a:bodyPr rot="0" vert="horz" wrap="square" lIns="91440" tIns="45720" rIns="91440" bIns="45720" anchor="ctr" anchorCtr="0">
+            <a:noAutofit/>
+          </a:bodyPr>
+          <a:lstStyle/>
+          <a:p>
+            <a:pPr>
+              <a:lnSpc>
+                <a:spcPct val="107000"/>
+              </a:lnSpc>
+              <a:spcAft>
+                <a:spcPts val="0"/>
+              </a:spcAft>
+            </a:pPr>
+            <a:r>
+              <a:rPr lang="es-ES_tradnl" sz="1400" dirty="0">
+                <a:effectLst/>
+                <a:latin typeface="Calibri" panose="020F0502020204030204" pitchFamily="34" charset="0"/>
+                <a:ea typeface="Calibri" panose="020F0502020204030204" pitchFamily="34" charset="0"/>
+                <a:cs typeface="Times New Roman" panose="02020603050405020304" pitchFamily="18" charset="0"/>
+              </a:rPr>
+              <a:t>Añadir usuarios  </a:t>
+            </a:r>
+            <a:endParaRPr lang="es-ES" sz="1400" dirty="0">
+              <a:effectLst/>
+              <a:latin typeface="Calibri" panose="020F0502020204030204" pitchFamily="34" charset="0"/>
+              <a:ea typeface="Calibri" panose="020F0502020204030204" pitchFamily="34" charset="0"/>
+              <a:cs typeface="Times New Roman" panose="02020603050405020304" pitchFamily="18" charset="0"/>
+            </a:endParaRPr>
+          </a:p>
+          <a:p>
+            <a:pPr>
+              <a:lnSpc>
+                <a:spcPct val="107000"/>
+              </a:lnSpc>
+              <a:spcAft>
+                <a:spcPts val="800"/>
+              </a:spcAft>
+            </a:pPr>
+            <a:r>
+              <a:rPr lang="es-ES_tradnl" sz="1400" dirty="0">
+                <a:effectLst/>
+                <a:latin typeface="Calibri" panose="020F0502020204030204" pitchFamily="34" charset="0"/>
+                <a:ea typeface="Calibri" panose="020F0502020204030204" pitchFamily="34" charset="0"/>
+                <a:cs typeface="Times New Roman" panose="02020603050405020304" pitchFamily="18" charset="0"/>
+              </a:rPr>
+              <a:t>a un proyecto </a:t>
+            </a:r>
+            <a:endParaRPr lang="es-ES" sz="1400" dirty="0">
+              <a:effectLst/>
+              <a:latin typeface="Calibri" panose="020F0502020204030204" pitchFamily="34" charset="0"/>
+              <a:ea typeface="Calibri" panose="020F0502020204030204" pitchFamily="34" charset="0"/>
+              <a:cs typeface="Times New Roman" panose="02020603050405020304" pitchFamily="18" charset="0"/>
+            </a:endParaRPr>
+          </a:p>
+        </p:txBody>
+      </p:sp>
+      <p:sp>
+        <p:nvSpPr>
+          <p:cNvPr id="9" name="Cuadro de texto 2">
+            <a:extLst>
+              <a:ext uri="{FF2B5EF4-FFF2-40B4-BE49-F238E27FC236}">
+                <a16:creationId xmlns:a16="http://schemas.microsoft.com/office/drawing/2014/main" id="{728ABEB4-A599-4A53-B72D-F58F277419C7}"/>
+              </a:ext>
+            </a:extLst>
+          </p:cNvPr>
+          <p:cNvSpPr txBox="1">
+            <a:spLocks noChangeArrowheads="1"/>
+          </p:cNvSpPr>
+          <p:nvPr/>
+        </p:nvSpPr>
+        <p:spPr bwMode="auto">
+          <a:xfrm>
+            <a:off x="6193767" y="2108404"/>
+            <a:ext cx="1922912" cy="571493"/>
+          </a:xfrm>
+          <a:prstGeom prst="rect">
+            <a:avLst/>
+          </a:prstGeom>
+          <a:gradFill flip="none" rotWithShape="1">
+            <a:gsLst>
+              <a:gs pos="0">
+                <a:srgbClr val="FFFFFF">
+                  <a:shade val="30000"/>
+                  <a:satMod val="115000"/>
+                </a:srgbClr>
+              </a:gs>
+              <a:gs pos="18000">
+                <a:srgbClr val="FFFFFF">
+                  <a:shade val="67500"/>
+                  <a:satMod val="115000"/>
+                </a:srgbClr>
+              </a:gs>
+              <a:gs pos="100000">
+                <a:srgbClr val="FFFFFF">
+                  <a:shade val="100000"/>
+                  <a:satMod val="115000"/>
+                </a:srgbClr>
+              </a:gs>
+            </a:gsLst>
+            <a:lin ang="5400000" scaled="1"/>
+            <a:tileRect/>
+          </a:gradFill>
+          <a:ln w="9525">
+            <a:noFill/>
+            <a:miter lim="800000"/>
+            <a:headEnd/>
+            <a:tailEnd/>
+          </a:ln>
+        </p:spPr>
+        <p:txBody>
+          <a:bodyPr rot="0" vert="horz" wrap="square" lIns="91440" tIns="45720" rIns="91440" bIns="45720" anchor="ctr" anchorCtr="0">
+            <a:noAutofit/>
+          </a:bodyPr>
+          <a:lstStyle/>
+          <a:p>
+            <a:pPr>
+              <a:lnSpc>
+                <a:spcPct val="107000"/>
+              </a:lnSpc>
+              <a:spcAft>
+                <a:spcPts val="800"/>
+              </a:spcAft>
+            </a:pPr>
+            <a:r>
+              <a:rPr lang="es-ES_tradnl" sz="1400" dirty="0">
+                <a:effectLst/>
+                <a:latin typeface="Calibri" panose="020F0502020204030204" pitchFamily="34" charset="0"/>
+                <a:ea typeface="Calibri" panose="020F0502020204030204" pitchFamily="34" charset="0"/>
+                <a:cs typeface="Times New Roman" panose="02020603050405020304" pitchFamily="18" charset="0"/>
+              </a:rPr>
+              <a:t>Visualizar proyectos publicados</a:t>
+            </a:r>
+            <a:endParaRPr lang="es-ES" sz="1400" dirty="0">
+              <a:effectLst/>
+              <a:latin typeface="Calibri" panose="020F0502020204030204" pitchFamily="34" charset="0"/>
+              <a:ea typeface="Calibri" panose="020F0502020204030204" pitchFamily="34" charset="0"/>
+              <a:cs typeface="Times New Roman" panose="02020603050405020304" pitchFamily="18" charset="0"/>
+            </a:endParaRPr>
+          </a:p>
+        </p:txBody>
+      </p:sp>
+      <p:cxnSp>
+        <p:nvCxnSpPr>
+          <p:cNvPr id="10" name="Conector recto de flecha 9">
+            <a:extLst>
+              <a:ext uri="{FF2B5EF4-FFF2-40B4-BE49-F238E27FC236}">
+                <a16:creationId xmlns:a16="http://schemas.microsoft.com/office/drawing/2014/main" id="{3444AE27-3E89-41BB-85B3-313E9451F813}"/>
+              </a:ext>
+            </a:extLst>
+          </p:cNvPr>
+          <p:cNvCxnSpPr>
+            <a:cxnSpLocks/>
+          </p:cNvCxnSpPr>
+          <p:nvPr/>
+        </p:nvCxnSpPr>
+        <p:spPr>
+          <a:xfrm flipV="1">
+            <a:off x="4810226" y="2346528"/>
+            <a:ext cx="1315201" cy="888732"/>
+          </a:xfrm>
+          <a:prstGeom prst="straightConnector1">
+            <a:avLst/>
+          </a:prstGeom>
+          <a:ln>
+            <a:solidFill>
+              <a:schemeClr val="tx1"/>
+            </a:solidFill>
+            <a:tailEnd type="triangle"/>
+          </a:ln>
+        </p:spPr>
+        <p:style>
+          <a:lnRef idx="1">
+            <a:schemeClr val="accent1"/>
+          </a:lnRef>
+          <a:fillRef idx="0">
+            <a:schemeClr val="accent1"/>
+          </a:fillRef>
+          <a:effectRef idx="0">
+            <a:schemeClr val="accent1"/>
+          </a:effectRef>
+          <a:fontRef idx="minor">
+            <a:schemeClr val="tx1"/>
+          </a:fontRef>
+        </p:style>
+      </p:cxnSp>
+      <p:cxnSp>
+        <p:nvCxnSpPr>
+          <p:cNvPr id="11" name="Conector recto de flecha 10">
+            <a:extLst>
+              <a:ext uri="{FF2B5EF4-FFF2-40B4-BE49-F238E27FC236}">
+                <a16:creationId xmlns:a16="http://schemas.microsoft.com/office/drawing/2014/main" id="{01DC2A97-66CF-4E5A-BA0D-D98DCA89A701}"/>
+              </a:ext>
+            </a:extLst>
+          </p:cNvPr>
+          <p:cNvCxnSpPr>
+            <a:cxnSpLocks/>
+          </p:cNvCxnSpPr>
+          <p:nvPr/>
+        </p:nvCxnSpPr>
+        <p:spPr>
+          <a:xfrm flipV="1">
+            <a:off x="4781651" y="3235260"/>
+            <a:ext cx="1343776" cy="197485"/>
+          </a:xfrm>
+          <a:prstGeom prst="straightConnector1">
+            <a:avLst/>
+          </a:prstGeom>
+          <a:ln>
+            <a:solidFill>
+              <a:schemeClr val="tx1"/>
+            </a:solidFill>
+            <a:tailEnd type="triangle"/>
+          </a:ln>
+        </p:spPr>
+        <p:style>
+          <a:lnRef idx="1">
+            <a:schemeClr val="accent1"/>
+          </a:lnRef>
+          <a:fillRef idx="0">
+            <a:schemeClr val="accent1"/>
+          </a:fillRef>
+          <a:effectRef idx="0">
+            <a:schemeClr val="accent1"/>
+          </a:effectRef>
+          <a:fontRef idx="minor">
+            <a:schemeClr val="tx1"/>
+          </a:fontRef>
+        </p:style>
+      </p:cxnSp>
+      <p:cxnSp>
+        <p:nvCxnSpPr>
+          <p:cNvPr id="12" name="Conector recto de flecha 11">
+            <a:extLst>
+              <a:ext uri="{FF2B5EF4-FFF2-40B4-BE49-F238E27FC236}">
+                <a16:creationId xmlns:a16="http://schemas.microsoft.com/office/drawing/2014/main" id="{700B72A9-A105-44AF-86A9-BCB2F9FE68BB}"/>
+              </a:ext>
+            </a:extLst>
+          </p:cNvPr>
+          <p:cNvCxnSpPr>
+            <a:cxnSpLocks/>
+          </p:cNvCxnSpPr>
+          <p:nvPr/>
+        </p:nvCxnSpPr>
+        <p:spPr>
+          <a:xfrm>
+            <a:off x="4676876" y="3397819"/>
+            <a:ext cx="1428115" cy="792504"/>
+          </a:xfrm>
+          <a:prstGeom prst="straightConnector1">
+            <a:avLst/>
+          </a:prstGeom>
+          <a:ln>
+            <a:solidFill>
+              <a:schemeClr val="tx1"/>
+            </a:solidFill>
+            <a:tailEnd type="triangle"/>
+          </a:ln>
+        </p:spPr>
+        <p:style>
+          <a:lnRef idx="1">
+            <a:schemeClr val="accent1"/>
+          </a:lnRef>
+          <a:fillRef idx="0">
+            <a:schemeClr val="accent1"/>
+          </a:fillRef>
+          <a:effectRef idx="0">
+            <a:schemeClr val="accent1"/>
+          </a:effectRef>
+          <a:fontRef idx="minor">
+            <a:schemeClr val="tx1"/>
+          </a:fontRef>
+        </p:style>
+      </p:cxnSp>
+      <p:cxnSp>
+        <p:nvCxnSpPr>
+          <p:cNvPr id="13" name="Conector recto de flecha 12">
+            <a:extLst>
+              <a:ext uri="{FF2B5EF4-FFF2-40B4-BE49-F238E27FC236}">
+                <a16:creationId xmlns:a16="http://schemas.microsoft.com/office/drawing/2014/main" id="{BE8E708B-6278-4C21-A5DD-93DA1350F859}"/>
+              </a:ext>
+            </a:extLst>
+          </p:cNvPr>
+          <p:cNvCxnSpPr>
+            <a:cxnSpLocks/>
+          </p:cNvCxnSpPr>
+          <p:nvPr/>
+        </p:nvCxnSpPr>
+        <p:spPr>
+          <a:xfrm flipH="1" flipV="1">
+            <a:off x="2956984" y="2319884"/>
+            <a:ext cx="1443032" cy="982685"/>
+          </a:xfrm>
+          <a:prstGeom prst="straightConnector1">
+            <a:avLst/>
+          </a:prstGeom>
+          <a:ln>
+            <a:solidFill>
+              <a:schemeClr val="tx1"/>
+            </a:solidFill>
+            <a:tailEnd type="triangle"/>
+          </a:ln>
+        </p:spPr>
+        <p:style>
+          <a:lnRef idx="1">
+            <a:schemeClr val="accent1"/>
+          </a:lnRef>
+          <a:fillRef idx="0">
+            <a:schemeClr val="accent1"/>
+          </a:fillRef>
+          <a:effectRef idx="0">
+            <a:schemeClr val="accent1"/>
+          </a:effectRef>
+          <a:fontRef idx="minor">
+            <a:schemeClr val="tx1"/>
+          </a:fontRef>
+        </p:style>
+      </p:cxnSp>
+      <p:cxnSp>
+        <p:nvCxnSpPr>
+          <p:cNvPr id="14" name="Conector recto de flecha 13">
+            <a:extLst>
+              <a:ext uri="{FF2B5EF4-FFF2-40B4-BE49-F238E27FC236}">
+                <a16:creationId xmlns:a16="http://schemas.microsoft.com/office/drawing/2014/main" id="{BC6EDA7F-F1C5-4415-90BF-02CBCCCD152A}"/>
+              </a:ext>
+            </a:extLst>
+          </p:cNvPr>
+          <p:cNvCxnSpPr>
+            <a:cxnSpLocks/>
+          </p:cNvCxnSpPr>
+          <p:nvPr/>
+        </p:nvCxnSpPr>
+        <p:spPr>
+          <a:xfrm flipH="1" flipV="1">
+            <a:off x="2956984" y="3164139"/>
+            <a:ext cx="1223958" cy="243205"/>
+          </a:xfrm>
+          <a:prstGeom prst="straightConnector1">
+            <a:avLst/>
+          </a:prstGeom>
+          <a:ln>
+            <a:solidFill>
+              <a:schemeClr val="tx1"/>
+            </a:solidFill>
+            <a:tailEnd type="triangle"/>
+          </a:ln>
+        </p:spPr>
+        <p:style>
+          <a:lnRef idx="1">
+            <a:schemeClr val="accent1"/>
+          </a:lnRef>
+          <a:fillRef idx="0">
+            <a:schemeClr val="accent1"/>
+          </a:fillRef>
+          <a:effectRef idx="0">
+            <a:schemeClr val="accent1"/>
+          </a:effectRef>
+          <a:fontRef idx="minor">
+            <a:schemeClr val="tx1"/>
+          </a:fontRef>
+        </p:style>
+      </p:cxnSp>
+      <p:cxnSp>
+        <p:nvCxnSpPr>
+          <p:cNvPr id="15" name="Conector recto de flecha 14">
+            <a:extLst>
+              <a:ext uri="{FF2B5EF4-FFF2-40B4-BE49-F238E27FC236}">
+                <a16:creationId xmlns:a16="http://schemas.microsoft.com/office/drawing/2014/main" id="{209FEC26-D37E-4C9D-8BF1-C23397056851}"/>
+              </a:ext>
+            </a:extLst>
+          </p:cNvPr>
+          <p:cNvCxnSpPr>
+            <a:cxnSpLocks/>
+          </p:cNvCxnSpPr>
+          <p:nvPr/>
+        </p:nvCxnSpPr>
+        <p:spPr>
+          <a:xfrm flipH="1">
+            <a:off x="2956984" y="3492434"/>
+            <a:ext cx="1281742" cy="759165"/>
+          </a:xfrm>
+          <a:prstGeom prst="straightConnector1">
+            <a:avLst/>
+          </a:prstGeom>
+          <a:ln>
+            <a:solidFill>
+              <a:schemeClr val="tx1"/>
+            </a:solidFill>
+            <a:tailEnd type="triangle"/>
+          </a:ln>
+        </p:spPr>
+        <p:style>
+          <a:lnRef idx="1">
+            <a:schemeClr val="accent1"/>
+          </a:lnRef>
+          <a:fillRef idx="0">
+            <a:schemeClr val="accent1"/>
+          </a:fillRef>
+          <a:effectRef idx="0">
+            <a:schemeClr val="accent1"/>
+          </a:effectRef>
+          <a:fontRef idx="minor">
+            <a:schemeClr val="tx1"/>
+          </a:fontRef>
+        </p:style>
+      </p:cxnSp>
+      <p:pic>
+        <p:nvPicPr>
+          <p:cNvPr id="16" name="Imagen 15">
+            <a:extLst>
+              <a:ext uri="{FF2B5EF4-FFF2-40B4-BE49-F238E27FC236}">
+                <a16:creationId xmlns:a16="http://schemas.microsoft.com/office/drawing/2014/main" id="{55DFECA3-AF54-4F71-B39A-15220A14A0CA}"/>
+              </a:ext>
+            </a:extLst>
+          </p:cNvPr>
+          <p:cNvPicPr/>
+          <p:nvPr/>
+        </p:nvPicPr>
+        <p:blipFill>
+          <a:blip r:embed="rId3">
+            <a:extLst>
+              <a:ext uri="{28A0092B-C50C-407E-A947-70E740481C1C}">
+                <a14:useLocalDpi xmlns:a14="http://schemas.microsoft.com/office/drawing/2010/main" val="0"/>
+              </a:ext>
+            </a:extLst>
+          </a:blip>
+          <a:stretch>
+            <a:fillRect/>
+          </a:stretch>
+        </p:blipFill>
+        <p:spPr>
+          <a:xfrm>
+            <a:off x="3570620" y="2188772"/>
+            <a:ext cx="1893057" cy="1717999"/>
+          </a:xfrm>
+          <a:prstGeom prst="rect">
+            <a:avLst/>
+          </a:prstGeom>
+        </p:spPr>
+      </p:pic>
+      <p:sp>
+        <p:nvSpPr>
+          <p:cNvPr id="17" name="Cuadro de texto 2">
+            <a:extLst>
+              <a:ext uri="{FF2B5EF4-FFF2-40B4-BE49-F238E27FC236}">
+                <a16:creationId xmlns:a16="http://schemas.microsoft.com/office/drawing/2014/main" id="{DFE8B665-09A2-4394-A63E-8AABD0A7FD57}"/>
+              </a:ext>
+            </a:extLst>
+          </p:cNvPr>
+          <p:cNvSpPr txBox="1">
+            <a:spLocks noChangeArrowheads="1"/>
+          </p:cNvSpPr>
+          <p:nvPr/>
+        </p:nvSpPr>
+        <p:spPr bwMode="auto">
+          <a:xfrm>
+            <a:off x="1076430" y="3906771"/>
+            <a:ext cx="1802166" cy="571864"/>
+          </a:xfrm>
+          <a:prstGeom prst="rect">
+            <a:avLst/>
+          </a:prstGeom>
+          <a:gradFill flip="none" rotWithShape="1">
+            <a:gsLst>
+              <a:gs pos="0">
+                <a:srgbClr val="FFFFFF">
+                  <a:shade val="30000"/>
+                  <a:satMod val="115000"/>
+                </a:srgbClr>
+              </a:gs>
+              <a:gs pos="18000">
+                <a:srgbClr val="FFFFFF">
+                  <a:shade val="67500"/>
+                  <a:satMod val="115000"/>
+                </a:srgbClr>
+              </a:gs>
+              <a:gs pos="100000">
+                <a:srgbClr val="FFFFFF">
+                  <a:shade val="100000"/>
+                  <a:satMod val="115000"/>
+                </a:srgbClr>
+              </a:gs>
+            </a:gsLst>
+            <a:lin ang="5400000" scaled="1"/>
+            <a:tileRect/>
+          </a:gradFill>
+          <a:ln w="9525">
+            <a:noFill/>
+            <a:miter lim="800000"/>
+            <a:headEnd/>
+            <a:tailEnd/>
+          </a:ln>
+        </p:spPr>
+        <p:txBody>
+          <a:bodyPr rot="0" vert="horz" wrap="square" lIns="91440" tIns="45720" rIns="91440" bIns="45720" anchor="ctr" anchorCtr="0">
+            <a:noAutofit/>
+          </a:bodyPr>
+          <a:lstStyle/>
+          <a:p>
+            <a:pPr>
+              <a:lnSpc>
+                <a:spcPct val="107000"/>
+              </a:lnSpc>
+              <a:spcAft>
+                <a:spcPts val="0"/>
+              </a:spcAft>
+            </a:pPr>
+            <a:r>
+              <a:rPr lang="es-ES_tradnl" sz="1400" dirty="0">
+                <a:effectLst/>
+                <a:latin typeface="Calibri" panose="020F0502020204030204" pitchFamily="34" charset="0"/>
+                <a:ea typeface="Calibri" panose="020F0502020204030204" pitchFamily="34" charset="0"/>
+                <a:cs typeface="Times New Roman" panose="02020603050405020304" pitchFamily="18" charset="0"/>
+              </a:rPr>
+              <a:t>Eliminar usuarios  </a:t>
+            </a:r>
+            <a:endParaRPr lang="es-ES" sz="1400" dirty="0">
+              <a:effectLst/>
+              <a:latin typeface="Calibri" panose="020F0502020204030204" pitchFamily="34" charset="0"/>
+              <a:ea typeface="Calibri" panose="020F0502020204030204" pitchFamily="34" charset="0"/>
+              <a:cs typeface="Times New Roman" panose="02020603050405020304" pitchFamily="18" charset="0"/>
+            </a:endParaRPr>
+          </a:p>
+          <a:p>
+            <a:pPr>
+              <a:lnSpc>
+                <a:spcPct val="107000"/>
+              </a:lnSpc>
+              <a:spcAft>
+                <a:spcPts val="800"/>
+              </a:spcAft>
+            </a:pPr>
+            <a:r>
+              <a:rPr lang="es-ES_tradnl" sz="1400" dirty="0">
+                <a:effectLst/>
+                <a:latin typeface="Calibri" panose="020F0502020204030204" pitchFamily="34" charset="0"/>
+                <a:ea typeface="Calibri" panose="020F0502020204030204" pitchFamily="34" charset="0"/>
+                <a:cs typeface="Times New Roman" panose="02020603050405020304" pitchFamily="18" charset="0"/>
+              </a:rPr>
+              <a:t>de un proyecto </a:t>
+            </a:r>
+            <a:endParaRPr lang="es-ES" sz="1400" dirty="0">
+              <a:effectLst/>
+              <a:latin typeface="Calibri" panose="020F0502020204030204" pitchFamily="34" charset="0"/>
+              <a:ea typeface="Calibri" panose="020F0502020204030204" pitchFamily="34" charset="0"/>
+              <a:cs typeface="Times New Roman" panose="02020603050405020304" pitchFamily="18" charset="0"/>
+            </a:endParaRPr>
+          </a:p>
+        </p:txBody>
+      </p:sp>
+      <p:sp>
+        <p:nvSpPr>
+          <p:cNvPr id="18" name="Cuadro de texto 2">
+            <a:extLst>
+              <a:ext uri="{FF2B5EF4-FFF2-40B4-BE49-F238E27FC236}">
+                <a16:creationId xmlns:a16="http://schemas.microsoft.com/office/drawing/2014/main" id="{374AC26B-B8D5-4C2A-9232-30D4ADEA95D1}"/>
+              </a:ext>
+            </a:extLst>
+          </p:cNvPr>
+          <p:cNvSpPr txBox="1">
+            <a:spLocks noChangeArrowheads="1"/>
+          </p:cNvSpPr>
+          <p:nvPr/>
+        </p:nvSpPr>
+        <p:spPr bwMode="auto">
+          <a:xfrm>
+            <a:off x="6191667" y="2969290"/>
+            <a:ext cx="1922912" cy="609504"/>
+          </a:xfrm>
+          <a:prstGeom prst="rect">
+            <a:avLst/>
+          </a:prstGeom>
+          <a:gradFill flip="none" rotWithShape="1">
+            <a:gsLst>
+              <a:gs pos="0">
+                <a:srgbClr val="FFFFFF">
+                  <a:shade val="30000"/>
+                  <a:satMod val="115000"/>
+                </a:srgbClr>
+              </a:gs>
+              <a:gs pos="18000">
+                <a:srgbClr val="FFFFFF">
+                  <a:shade val="67500"/>
+                  <a:satMod val="115000"/>
+                </a:srgbClr>
+              </a:gs>
+              <a:gs pos="100000">
+                <a:srgbClr val="FFFFFF">
+                  <a:shade val="100000"/>
+                  <a:satMod val="115000"/>
+                </a:srgbClr>
+              </a:gs>
+            </a:gsLst>
+            <a:lin ang="5400000" scaled="1"/>
+            <a:tileRect/>
+          </a:gradFill>
+          <a:ln w="9525">
+            <a:noFill/>
+            <a:miter lim="800000"/>
+            <a:headEnd/>
+            <a:tailEnd/>
+          </a:ln>
+        </p:spPr>
+        <p:txBody>
+          <a:bodyPr rot="0" vert="horz" wrap="square" lIns="91440" tIns="45720" rIns="91440" bIns="45720" anchor="ctr" anchorCtr="0">
+            <a:noAutofit/>
+          </a:bodyPr>
+          <a:lstStyle/>
+          <a:p>
+            <a:pPr>
+              <a:lnSpc>
+                <a:spcPct val="107000"/>
+              </a:lnSpc>
+              <a:spcAft>
+                <a:spcPts val="800"/>
+              </a:spcAft>
+            </a:pPr>
+            <a:r>
+              <a:rPr lang="es-ES_tradnl" sz="1400" dirty="0">
+                <a:effectLst/>
+                <a:latin typeface="Calibri" panose="020F0502020204030204" pitchFamily="34" charset="0"/>
+                <a:ea typeface="Calibri" panose="020F0502020204030204" pitchFamily="34" charset="0"/>
+                <a:cs typeface="Times New Roman" panose="02020603050405020304" pitchFamily="18" charset="0"/>
+              </a:rPr>
+              <a:t>Visualizar proyectos no publicados</a:t>
+            </a:r>
+            <a:endParaRPr lang="es-ES" sz="1400" dirty="0">
+              <a:effectLst/>
+              <a:latin typeface="Calibri" panose="020F0502020204030204" pitchFamily="34" charset="0"/>
+              <a:ea typeface="Calibri" panose="020F0502020204030204" pitchFamily="34" charset="0"/>
+              <a:cs typeface="Times New Roman" panose="02020603050405020304" pitchFamily="18" charset="0"/>
+            </a:endParaRPr>
+          </a:p>
+        </p:txBody>
+      </p:sp>
+      <p:sp>
+        <p:nvSpPr>
+          <p:cNvPr id="19" name="Cuadro de texto 2">
+            <a:extLst>
+              <a:ext uri="{FF2B5EF4-FFF2-40B4-BE49-F238E27FC236}">
+                <a16:creationId xmlns:a16="http://schemas.microsoft.com/office/drawing/2014/main" id="{2A3360EA-EE5F-4031-B466-79295C95931C}"/>
+              </a:ext>
+            </a:extLst>
+          </p:cNvPr>
+          <p:cNvSpPr txBox="1">
+            <a:spLocks noChangeArrowheads="1"/>
+          </p:cNvSpPr>
+          <p:nvPr/>
+        </p:nvSpPr>
+        <p:spPr bwMode="auto">
+          <a:xfrm>
+            <a:off x="6191667" y="3906771"/>
+            <a:ext cx="1922912" cy="571865"/>
+          </a:xfrm>
+          <a:prstGeom prst="rect">
+            <a:avLst/>
+          </a:prstGeom>
+          <a:gradFill flip="none" rotWithShape="1">
+            <a:gsLst>
+              <a:gs pos="0">
+                <a:srgbClr val="FFFFFF">
+                  <a:shade val="30000"/>
+                  <a:satMod val="115000"/>
+                </a:srgbClr>
+              </a:gs>
+              <a:gs pos="18000">
+                <a:srgbClr val="FFFFFF">
+                  <a:shade val="67500"/>
+                  <a:satMod val="115000"/>
+                </a:srgbClr>
+              </a:gs>
+              <a:gs pos="100000">
+                <a:srgbClr val="FFFFFF">
+                  <a:shade val="100000"/>
+                  <a:satMod val="115000"/>
+                </a:srgbClr>
+              </a:gs>
+            </a:gsLst>
+            <a:lin ang="5400000" scaled="1"/>
+            <a:tileRect/>
+          </a:gradFill>
+          <a:ln w="9525">
+            <a:noFill/>
+            <a:miter lim="800000"/>
+            <a:headEnd/>
+            <a:tailEnd/>
+          </a:ln>
+        </p:spPr>
+        <p:txBody>
+          <a:bodyPr rot="0" vert="horz" wrap="square" lIns="91440" tIns="45720" rIns="91440" bIns="45720" anchor="ctr" anchorCtr="0">
+            <a:noAutofit/>
+          </a:bodyPr>
+          <a:lstStyle/>
+          <a:p>
+            <a:pPr>
+              <a:lnSpc>
+                <a:spcPct val="107000"/>
+              </a:lnSpc>
+              <a:spcAft>
+                <a:spcPts val="800"/>
+              </a:spcAft>
+            </a:pPr>
+            <a:r>
+              <a:rPr lang="es-ES_tradnl" sz="1400" dirty="0">
+                <a:effectLst/>
+                <a:latin typeface="Calibri" panose="020F0502020204030204" pitchFamily="34" charset="0"/>
+                <a:ea typeface="Calibri" panose="020F0502020204030204" pitchFamily="34" charset="0"/>
+                <a:cs typeface="Times New Roman" panose="02020603050405020304" pitchFamily="18" charset="0"/>
+              </a:rPr>
+              <a:t>Visualizar proyectos no publicados</a:t>
+            </a:r>
+            <a:endParaRPr lang="es-ES" sz="1400" dirty="0">
+              <a:effectLst/>
+              <a:latin typeface="Calibri" panose="020F0502020204030204" pitchFamily="34" charset="0"/>
+              <a:ea typeface="Calibri" panose="020F0502020204030204" pitchFamily="34" charset="0"/>
+              <a:cs typeface="Times New Roman" panose="02020603050405020304" pitchFamily="18" charset="0"/>
+            </a:endParaRPr>
+          </a:p>
+        </p:txBody>
+      </p:sp>
     </p:spTree>
     <p:extLst>
       <p:ext uri="{BB962C8B-B14F-4D97-AF65-F5344CB8AC3E}">
@@ -12423,7 +14589,12 @@
             <p:ph idx="1"/>
           </p:nvPr>
         </p:nvSpPr>
-        <p:spPr/>
+        <p:spPr>
+          <a:xfrm>
+            <a:off x="628650" y="1613140"/>
+            <a:ext cx="7886700" cy="4563823"/>
+          </a:xfrm>
+        </p:spPr>
         <p:txBody>
           <a:bodyPr/>
           <a:lstStyle/>
@@ -12441,6 +14612,9 @@
               <a:rPr lang="es-ES" dirty="0"/>
               <a:t>Requisitos mínimos para Ubuntu 18.04 LTS</a:t>
             </a:r>
+          </a:p>
+          <a:p>
+            <a:endParaRPr lang="es-ES" dirty="0"/>
           </a:p>
           <a:p>
             <a:endParaRPr lang="es-ES" dirty="0"/>
@@ -12474,14 +14648,14 @@
           <p:nvPr>
             <p:extLst>
               <p:ext uri="{D42A27DB-BD31-4B8C-83A1-F6EECF244321}">
-                <p14:modId xmlns:p14="http://schemas.microsoft.com/office/powerpoint/2010/main" val="3048026169"/>
+                <p14:modId xmlns:p14="http://schemas.microsoft.com/office/powerpoint/2010/main" val="1979986550"/>
               </p:ext>
             </p:extLst>
           </p:nvPr>
         </p:nvGraphicFramePr>
         <p:xfrm>
-          <a:off x="628650" y="2826144"/>
-          <a:ext cx="7886700" cy="1041720"/>
+          <a:off x="628650" y="2652983"/>
+          <a:ext cx="7886700" cy="1091885"/>
         </p:xfrm>
         <a:graphic>
           <a:graphicData uri="http://schemas.openxmlformats.org/drawingml/2006/table">
@@ -12505,7 +14679,7 @@
                   </a:extLst>
                 </a:gridCol>
               </a:tblGrid>
-              <a:tr h="0">
+              <a:tr h="63575">
                 <a:tc>
                   <a:txBody>
                     <a:bodyPr/>
@@ -12520,12 +14694,12 @@
                         </a:spcAft>
                       </a:pPr>
                       <a:r>
-                        <a:rPr lang="es-ES" sz="1100" dirty="0">
+                        <a:rPr lang="es-ES" sz="1400" dirty="0">
                           <a:effectLst/>
                         </a:rPr>
                         <a:t>Procesador</a:t>
                       </a:r>
-                      <a:endParaRPr lang="es-ES" sz="1100" dirty="0">
+                      <a:endParaRPr lang="es-ES" sz="1400" dirty="0">
                         <a:effectLst/>
                         <a:latin typeface="Calibri" panose="020F0502020204030204" pitchFamily="34" charset="0"/>
                         <a:ea typeface="Calibri" panose="020F0502020204030204" pitchFamily="34" charset="0"/>
@@ -12549,12 +14723,12 @@
                         </a:spcAft>
                       </a:pPr>
                       <a:r>
-                        <a:rPr lang="es-ES" sz="1000">
+                        <a:rPr lang="es-ES" sz="1400" dirty="0">
                           <a:effectLst/>
                         </a:rPr>
                         <a:t>Un procesador a 700 MHz o superior.</a:t>
                       </a:r>
-                      <a:endParaRPr lang="es-ES" sz="1100">
+                      <a:endParaRPr lang="es-ES" sz="1400" dirty="0">
                         <a:effectLst/>
                         <a:latin typeface="Calibri" panose="020F0502020204030204" pitchFamily="34" charset="0"/>
                         <a:ea typeface="Calibri" panose="020F0502020204030204" pitchFamily="34" charset="0"/>
@@ -12585,12 +14759,12 @@
                         </a:spcAft>
                       </a:pPr>
                       <a:r>
-                        <a:rPr lang="es-ES" sz="1100" dirty="0">
+                        <a:rPr lang="es-ES" sz="1400" dirty="0">
                           <a:effectLst/>
                         </a:rPr>
                         <a:t>RAM</a:t>
                       </a:r>
-                      <a:endParaRPr lang="es-ES" sz="1100" dirty="0">
+                      <a:endParaRPr lang="es-ES" sz="1400" dirty="0">
                         <a:effectLst/>
                         <a:latin typeface="Calibri" panose="020F0502020204030204" pitchFamily="34" charset="0"/>
                         <a:ea typeface="Calibri" panose="020F0502020204030204" pitchFamily="34" charset="0"/>
@@ -12614,12 +14788,12 @@
                         </a:spcAft>
                       </a:pPr>
                       <a:r>
-                        <a:rPr lang="es-ES" sz="1000">
+                        <a:rPr lang="es-ES" sz="1400">
                           <a:effectLst/>
                         </a:rPr>
                         <a:t>Mínimo 1 GB, recomendado 2 GB </a:t>
                       </a:r>
-                      <a:endParaRPr lang="es-ES" sz="1100">
+                      <a:endParaRPr lang="es-ES" sz="1400">
                         <a:effectLst/>
                         <a:latin typeface="Calibri" panose="020F0502020204030204" pitchFamily="34" charset="0"/>
                         <a:ea typeface="Calibri" panose="020F0502020204030204" pitchFamily="34" charset="0"/>
@@ -12650,12 +14824,12 @@
                         </a:spcAft>
                       </a:pPr>
                       <a:r>
-                        <a:rPr lang="es-ES" sz="1100" dirty="0">
+                        <a:rPr lang="es-ES" sz="1400" dirty="0">
                           <a:effectLst/>
                         </a:rPr>
                         <a:t>Espacio en disco duro</a:t>
                       </a:r>
-                      <a:endParaRPr lang="es-ES" sz="1100" dirty="0">
+                      <a:endParaRPr lang="es-ES" sz="1400" dirty="0">
                         <a:effectLst/>
                         <a:latin typeface="Calibri" panose="020F0502020204030204" pitchFamily="34" charset="0"/>
                         <a:ea typeface="Calibri" panose="020F0502020204030204" pitchFamily="34" charset="0"/>
@@ -12679,12 +14853,12 @@
                         </a:spcAft>
                       </a:pPr>
                       <a:r>
-                        <a:rPr lang="es-ES" sz="1000">
+                        <a:rPr lang="es-ES" sz="1400" dirty="0">
                           <a:effectLst/>
                         </a:rPr>
                         <a:t>16 GB incluida la reserva de swap</a:t>
                       </a:r>
-                      <a:endParaRPr lang="es-ES" sz="1100">
+                      <a:endParaRPr lang="es-ES" sz="1400" dirty="0">
                         <a:effectLst/>
                         <a:latin typeface="Calibri" panose="020F0502020204030204" pitchFamily="34" charset="0"/>
                         <a:ea typeface="Calibri" panose="020F0502020204030204" pitchFamily="34" charset="0"/>
@@ -12715,12 +14889,12 @@
                         </a:spcAft>
                       </a:pPr>
                       <a:r>
-                        <a:rPr lang="es-ES" sz="1100">
+                        <a:rPr lang="es-ES" sz="1400" dirty="0">
                           <a:effectLst/>
                         </a:rPr>
                         <a:t>Tarjeta gráfica</a:t>
                       </a:r>
-                      <a:endParaRPr lang="es-ES" sz="1100">
+                      <a:endParaRPr lang="es-ES" sz="1400" dirty="0">
                         <a:effectLst/>
                         <a:latin typeface="Calibri" panose="020F0502020204030204" pitchFamily="34" charset="0"/>
                         <a:ea typeface="Calibri" panose="020F0502020204030204" pitchFamily="34" charset="0"/>
@@ -12744,12 +14918,12 @@
                         </a:spcAft>
                       </a:pPr>
                       <a:r>
-                        <a:rPr lang="es-ES" sz="1000" dirty="0">
+                        <a:rPr lang="es-ES" sz="1400" dirty="0">
                           <a:effectLst/>
                         </a:rPr>
                         <a:t>DirectX 9 o posterior con un controlador WDDM 1.0</a:t>
                       </a:r>
-                      <a:endParaRPr lang="es-ES" sz="1100" dirty="0">
+                      <a:endParaRPr lang="es-ES" sz="1400" dirty="0">
                         <a:effectLst/>
                         <a:latin typeface="Calibri" panose="020F0502020204030204" pitchFamily="34" charset="0"/>
                         <a:ea typeface="Calibri" panose="020F0502020204030204" pitchFamily="34" charset="0"/>
@@ -12780,12 +14954,12 @@
                         </a:spcAft>
                       </a:pPr>
                       <a:r>
-                        <a:rPr lang="es-ES" sz="1100" dirty="0">
+                        <a:rPr lang="es-ES" sz="1400" dirty="0">
                           <a:effectLst/>
                         </a:rPr>
                         <a:t>Pantalla</a:t>
                       </a:r>
-                      <a:endParaRPr lang="es-ES" sz="1100" dirty="0">
+                      <a:endParaRPr lang="es-ES" sz="1400" dirty="0">
                         <a:effectLst/>
                         <a:latin typeface="Calibri" panose="020F0502020204030204" pitchFamily="34" charset="0"/>
                         <a:ea typeface="Calibri" panose="020F0502020204030204" pitchFamily="34" charset="0"/>
@@ -12809,12 +14983,12 @@
                         </a:spcAft>
                       </a:pPr>
                       <a:r>
-                        <a:rPr lang="es-ES" sz="1000" dirty="0">
+                        <a:rPr lang="es-ES" sz="1400" dirty="0">
                           <a:effectLst/>
                         </a:rPr>
                         <a:t>800 x 600</a:t>
                       </a:r>
-                      <a:endParaRPr lang="es-ES" sz="1100" dirty="0">
+                      <a:endParaRPr lang="es-ES" sz="1400" dirty="0">
                         <a:effectLst/>
                         <a:latin typeface="Calibri" panose="020F0502020204030204" pitchFamily="34" charset="0"/>
                         <a:ea typeface="Calibri" panose="020F0502020204030204" pitchFamily="34" charset="0"/>
@@ -12849,14 +15023,14 @@
           <p:nvPr>
             <p:extLst>
               <p:ext uri="{D42A27DB-BD31-4B8C-83A1-F6EECF244321}">
-                <p14:modId xmlns:p14="http://schemas.microsoft.com/office/powerpoint/2010/main" val="3595792744"/>
+                <p14:modId xmlns:p14="http://schemas.microsoft.com/office/powerpoint/2010/main" val="1903895618"/>
               </p:ext>
             </p:extLst>
           </p:nvPr>
         </p:nvGraphicFramePr>
         <p:xfrm>
-          <a:off x="628650" y="4414635"/>
-          <a:ext cx="7886700" cy="1041720"/>
+          <a:off x="628650" y="4707162"/>
+          <a:ext cx="7886700" cy="1091885"/>
         </p:xfrm>
         <a:graphic>
           <a:graphicData uri="http://schemas.openxmlformats.org/drawingml/2006/table">
@@ -12895,12 +15069,12 @@
                         </a:spcAft>
                       </a:pPr>
                       <a:r>
-                        <a:rPr lang="es-ES" sz="1100" dirty="0">
+                        <a:rPr lang="es-ES" sz="1400" dirty="0">
                           <a:effectLst/>
                         </a:rPr>
                         <a:t>Procesador</a:t>
                       </a:r>
-                      <a:endParaRPr lang="es-ES" sz="1100" dirty="0">
+                      <a:endParaRPr lang="es-ES" sz="1400" dirty="0">
                         <a:effectLst/>
                         <a:latin typeface="Calibri" panose="020F0502020204030204" pitchFamily="34" charset="0"/>
                         <a:ea typeface="Calibri" panose="020F0502020204030204" pitchFamily="34" charset="0"/>
@@ -12924,12 +15098,12 @@
                         </a:spcAft>
                       </a:pPr>
                       <a:r>
-                        <a:rPr lang="es-ES" sz="1000" dirty="0">
+                        <a:rPr lang="es-ES" sz="1400" dirty="0">
                           <a:effectLst/>
                         </a:rPr>
                         <a:t>Intel i7 4790</a:t>
                       </a:r>
-                      <a:endParaRPr lang="es-ES" sz="1100" dirty="0">
+                      <a:endParaRPr lang="es-ES" sz="1400" dirty="0">
                         <a:effectLst/>
                         <a:latin typeface="Calibri" panose="020F0502020204030204" pitchFamily="34" charset="0"/>
                         <a:ea typeface="Calibri" panose="020F0502020204030204" pitchFamily="34" charset="0"/>
@@ -12960,12 +15134,12 @@
                         </a:spcAft>
                       </a:pPr>
                       <a:r>
-                        <a:rPr lang="es-ES" sz="1100">
+                        <a:rPr lang="es-ES" sz="1400" dirty="0">
                           <a:effectLst/>
                         </a:rPr>
                         <a:t>RAM</a:t>
                       </a:r>
-                      <a:endParaRPr lang="es-ES" sz="1100">
+                      <a:endParaRPr lang="es-ES" sz="1400" dirty="0">
                         <a:effectLst/>
                         <a:latin typeface="Calibri" panose="020F0502020204030204" pitchFamily="34" charset="0"/>
                         <a:ea typeface="Calibri" panose="020F0502020204030204" pitchFamily="34" charset="0"/>
@@ -12989,12 +15163,12 @@
                         </a:spcAft>
                       </a:pPr>
                       <a:r>
-                        <a:rPr lang="es-ES" sz="1000" dirty="0">
+                        <a:rPr lang="es-ES" sz="1400" dirty="0">
                           <a:effectLst/>
                         </a:rPr>
                         <a:t>4 GB</a:t>
                       </a:r>
-                      <a:endParaRPr lang="es-ES" sz="1100" dirty="0">
+                      <a:endParaRPr lang="es-ES" sz="1400" dirty="0">
                         <a:effectLst/>
                         <a:latin typeface="Calibri" panose="020F0502020204030204" pitchFamily="34" charset="0"/>
                         <a:ea typeface="Calibri" panose="020F0502020204030204" pitchFamily="34" charset="0"/>
@@ -13025,12 +15199,12 @@
                         </a:spcAft>
                       </a:pPr>
                       <a:r>
-                        <a:rPr lang="es-ES" sz="1100">
+                        <a:rPr lang="es-ES" sz="1400" dirty="0">
                           <a:effectLst/>
                         </a:rPr>
                         <a:t>Espacio en disco duro</a:t>
                       </a:r>
-                      <a:endParaRPr lang="es-ES" sz="1100">
+                      <a:endParaRPr lang="es-ES" sz="1400" dirty="0">
                         <a:effectLst/>
                         <a:latin typeface="Calibri" panose="020F0502020204030204" pitchFamily="34" charset="0"/>
                         <a:ea typeface="Calibri" panose="020F0502020204030204" pitchFamily="34" charset="0"/>
@@ -13054,12 +15228,12 @@
                         </a:spcAft>
                       </a:pPr>
                       <a:r>
-                        <a:rPr lang="es-ES" sz="1000" dirty="0">
+                        <a:rPr lang="es-ES" sz="1400" dirty="0">
                           <a:effectLst/>
                         </a:rPr>
                         <a:t>50GB</a:t>
                       </a:r>
-                      <a:endParaRPr lang="es-ES" sz="1100" dirty="0">
+                      <a:endParaRPr lang="es-ES" sz="1400" dirty="0">
                         <a:effectLst/>
                         <a:latin typeface="Calibri" panose="020F0502020204030204" pitchFamily="34" charset="0"/>
                         <a:ea typeface="Calibri" panose="020F0502020204030204" pitchFamily="34" charset="0"/>
@@ -13090,12 +15264,12 @@
                         </a:spcAft>
                       </a:pPr>
                       <a:r>
-                        <a:rPr lang="es-ES" sz="1100">
+                        <a:rPr lang="es-ES" sz="1400" dirty="0">
                           <a:effectLst/>
                         </a:rPr>
                         <a:t>Tarjeta gráfica</a:t>
                       </a:r>
-                      <a:endParaRPr lang="es-ES" sz="1100">
+                      <a:endParaRPr lang="es-ES" sz="1400" dirty="0">
                         <a:effectLst/>
                         <a:latin typeface="Calibri" panose="020F0502020204030204" pitchFamily="34" charset="0"/>
                         <a:ea typeface="Calibri" panose="020F0502020204030204" pitchFamily="34" charset="0"/>
@@ -13119,12 +15293,12 @@
                         </a:spcAft>
                       </a:pPr>
                       <a:r>
-                        <a:rPr lang="es-ES" sz="1000" dirty="0">
+                        <a:rPr lang="es-ES" sz="1400" dirty="0">
                           <a:effectLst/>
                         </a:rPr>
                         <a:t>NVIDIA GTX 745</a:t>
                       </a:r>
-                      <a:endParaRPr lang="es-ES" sz="1100" dirty="0">
+                      <a:endParaRPr lang="es-ES" sz="1400" dirty="0">
                         <a:effectLst/>
                         <a:latin typeface="Calibri" panose="020F0502020204030204" pitchFamily="34" charset="0"/>
                         <a:ea typeface="Calibri" panose="020F0502020204030204" pitchFamily="34" charset="0"/>
@@ -13155,12 +15329,12 @@
                         </a:spcAft>
                       </a:pPr>
                       <a:r>
-                        <a:rPr lang="es-ES" sz="1100" dirty="0">
+                        <a:rPr lang="es-ES" sz="1400" dirty="0">
                           <a:effectLst/>
                         </a:rPr>
                         <a:t>Pantalla</a:t>
                       </a:r>
-                      <a:endParaRPr lang="es-ES" sz="1100" dirty="0">
+                      <a:endParaRPr lang="es-ES" sz="1400" dirty="0">
                         <a:effectLst/>
                         <a:latin typeface="Calibri" panose="020F0502020204030204" pitchFamily="34" charset="0"/>
                         <a:ea typeface="Calibri" panose="020F0502020204030204" pitchFamily="34" charset="0"/>
@@ -13184,12 +15358,12 @@
                         </a:spcAft>
                       </a:pPr>
                       <a:r>
-                        <a:rPr lang="es-ES" sz="1000" dirty="0">
+                        <a:rPr lang="es-ES" sz="1400" dirty="0">
                           <a:effectLst/>
                         </a:rPr>
                         <a:t>1920 x 1080</a:t>
                       </a:r>
-                      <a:endParaRPr lang="es-ES" sz="1100" dirty="0">
+                      <a:endParaRPr lang="es-ES" sz="1400" dirty="0">
                         <a:effectLst/>
                         <a:latin typeface="Calibri" panose="020F0502020204030204" pitchFamily="34" charset="0"/>
                         <a:ea typeface="Calibri" panose="020F0502020204030204" pitchFamily="34" charset="0"/>
@@ -13209,6 +15383,42 @@
           </a:graphicData>
         </a:graphic>
       </p:graphicFrame>
+      <p:pic>
+        <p:nvPicPr>
+          <p:cNvPr id="6" name="Imagen 5">
+            <a:extLst>
+              <a:ext uri="{FF2B5EF4-FFF2-40B4-BE49-F238E27FC236}">
+                <a16:creationId xmlns:a16="http://schemas.microsoft.com/office/drawing/2014/main" id="{9EC6F29E-DD47-4FBD-A3BD-84C08AD18357}"/>
+              </a:ext>
+            </a:extLst>
+          </p:cNvPr>
+          <p:cNvPicPr>
+            <a:picLocks noChangeAspect="1"/>
+          </p:cNvPicPr>
+          <p:nvPr/>
+        </p:nvPicPr>
+        <p:blipFill>
+          <a:blip r:embed="rId2">
+            <a:extLst>
+              <a:ext uri="{28A0092B-C50C-407E-A947-70E740481C1C}">
+                <a14:useLocalDpi xmlns:a14="http://schemas.microsoft.com/office/drawing/2010/main" val="0"/>
+              </a:ext>
+            </a:extLst>
+          </a:blip>
+          <a:stretch>
+            <a:fillRect/>
+          </a:stretch>
+        </p:blipFill>
+        <p:spPr>
+          <a:xfrm>
+            <a:off x="1880240" y="4569354"/>
+            <a:ext cx="5003957" cy="3215218"/>
+          </a:xfrm>
+          <a:prstGeom prst="rect">
+            <a:avLst/>
+          </a:prstGeom>
+        </p:spPr>
+      </p:pic>
     </p:spTree>
     <p:extLst>
       <p:ext uri="{BB962C8B-B14F-4D97-AF65-F5344CB8AC3E}">
@@ -13280,10 +15490,10 @@
       </p:sp>
       <p:pic>
         <p:nvPicPr>
-          <p:cNvPr id="4" name="Imagen 3">
+          <p:cNvPr id="5" name="Imagen 4">
             <a:extLst>
               <a:ext uri="{FF2B5EF4-FFF2-40B4-BE49-F238E27FC236}">
-                <a16:creationId xmlns:a16="http://schemas.microsoft.com/office/drawing/2014/main" id="{F7AD0C71-FCB3-4581-9F3F-67F49E75669D}"/>
+                <a16:creationId xmlns:a16="http://schemas.microsoft.com/office/drawing/2014/main" id="{DED2125C-94A2-4AA5-9C7B-DECBFCB30C56}"/>
               </a:ext>
             </a:extLst>
           </p:cNvPr>
@@ -13293,21 +15503,1480 @@
           <p:nvPr/>
         </p:nvPicPr>
         <p:blipFill>
-          <a:blip r:embed="rId2"/>
+          <a:blip r:embed="rId2">
+            <a:extLst>
+              <a:ext uri="{28A0092B-C50C-407E-A947-70E740481C1C}">
+                <a14:useLocalDpi xmlns:a14="http://schemas.microsoft.com/office/drawing/2010/main" val="0"/>
+              </a:ext>
+            </a:extLst>
+          </a:blip>
           <a:stretch>
             <a:fillRect/>
           </a:stretch>
         </p:blipFill>
         <p:spPr>
           <a:xfrm>
-            <a:off x="628650" y="1820173"/>
-            <a:ext cx="8344529" cy="3364302"/>
+            <a:off x="2350538" y="4749596"/>
+            <a:ext cx="4442923" cy="2854734"/>
           </a:xfrm>
           <a:prstGeom prst="rect">
             <a:avLst/>
           </a:prstGeom>
         </p:spPr>
       </p:pic>
+      <p:cxnSp>
+        <p:nvCxnSpPr>
+          <p:cNvPr id="6" name="Conector recto de flecha 5">
+            <a:extLst>
+              <a:ext uri="{FF2B5EF4-FFF2-40B4-BE49-F238E27FC236}">
+                <a16:creationId xmlns:a16="http://schemas.microsoft.com/office/drawing/2014/main" id="{648AC458-2FC6-4BBA-9103-1D191D64852E}"/>
+              </a:ext>
+            </a:extLst>
+          </p:cNvPr>
+          <p:cNvCxnSpPr>
+            <a:cxnSpLocks/>
+          </p:cNvCxnSpPr>
+          <p:nvPr/>
+        </p:nvCxnSpPr>
+        <p:spPr>
+          <a:xfrm>
+            <a:off x="4972367" y="3395345"/>
+            <a:ext cx="1462939" cy="499541"/>
+          </a:xfrm>
+          <a:prstGeom prst="straightConnector1">
+            <a:avLst/>
+          </a:prstGeom>
+          <a:ln>
+            <a:solidFill>
+              <a:schemeClr val="tx1"/>
+            </a:solidFill>
+            <a:tailEnd type="triangle"/>
+          </a:ln>
+        </p:spPr>
+        <p:style>
+          <a:lnRef idx="1">
+            <a:schemeClr val="accent1"/>
+          </a:lnRef>
+          <a:fillRef idx="0">
+            <a:schemeClr val="accent1"/>
+          </a:fillRef>
+          <a:effectRef idx="0">
+            <a:schemeClr val="accent1"/>
+          </a:effectRef>
+          <a:fontRef idx="minor">
+            <a:schemeClr val="tx1"/>
+          </a:fontRef>
+        </p:style>
+      </p:cxnSp>
+      <p:cxnSp>
+        <p:nvCxnSpPr>
+          <p:cNvPr id="7" name="Conector recto de flecha 6">
+            <a:extLst>
+              <a:ext uri="{FF2B5EF4-FFF2-40B4-BE49-F238E27FC236}">
+                <a16:creationId xmlns:a16="http://schemas.microsoft.com/office/drawing/2014/main" id="{A95FC9D3-52A4-4A2E-BA72-B86ED6286EFC}"/>
+              </a:ext>
+            </a:extLst>
+          </p:cNvPr>
+          <p:cNvCxnSpPr>
+            <a:cxnSpLocks/>
+          </p:cNvCxnSpPr>
+          <p:nvPr/>
+        </p:nvCxnSpPr>
+        <p:spPr>
+          <a:xfrm flipH="1">
+            <a:off x="2734574" y="3319145"/>
+            <a:ext cx="1647244" cy="597359"/>
+          </a:xfrm>
+          <a:prstGeom prst="straightConnector1">
+            <a:avLst/>
+          </a:prstGeom>
+          <a:ln>
+            <a:solidFill>
+              <a:schemeClr val="tx1"/>
+            </a:solidFill>
+            <a:tailEnd type="triangle"/>
+          </a:ln>
+        </p:spPr>
+        <p:style>
+          <a:lnRef idx="1">
+            <a:schemeClr val="accent1"/>
+          </a:lnRef>
+          <a:fillRef idx="0">
+            <a:schemeClr val="accent1"/>
+          </a:fillRef>
+          <a:effectRef idx="0">
+            <a:schemeClr val="accent1"/>
+          </a:effectRef>
+          <a:fontRef idx="minor">
+            <a:schemeClr val="tx1"/>
+          </a:fontRef>
+        </p:style>
+      </p:cxnSp>
+      <p:sp>
+        <p:nvSpPr>
+          <p:cNvPr id="8" name="Cuadro de texto 2">
+            <a:extLst>
+              <a:ext uri="{FF2B5EF4-FFF2-40B4-BE49-F238E27FC236}">
+                <a16:creationId xmlns:a16="http://schemas.microsoft.com/office/drawing/2014/main" id="{7A7149AB-DF05-420E-8830-B2F55E002479}"/>
+              </a:ext>
+            </a:extLst>
+          </p:cNvPr>
+          <p:cNvSpPr txBox="1">
+            <a:spLocks noChangeArrowheads="1"/>
+          </p:cNvSpPr>
+          <p:nvPr/>
+        </p:nvSpPr>
+        <p:spPr bwMode="auto">
+          <a:xfrm>
+            <a:off x="845389" y="1900668"/>
+            <a:ext cx="1788572" cy="428420"/>
+          </a:xfrm>
+          <a:prstGeom prst="rect">
+            <a:avLst/>
+          </a:prstGeom>
+          <a:gradFill flip="none" rotWithShape="1">
+            <a:gsLst>
+              <a:gs pos="0">
+                <a:srgbClr val="FFFFFF">
+                  <a:shade val="30000"/>
+                  <a:satMod val="115000"/>
+                </a:srgbClr>
+              </a:gs>
+              <a:gs pos="18000">
+                <a:srgbClr val="FFFFFF">
+                  <a:shade val="67500"/>
+                  <a:satMod val="115000"/>
+                </a:srgbClr>
+              </a:gs>
+              <a:gs pos="100000">
+                <a:srgbClr val="FFFFFF">
+                  <a:shade val="100000"/>
+                  <a:satMod val="115000"/>
+                </a:srgbClr>
+              </a:gs>
+            </a:gsLst>
+            <a:lin ang="5400000" scaled="1"/>
+            <a:tileRect/>
+          </a:gradFill>
+          <a:ln w="9525">
+            <a:noFill/>
+            <a:miter lim="800000"/>
+            <a:headEnd/>
+            <a:tailEnd/>
+          </a:ln>
+        </p:spPr>
+        <p:txBody>
+          <a:bodyPr rot="0" vert="horz" wrap="square" lIns="91440" tIns="45720" rIns="91440" bIns="45720" anchor="ctr" anchorCtr="0">
+            <a:noAutofit/>
+          </a:bodyPr>
+          <a:lstStyle/>
+          <a:p>
+            <a:pPr>
+              <a:lnSpc>
+                <a:spcPct val="107000"/>
+              </a:lnSpc>
+              <a:spcAft>
+                <a:spcPts val="800"/>
+              </a:spcAft>
+            </a:pPr>
+            <a:r>
+              <a:rPr lang="es-ES_tradnl" sz="1400" dirty="0">
+                <a:effectLst/>
+                <a:latin typeface="Calibri" panose="020F0502020204030204" pitchFamily="34" charset="0"/>
+                <a:ea typeface="Calibri" panose="020F0502020204030204" pitchFamily="34" charset="0"/>
+                <a:cs typeface="Times New Roman" panose="02020603050405020304" pitchFamily="18" charset="0"/>
+              </a:rPr>
+              <a:t>Añadir usuarios</a:t>
+            </a:r>
+            <a:endParaRPr lang="es-ES" sz="1400" dirty="0">
+              <a:effectLst/>
+              <a:latin typeface="Calibri" panose="020F0502020204030204" pitchFamily="34" charset="0"/>
+              <a:ea typeface="Calibri" panose="020F0502020204030204" pitchFamily="34" charset="0"/>
+              <a:cs typeface="Times New Roman" panose="02020603050405020304" pitchFamily="18" charset="0"/>
+            </a:endParaRPr>
+          </a:p>
+        </p:txBody>
+      </p:sp>
+      <p:sp>
+        <p:nvSpPr>
+          <p:cNvPr id="9" name="Cuadro de texto 2">
+            <a:extLst>
+              <a:ext uri="{FF2B5EF4-FFF2-40B4-BE49-F238E27FC236}">
+                <a16:creationId xmlns:a16="http://schemas.microsoft.com/office/drawing/2014/main" id="{B53F0709-59D9-45C1-A62B-8DAD65286BCC}"/>
+              </a:ext>
+            </a:extLst>
+          </p:cNvPr>
+          <p:cNvSpPr txBox="1">
+            <a:spLocks noChangeArrowheads="1"/>
+          </p:cNvSpPr>
+          <p:nvPr/>
+        </p:nvSpPr>
+        <p:spPr bwMode="auto">
+          <a:xfrm>
+            <a:off x="845388" y="2452604"/>
+            <a:ext cx="1788571" cy="428420"/>
+          </a:xfrm>
+          <a:prstGeom prst="rect">
+            <a:avLst/>
+          </a:prstGeom>
+          <a:gradFill flip="none" rotWithShape="1">
+            <a:gsLst>
+              <a:gs pos="0">
+                <a:srgbClr val="FFFFFF">
+                  <a:shade val="30000"/>
+                  <a:satMod val="115000"/>
+                </a:srgbClr>
+              </a:gs>
+              <a:gs pos="18000">
+                <a:srgbClr val="FFFFFF">
+                  <a:shade val="67500"/>
+                  <a:satMod val="115000"/>
+                </a:srgbClr>
+              </a:gs>
+              <a:gs pos="100000">
+                <a:srgbClr val="FFFFFF">
+                  <a:shade val="100000"/>
+                  <a:satMod val="115000"/>
+                </a:srgbClr>
+              </a:gs>
+            </a:gsLst>
+            <a:lin ang="5400000" scaled="1"/>
+            <a:tileRect/>
+          </a:gradFill>
+          <a:ln w="9525">
+            <a:noFill/>
+            <a:miter lim="800000"/>
+            <a:headEnd/>
+            <a:tailEnd/>
+          </a:ln>
+        </p:spPr>
+        <p:txBody>
+          <a:bodyPr rot="0" vert="horz" wrap="square" lIns="91440" tIns="45720" rIns="91440" bIns="45720" anchor="ctr" anchorCtr="0">
+            <a:noAutofit/>
+          </a:bodyPr>
+          <a:lstStyle/>
+          <a:p>
+            <a:pPr>
+              <a:lnSpc>
+                <a:spcPct val="107000"/>
+              </a:lnSpc>
+              <a:spcAft>
+                <a:spcPts val="800"/>
+              </a:spcAft>
+            </a:pPr>
+            <a:r>
+              <a:rPr lang="es-ES_tradnl" sz="1400" dirty="0">
+                <a:effectLst/>
+                <a:latin typeface="Calibri" panose="020F0502020204030204" pitchFamily="34" charset="0"/>
+                <a:ea typeface="Calibri" panose="020F0502020204030204" pitchFamily="34" charset="0"/>
+                <a:cs typeface="Times New Roman" panose="02020603050405020304" pitchFamily="18" charset="0"/>
+              </a:rPr>
+              <a:t>Modificar usuarios </a:t>
+            </a:r>
+            <a:endParaRPr lang="es-ES" sz="1400" dirty="0">
+              <a:effectLst/>
+              <a:latin typeface="Calibri" panose="020F0502020204030204" pitchFamily="34" charset="0"/>
+              <a:ea typeface="Calibri" panose="020F0502020204030204" pitchFamily="34" charset="0"/>
+              <a:cs typeface="Times New Roman" panose="02020603050405020304" pitchFamily="18" charset="0"/>
+            </a:endParaRPr>
+          </a:p>
+        </p:txBody>
+      </p:sp>
+      <p:sp>
+        <p:nvSpPr>
+          <p:cNvPr id="10" name="Cuadro de texto 2">
+            <a:extLst>
+              <a:ext uri="{FF2B5EF4-FFF2-40B4-BE49-F238E27FC236}">
+                <a16:creationId xmlns:a16="http://schemas.microsoft.com/office/drawing/2014/main" id="{246980C0-3F78-4B4E-AE78-35080355B1EE}"/>
+              </a:ext>
+            </a:extLst>
+          </p:cNvPr>
+          <p:cNvSpPr txBox="1">
+            <a:spLocks noChangeArrowheads="1"/>
+          </p:cNvSpPr>
+          <p:nvPr/>
+        </p:nvSpPr>
+        <p:spPr bwMode="auto">
+          <a:xfrm>
+            <a:off x="845054" y="3069158"/>
+            <a:ext cx="1788570" cy="454281"/>
+          </a:xfrm>
+          <a:prstGeom prst="rect">
+            <a:avLst/>
+          </a:prstGeom>
+          <a:gradFill flip="none" rotWithShape="1">
+            <a:gsLst>
+              <a:gs pos="0">
+                <a:srgbClr val="FFFFFF">
+                  <a:shade val="30000"/>
+                  <a:satMod val="115000"/>
+                </a:srgbClr>
+              </a:gs>
+              <a:gs pos="18000">
+                <a:srgbClr val="FFFFFF">
+                  <a:shade val="67500"/>
+                  <a:satMod val="115000"/>
+                </a:srgbClr>
+              </a:gs>
+              <a:gs pos="100000">
+                <a:srgbClr val="FFFFFF">
+                  <a:shade val="100000"/>
+                  <a:satMod val="115000"/>
+                </a:srgbClr>
+              </a:gs>
+            </a:gsLst>
+            <a:lin ang="5400000" scaled="1"/>
+            <a:tileRect/>
+          </a:gradFill>
+          <a:ln w="9525">
+            <a:noFill/>
+            <a:miter lim="800000"/>
+            <a:headEnd/>
+            <a:tailEnd/>
+          </a:ln>
+        </p:spPr>
+        <p:txBody>
+          <a:bodyPr rot="0" vert="horz" wrap="square" lIns="91440" tIns="45720" rIns="91440" bIns="45720" anchor="ctr" anchorCtr="0">
+            <a:noAutofit/>
+          </a:bodyPr>
+          <a:lstStyle/>
+          <a:p>
+            <a:pPr>
+              <a:lnSpc>
+                <a:spcPct val="107000"/>
+              </a:lnSpc>
+              <a:spcAft>
+                <a:spcPts val="800"/>
+              </a:spcAft>
+            </a:pPr>
+            <a:r>
+              <a:rPr lang="es-ES_tradnl" sz="1400" dirty="0">
+                <a:effectLst/>
+                <a:latin typeface="Calibri" panose="020F0502020204030204" pitchFamily="34" charset="0"/>
+                <a:ea typeface="Calibri" panose="020F0502020204030204" pitchFamily="34" charset="0"/>
+                <a:cs typeface="Times New Roman" panose="02020603050405020304" pitchFamily="18" charset="0"/>
+              </a:rPr>
+              <a:t>Eliminar usuarios </a:t>
+            </a:r>
+            <a:endParaRPr lang="es-ES" sz="1400" dirty="0">
+              <a:effectLst/>
+              <a:latin typeface="Calibri" panose="020F0502020204030204" pitchFamily="34" charset="0"/>
+              <a:ea typeface="Calibri" panose="020F0502020204030204" pitchFamily="34" charset="0"/>
+              <a:cs typeface="Times New Roman" panose="02020603050405020304" pitchFamily="18" charset="0"/>
+            </a:endParaRPr>
+          </a:p>
+        </p:txBody>
+      </p:sp>
+      <p:sp>
+        <p:nvSpPr>
+          <p:cNvPr id="11" name="Cuadro de texto 2">
+            <a:extLst>
+              <a:ext uri="{FF2B5EF4-FFF2-40B4-BE49-F238E27FC236}">
+                <a16:creationId xmlns:a16="http://schemas.microsoft.com/office/drawing/2014/main" id="{F7807CE7-A95D-44EF-B964-DEA16A64DCAB}"/>
+              </a:ext>
+            </a:extLst>
+          </p:cNvPr>
+          <p:cNvSpPr txBox="1">
+            <a:spLocks noChangeArrowheads="1"/>
+          </p:cNvSpPr>
+          <p:nvPr/>
+        </p:nvSpPr>
+        <p:spPr bwMode="auto">
+          <a:xfrm>
+            <a:off x="6510039" y="1881403"/>
+            <a:ext cx="1788571" cy="428422"/>
+          </a:xfrm>
+          <a:prstGeom prst="rect">
+            <a:avLst/>
+          </a:prstGeom>
+          <a:gradFill flip="none" rotWithShape="1">
+            <a:gsLst>
+              <a:gs pos="0">
+                <a:srgbClr val="FFFFFF">
+                  <a:shade val="30000"/>
+                  <a:satMod val="115000"/>
+                </a:srgbClr>
+              </a:gs>
+              <a:gs pos="18000">
+                <a:srgbClr val="FFFFFF">
+                  <a:shade val="67500"/>
+                  <a:satMod val="115000"/>
+                </a:srgbClr>
+              </a:gs>
+              <a:gs pos="100000">
+                <a:srgbClr val="FFFFFF">
+                  <a:shade val="100000"/>
+                  <a:satMod val="115000"/>
+                </a:srgbClr>
+              </a:gs>
+            </a:gsLst>
+            <a:lin ang="5400000" scaled="1"/>
+            <a:tileRect/>
+          </a:gradFill>
+          <a:ln w="9525">
+            <a:noFill/>
+            <a:miter lim="800000"/>
+            <a:headEnd/>
+            <a:tailEnd/>
+          </a:ln>
+        </p:spPr>
+        <p:txBody>
+          <a:bodyPr rot="0" vert="horz" wrap="square" lIns="91440" tIns="45720" rIns="91440" bIns="45720" anchor="ctr" anchorCtr="0">
+            <a:noAutofit/>
+          </a:bodyPr>
+          <a:lstStyle/>
+          <a:p>
+            <a:pPr>
+              <a:lnSpc>
+                <a:spcPct val="107000"/>
+              </a:lnSpc>
+              <a:spcAft>
+                <a:spcPts val="800"/>
+              </a:spcAft>
+            </a:pPr>
+            <a:r>
+              <a:rPr lang="es-ES_tradnl" sz="1400" dirty="0">
+                <a:effectLst/>
+                <a:latin typeface="Calibri" panose="020F0502020204030204" pitchFamily="34" charset="0"/>
+                <a:ea typeface="Calibri" panose="020F0502020204030204" pitchFamily="34" charset="0"/>
+                <a:cs typeface="Times New Roman" panose="02020603050405020304" pitchFamily="18" charset="0"/>
+              </a:rPr>
+              <a:t>Añadir curso usuarios</a:t>
+            </a:r>
+            <a:endParaRPr lang="es-ES" sz="1400" dirty="0">
+              <a:effectLst/>
+              <a:latin typeface="Calibri" panose="020F0502020204030204" pitchFamily="34" charset="0"/>
+              <a:ea typeface="Calibri" panose="020F0502020204030204" pitchFamily="34" charset="0"/>
+              <a:cs typeface="Times New Roman" panose="02020603050405020304" pitchFamily="18" charset="0"/>
+            </a:endParaRPr>
+          </a:p>
+        </p:txBody>
+      </p:sp>
+      <p:sp>
+        <p:nvSpPr>
+          <p:cNvPr id="12" name="Cuadro de texto 2">
+            <a:extLst>
+              <a:ext uri="{FF2B5EF4-FFF2-40B4-BE49-F238E27FC236}">
+                <a16:creationId xmlns:a16="http://schemas.microsoft.com/office/drawing/2014/main" id="{F2717AC2-2097-4133-A311-DC1D6BA72E5C}"/>
+              </a:ext>
+            </a:extLst>
+          </p:cNvPr>
+          <p:cNvSpPr txBox="1">
+            <a:spLocks noChangeArrowheads="1"/>
+          </p:cNvSpPr>
+          <p:nvPr/>
+        </p:nvSpPr>
+        <p:spPr bwMode="auto">
+          <a:xfrm>
+            <a:off x="6524465" y="2518962"/>
+            <a:ext cx="1774145" cy="388068"/>
+          </a:xfrm>
+          <a:prstGeom prst="rect">
+            <a:avLst/>
+          </a:prstGeom>
+          <a:gradFill flip="none" rotWithShape="1">
+            <a:gsLst>
+              <a:gs pos="0">
+                <a:srgbClr val="FFFFFF">
+                  <a:shade val="30000"/>
+                  <a:satMod val="115000"/>
+                </a:srgbClr>
+              </a:gs>
+              <a:gs pos="18000">
+                <a:srgbClr val="FFFFFF">
+                  <a:shade val="67500"/>
+                  <a:satMod val="115000"/>
+                </a:srgbClr>
+              </a:gs>
+              <a:gs pos="100000">
+                <a:srgbClr val="FFFFFF">
+                  <a:shade val="100000"/>
+                  <a:satMod val="115000"/>
+                </a:srgbClr>
+              </a:gs>
+            </a:gsLst>
+            <a:lin ang="5400000" scaled="1"/>
+            <a:tileRect/>
+          </a:gradFill>
+          <a:ln w="9525">
+            <a:noFill/>
+            <a:miter lim="800000"/>
+            <a:headEnd/>
+            <a:tailEnd/>
+          </a:ln>
+        </p:spPr>
+        <p:txBody>
+          <a:bodyPr rot="0" vert="horz" wrap="square" lIns="91440" tIns="45720" rIns="91440" bIns="45720" anchor="ctr" anchorCtr="0">
+            <a:noAutofit/>
+          </a:bodyPr>
+          <a:lstStyle/>
+          <a:p>
+            <a:pPr>
+              <a:lnSpc>
+                <a:spcPct val="107000"/>
+              </a:lnSpc>
+              <a:spcAft>
+                <a:spcPts val="800"/>
+              </a:spcAft>
+            </a:pPr>
+            <a:r>
+              <a:rPr lang="es-ES_tradnl" sz="1400" dirty="0">
+                <a:effectLst/>
+                <a:latin typeface="Calibri" panose="020F0502020204030204" pitchFamily="34" charset="0"/>
+                <a:ea typeface="Calibri" panose="020F0502020204030204" pitchFamily="34" charset="0"/>
+                <a:cs typeface="Times New Roman" panose="02020603050405020304" pitchFamily="18" charset="0"/>
+              </a:rPr>
+              <a:t>Modificar curso</a:t>
+            </a:r>
+            <a:endParaRPr lang="es-ES" sz="1400" dirty="0">
+              <a:effectLst/>
+              <a:latin typeface="Calibri" panose="020F0502020204030204" pitchFamily="34" charset="0"/>
+              <a:ea typeface="Calibri" panose="020F0502020204030204" pitchFamily="34" charset="0"/>
+              <a:cs typeface="Times New Roman" panose="02020603050405020304" pitchFamily="18" charset="0"/>
+            </a:endParaRPr>
+          </a:p>
+        </p:txBody>
+      </p:sp>
+      <p:sp>
+        <p:nvSpPr>
+          <p:cNvPr id="13" name="Cuadro de texto 2">
+            <a:extLst>
+              <a:ext uri="{FF2B5EF4-FFF2-40B4-BE49-F238E27FC236}">
+                <a16:creationId xmlns:a16="http://schemas.microsoft.com/office/drawing/2014/main" id="{4B2AC2CA-C1F8-4C6A-8519-B83C5DA483D6}"/>
+              </a:ext>
+            </a:extLst>
+          </p:cNvPr>
+          <p:cNvSpPr txBox="1">
+            <a:spLocks noChangeArrowheads="1"/>
+          </p:cNvSpPr>
+          <p:nvPr/>
+        </p:nvSpPr>
+        <p:spPr bwMode="auto">
+          <a:xfrm>
+            <a:off x="6524465" y="3052444"/>
+            <a:ext cx="1774145" cy="474346"/>
+          </a:xfrm>
+          <a:prstGeom prst="rect">
+            <a:avLst/>
+          </a:prstGeom>
+          <a:gradFill flip="none" rotWithShape="1">
+            <a:gsLst>
+              <a:gs pos="0">
+                <a:srgbClr val="FFFFFF">
+                  <a:shade val="30000"/>
+                  <a:satMod val="115000"/>
+                </a:srgbClr>
+              </a:gs>
+              <a:gs pos="18000">
+                <a:srgbClr val="FFFFFF">
+                  <a:shade val="67500"/>
+                  <a:satMod val="115000"/>
+                </a:srgbClr>
+              </a:gs>
+              <a:gs pos="100000">
+                <a:srgbClr val="FFFFFF">
+                  <a:shade val="100000"/>
+                  <a:satMod val="115000"/>
+                </a:srgbClr>
+              </a:gs>
+            </a:gsLst>
+            <a:lin ang="5400000" scaled="1"/>
+            <a:tileRect/>
+          </a:gradFill>
+          <a:ln w="9525">
+            <a:noFill/>
+            <a:miter lim="800000"/>
+            <a:headEnd/>
+            <a:tailEnd/>
+          </a:ln>
+        </p:spPr>
+        <p:txBody>
+          <a:bodyPr rot="0" vert="horz" wrap="square" lIns="91440" tIns="45720" rIns="91440" bIns="45720" anchor="ctr" anchorCtr="0">
+            <a:noAutofit/>
+          </a:bodyPr>
+          <a:lstStyle/>
+          <a:p>
+            <a:pPr>
+              <a:lnSpc>
+                <a:spcPct val="107000"/>
+              </a:lnSpc>
+              <a:spcAft>
+                <a:spcPts val="800"/>
+              </a:spcAft>
+            </a:pPr>
+            <a:r>
+              <a:rPr lang="es-ES_tradnl" sz="1400" dirty="0">
+                <a:effectLst/>
+                <a:latin typeface="Calibri" panose="020F0502020204030204" pitchFamily="34" charset="0"/>
+                <a:ea typeface="Calibri" panose="020F0502020204030204" pitchFamily="34" charset="0"/>
+                <a:cs typeface="Times New Roman" panose="02020603050405020304" pitchFamily="18" charset="0"/>
+              </a:rPr>
+              <a:t>Eliminar curso</a:t>
+            </a:r>
+            <a:endParaRPr lang="es-ES" sz="1400" dirty="0">
+              <a:effectLst/>
+              <a:latin typeface="Calibri" panose="020F0502020204030204" pitchFamily="34" charset="0"/>
+              <a:ea typeface="Calibri" panose="020F0502020204030204" pitchFamily="34" charset="0"/>
+              <a:cs typeface="Times New Roman" panose="02020603050405020304" pitchFamily="18" charset="0"/>
+            </a:endParaRPr>
+          </a:p>
+        </p:txBody>
+      </p:sp>
+      <p:sp>
+        <p:nvSpPr>
+          <p:cNvPr id="14" name="Cuadro de texto 2">
+            <a:extLst>
+              <a:ext uri="{FF2B5EF4-FFF2-40B4-BE49-F238E27FC236}">
+                <a16:creationId xmlns:a16="http://schemas.microsoft.com/office/drawing/2014/main" id="{DCEC79A6-AADC-444E-9AFD-B1442757E340}"/>
+              </a:ext>
+            </a:extLst>
+          </p:cNvPr>
+          <p:cNvSpPr txBox="1">
+            <a:spLocks noChangeArrowheads="1"/>
+          </p:cNvSpPr>
+          <p:nvPr/>
+        </p:nvSpPr>
+        <p:spPr bwMode="auto">
+          <a:xfrm>
+            <a:off x="1336546" y="4662230"/>
+            <a:ext cx="2114694" cy="428421"/>
+          </a:xfrm>
+          <a:prstGeom prst="rect">
+            <a:avLst/>
+          </a:prstGeom>
+          <a:gradFill flip="none" rotWithShape="1">
+            <a:gsLst>
+              <a:gs pos="0">
+                <a:srgbClr val="FFFFFF">
+                  <a:shade val="30000"/>
+                  <a:satMod val="115000"/>
+                </a:srgbClr>
+              </a:gs>
+              <a:gs pos="18000">
+                <a:srgbClr val="FFFFFF">
+                  <a:shade val="67500"/>
+                  <a:satMod val="115000"/>
+                </a:srgbClr>
+              </a:gs>
+              <a:gs pos="100000">
+                <a:srgbClr val="FFFFFF">
+                  <a:shade val="100000"/>
+                  <a:satMod val="115000"/>
+                </a:srgbClr>
+              </a:gs>
+            </a:gsLst>
+            <a:lin ang="5400000" scaled="1"/>
+            <a:tileRect/>
+          </a:gradFill>
+          <a:ln w="9525">
+            <a:noFill/>
+            <a:miter lim="800000"/>
+            <a:headEnd/>
+            <a:tailEnd/>
+          </a:ln>
+        </p:spPr>
+        <p:txBody>
+          <a:bodyPr rot="0" vert="horz" wrap="square" lIns="91440" tIns="45720" rIns="91440" bIns="45720" anchor="ctr" anchorCtr="0">
+            <a:noAutofit/>
+          </a:bodyPr>
+          <a:lstStyle/>
+          <a:p>
+            <a:pPr>
+              <a:lnSpc>
+                <a:spcPct val="107000"/>
+              </a:lnSpc>
+              <a:spcAft>
+                <a:spcPts val="800"/>
+              </a:spcAft>
+            </a:pPr>
+            <a:r>
+              <a:rPr lang="es-ES_tradnl" sz="1400" dirty="0">
+                <a:effectLst/>
+                <a:latin typeface="Calibri" panose="020F0502020204030204" pitchFamily="34" charset="0"/>
+                <a:ea typeface="Calibri" panose="020F0502020204030204" pitchFamily="34" charset="0"/>
+                <a:cs typeface="Times New Roman" panose="02020603050405020304" pitchFamily="18" charset="0"/>
+              </a:rPr>
+              <a:t>Añadir proyecto usuarios</a:t>
+            </a:r>
+            <a:endParaRPr lang="es-ES" sz="1400" dirty="0">
+              <a:effectLst/>
+              <a:latin typeface="Calibri" panose="020F0502020204030204" pitchFamily="34" charset="0"/>
+              <a:ea typeface="Calibri" panose="020F0502020204030204" pitchFamily="34" charset="0"/>
+              <a:cs typeface="Times New Roman" panose="02020603050405020304" pitchFamily="18" charset="0"/>
+            </a:endParaRPr>
+          </a:p>
+        </p:txBody>
+      </p:sp>
+      <p:sp>
+        <p:nvSpPr>
+          <p:cNvPr id="15" name="Cuadro de texto 2">
+            <a:extLst>
+              <a:ext uri="{FF2B5EF4-FFF2-40B4-BE49-F238E27FC236}">
+                <a16:creationId xmlns:a16="http://schemas.microsoft.com/office/drawing/2014/main" id="{8B1E16BC-7D17-41CF-83F6-A498D1FD9B75}"/>
+              </a:ext>
+            </a:extLst>
+          </p:cNvPr>
+          <p:cNvSpPr txBox="1">
+            <a:spLocks noChangeArrowheads="1"/>
+          </p:cNvSpPr>
+          <p:nvPr/>
+        </p:nvSpPr>
+        <p:spPr bwMode="auto">
+          <a:xfrm>
+            <a:off x="3797578" y="4675936"/>
+            <a:ext cx="1764506" cy="420740"/>
+          </a:xfrm>
+          <a:prstGeom prst="rect">
+            <a:avLst/>
+          </a:prstGeom>
+          <a:gradFill flip="none" rotWithShape="1">
+            <a:gsLst>
+              <a:gs pos="0">
+                <a:srgbClr val="FFFFFF">
+                  <a:shade val="30000"/>
+                  <a:satMod val="115000"/>
+                </a:srgbClr>
+              </a:gs>
+              <a:gs pos="18000">
+                <a:srgbClr val="FFFFFF">
+                  <a:shade val="67500"/>
+                  <a:satMod val="115000"/>
+                </a:srgbClr>
+              </a:gs>
+              <a:gs pos="100000">
+                <a:srgbClr val="FFFFFF">
+                  <a:shade val="100000"/>
+                  <a:satMod val="115000"/>
+                </a:srgbClr>
+              </a:gs>
+            </a:gsLst>
+            <a:lin ang="5400000" scaled="1"/>
+            <a:tileRect/>
+          </a:gradFill>
+          <a:ln w="9525">
+            <a:noFill/>
+            <a:miter lim="800000"/>
+            <a:headEnd/>
+            <a:tailEnd/>
+          </a:ln>
+        </p:spPr>
+        <p:txBody>
+          <a:bodyPr rot="0" vert="horz" wrap="square" lIns="91440" tIns="45720" rIns="91440" bIns="45720" anchor="ctr" anchorCtr="0">
+            <a:noAutofit/>
+          </a:bodyPr>
+          <a:lstStyle/>
+          <a:p>
+            <a:pPr>
+              <a:lnSpc>
+                <a:spcPct val="107000"/>
+              </a:lnSpc>
+              <a:spcAft>
+                <a:spcPts val="800"/>
+              </a:spcAft>
+            </a:pPr>
+            <a:r>
+              <a:rPr lang="es-ES_tradnl" sz="1400" dirty="0">
+                <a:effectLst/>
+                <a:latin typeface="Calibri" panose="020F0502020204030204" pitchFamily="34" charset="0"/>
+                <a:ea typeface="Calibri" panose="020F0502020204030204" pitchFamily="34" charset="0"/>
+                <a:cs typeface="Times New Roman" panose="02020603050405020304" pitchFamily="18" charset="0"/>
+              </a:rPr>
+              <a:t>Modificar proyecto</a:t>
+            </a:r>
+            <a:endParaRPr lang="es-ES" sz="1400" dirty="0">
+              <a:effectLst/>
+              <a:latin typeface="Calibri" panose="020F0502020204030204" pitchFamily="34" charset="0"/>
+              <a:ea typeface="Calibri" panose="020F0502020204030204" pitchFamily="34" charset="0"/>
+              <a:cs typeface="Times New Roman" panose="02020603050405020304" pitchFamily="18" charset="0"/>
+            </a:endParaRPr>
+          </a:p>
+        </p:txBody>
+      </p:sp>
+      <p:sp>
+        <p:nvSpPr>
+          <p:cNvPr id="16" name="Cuadro de texto 2">
+            <a:extLst>
+              <a:ext uri="{FF2B5EF4-FFF2-40B4-BE49-F238E27FC236}">
+                <a16:creationId xmlns:a16="http://schemas.microsoft.com/office/drawing/2014/main" id="{4352B9B9-DE8C-4C3B-A01E-792F3E844135}"/>
+              </a:ext>
+            </a:extLst>
+          </p:cNvPr>
+          <p:cNvSpPr txBox="1">
+            <a:spLocks noChangeArrowheads="1"/>
+          </p:cNvSpPr>
+          <p:nvPr/>
+        </p:nvSpPr>
+        <p:spPr bwMode="auto">
+          <a:xfrm>
+            <a:off x="5769849" y="4668255"/>
+            <a:ext cx="2114694" cy="428421"/>
+          </a:xfrm>
+          <a:prstGeom prst="rect">
+            <a:avLst/>
+          </a:prstGeom>
+          <a:gradFill flip="none" rotWithShape="1">
+            <a:gsLst>
+              <a:gs pos="0">
+                <a:srgbClr val="FFFFFF">
+                  <a:shade val="30000"/>
+                  <a:satMod val="115000"/>
+                </a:srgbClr>
+              </a:gs>
+              <a:gs pos="18000">
+                <a:srgbClr val="FFFFFF">
+                  <a:shade val="67500"/>
+                  <a:satMod val="115000"/>
+                </a:srgbClr>
+              </a:gs>
+              <a:gs pos="100000">
+                <a:srgbClr val="FFFFFF">
+                  <a:shade val="100000"/>
+                  <a:satMod val="115000"/>
+                </a:srgbClr>
+              </a:gs>
+            </a:gsLst>
+            <a:lin ang="5400000" scaled="1"/>
+            <a:tileRect/>
+          </a:gradFill>
+          <a:ln w="9525">
+            <a:noFill/>
+            <a:miter lim="800000"/>
+            <a:headEnd/>
+            <a:tailEnd/>
+          </a:ln>
+        </p:spPr>
+        <p:txBody>
+          <a:bodyPr rot="0" vert="horz" wrap="square" lIns="91440" tIns="45720" rIns="91440" bIns="45720" anchor="ctr" anchorCtr="0">
+            <a:noAutofit/>
+          </a:bodyPr>
+          <a:lstStyle/>
+          <a:p>
+            <a:pPr>
+              <a:lnSpc>
+                <a:spcPct val="107000"/>
+              </a:lnSpc>
+              <a:spcAft>
+                <a:spcPts val="800"/>
+              </a:spcAft>
+            </a:pPr>
+            <a:r>
+              <a:rPr lang="es-ES_tradnl" sz="1400" dirty="0">
+                <a:effectLst/>
+                <a:latin typeface="Calibri" panose="020F0502020204030204" pitchFamily="34" charset="0"/>
+                <a:ea typeface="Calibri" panose="020F0502020204030204" pitchFamily="34" charset="0"/>
+                <a:cs typeface="Times New Roman" panose="02020603050405020304" pitchFamily="18" charset="0"/>
+              </a:rPr>
+              <a:t>Eliminar proyecto usuarios</a:t>
+            </a:r>
+            <a:endParaRPr lang="es-ES" sz="1400" dirty="0">
+              <a:effectLst/>
+              <a:latin typeface="Calibri" panose="020F0502020204030204" pitchFamily="34" charset="0"/>
+              <a:ea typeface="Calibri" panose="020F0502020204030204" pitchFamily="34" charset="0"/>
+              <a:cs typeface="Times New Roman" panose="02020603050405020304" pitchFamily="18" charset="0"/>
+            </a:endParaRPr>
+          </a:p>
+        </p:txBody>
+      </p:sp>
+      <p:cxnSp>
+        <p:nvCxnSpPr>
+          <p:cNvPr id="17" name="Conector recto de flecha 16">
+            <a:extLst>
+              <a:ext uri="{FF2B5EF4-FFF2-40B4-BE49-F238E27FC236}">
+                <a16:creationId xmlns:a16="http://schemas.microsoft.com/office/drawing/2014/main" id="{CB1D9629-B601-4CD3-84A8-E1844F21CB30}"/>
+              </a:ext>
+            </a:extLst>
+          </p:cNvPr>
+          <p:cNvCxnSpPr>
+            <a:cxnSpLocks/>
+          </p:cNvCxnSpPr>
+          <p:nvPr/>
+        </p:nvCxnSpPr>
+        <p:spPr>
+          <a:xfrm flipV="1">
+            <a:off x="4905057" y="2093443"/>
+            <a:ext cx="1530249" cy="614197"/>
+          </a:xfrm>
+          <a:prstGeom prst="straightConnector1">
+            <a:avLst/>
+          </a:prstGeom>
+          <a:ln>
+            <a:solidFill>
+              <a:schemeClr val="tx1"/>
+            </a:solidFill>
+            <a:tailEnd type="triangle"/>
+          </a:ln>
+        </p:spPr>
+        <p:style>
+          <a:lnRef idx="1">
+            <a:schemeClr val="accent1"/>
+          </a:lnRef>
+          <a:fillRef idx="0">
+            <a:schemeClr val="accent1"/>
+          </a:fillRef>
+          <a:effectRef idx="0">
+            <a:schemeClr val="accent1"/>
+          </a:effectRef>
+          <a:fontRef idx="minor">
+            <a:schemeClr val="tx1"/>
+          </a:fontRef>
+        </p:style>
+      </p:cxnSp>
+      <p:cxnSp>
+        <p:nvCxnSpPr>
+          <p:cNvPr id="18" name="Conector recto de flecha 17">
+            <a:extLst>
+              <a:ext uri="{FF2B5EF4-FFF2-40B4-BE49-F238E27FC236}">
+                <a16:creationId xmlns:a16="http://schemas.microsoft.com/office/drawing/2014/main" id="{555349AC-B7A8-44C6-A45B-394299C1A222}"/>
+              </a:ext>
+            </a:extLst>
+          </p:cNvPr>
+          <p:cNvCxnSpPr>
+            <a:cxnSpLocks/>
+          </p:cNvCxnSpPr>
+          <p:nvPr/>
+        </p:nvCxnSpPr>
+        <p:spPr>
+          <a:xfrm flipV="1">
+            <a:off x="4866957" y="2707640"/>
+            <a:ext cx="1568349" cy="256540"/>
+          </a:xfrm>
+          <a:prstGeom prst="straightConnector1">
+            <a:avLst/>
+          </a:prstGeom>
+          <a:ln>
+            <a:solidFill>
+              <a:schemeClr val="tx1"/>
+            </a:solidFill>
+            <a:tailEnd type="triangle"/>
+          </a:ln>
+        </p:spPr>
+        <p:style>
+          <a:lnRef idx="1">
+            <a:schemeClr val="accent1"/>
+          </a:lnRef>
+          <a:fillRef idx="0">
+            <a:schemeClr val="accent1"/>
+          </a:fillRef>
+          <a:effectRef idx="0">
+            <a:schemeClr val="accent1"/>
+          </a:effectRef>
+          <a:fontRef idx="minor">
+            <a:schemeClr val="tx1"/>
+          </a:fontRef>
+        </p:style>
+      </p:cxnSp>
+      <p:cxnSp>
+        <p:nvCxnSpPr>
+          <p:cNvPr id="19" name="Conector recto de flecha 18">
+            <a:extLst>
+              <a:ext uri="{FF2B5EF4-FFF2-40B4-BE49-F238E27FC236}">
+                <a16:creationId xmlns:a16="http://schemas.microsoft.com/office/drawing/2014/main" id="{58A143FB-DC7A-4C50-AA12-6E344ABF6115}"/>
+              </a:ext>
+            </a:extLst>
+          </p:cNvPr>
+          <p:cNvCxnSpPr>
+            <a:cxnSpLocks/>
+          </p:cNvCxnSpPr>
+          <p:nvPr/>
+        </p:nvCxnSpPr>
+        <p:spPr>
+          <a:xfrm>
+            <a:off x="4848542" y="3173730"/>
+            <a:ext cx="1586764" cy="135255"/>
+          </a:xfrm>
+          <a:prstGeom prst="straightConnector1">
+            <a:avLst/>
+          </a:prstGeom>
+          <a:ln>
+            <a:solidFill>
+              <a:schemeClr val="tx1"/>
+            </a:solidFill>
+            <a:tailEnd type="triangle"/>
+          </a:ln>
+        </p:spPr>
+        <p:style>
+          <a:lnRef idx="1">
+            <a:schemeClr val="accent1"/>
+          </a:lnRef>
+          <a:fillRef idx="0">
+            <a:schemeClr val="accent1"/>
+          </a:fillRef>
+          <a:effectRef idx="0">
+            <a:schemeClr val="accent1"/>
+          </a:effectRef>
+          <a:fontRef idx="minor">
+            <a:schemeClr val="tx1"/>
+          </a:fontRef>
+        </p:style>
+      </p:cxnSp>
+      <p:cxnSp>
+        <p:nvCxnSpPr>
+          <p:cNvPr id="20" name="Conector recto de flecha 19">
+            <a:extLst>
+              <a:ext uri="{FF2B5EF4-FFF2-40B4-BE49-F238E27FC236}">
+                <a16:creationId xmlns:a16="http://schemas.microsoft.com/office/drawing/2014/main" id="{7E0E46C2-A762-4047-A303-B50DF6B5F54F}"/>
+              </a:ext>
+            </a:extLst>
+          </p:cNvPr>
+          <p:cNvCxnSpPr>
+            <a:cxnSpLocks/>
+          </p:cNvCxnSpPr>
+          <p:nvPr/>
+        </p:nvCxnSpPr>
+        <p:spPr>
+          <a:xfrm flipH="1" flipV="1">
+            <a:off x="2679041" y="2093443"/>
+            <a:ext cx="1692617" cy="677698"/>
+          </a:xfrm>
+          <a:prstGeom prst="straightConnector1">
+            <a:avLst/>
+          </a:prstGeom>
+          <a:ln>
+            <a:solidFill>
+              <a:schemeClr val="tx1"/>
+            </a:solidFill>
+            <a:tailEnd type="triangle"/>
+          </a:ln>
+        </p:spPr>
+        <p:style>
+          <a:lnRef idx="1">
+            <a:schemeClr val="accent1"/>
+          </a:lnRef>
+          <a:fillRef idx="0">
+            <a:schemeClr val="accent1"/>
+          </a:fillRef>
+          <a:effectRef idx="0">
+            <a:schemeClr val="accent1"/>
+          </a:effectRef>
+          <a:fontRef idx="minor">
+            <a:schemeClr val="tx1"/>
+          </a:fontRef>
+        </p:style>
+      </p:cxnSp>
+      <p:cxnSp>
+        <p:nvCxnSpPr>
+          <p:cNvPr id="21" name="Conector recto de flecha 20">
+            <a:extLst>
+              <a:ext uri="{FF2B5EF4-FFF2-40B4-BE49-F238E27FC236}">
+                <a16:creationId xmlns:a16="http://schemas.microsoft.com/office/drawing/2014/main" id="{7CCD47C3-3B2F-4BB5-9DB2-9CCE37F12010}"/>
+              </a:ext>
+            </a:extLst>
+          </p:cNvPr>
+          <p:cNvCxnSpPr>
+            <a:cxnSpLocks/>
+          </p:cNvCxnSpPr>
+          <p:nvPr/>
+        </p:nvCxnSpPr>
+        <p:spPr>
+          <a:xfrm flipH="1" flipV="1">
+            <a:off x="2679041" y="2715895"/>
+            <a:ext cx="1454492" cy="267335"/>
+          </a:xfrm>
+          <a:prstGeom prst="straightConnector1">
+            <a:avLst/>
+          </a:prstGeom>
+          <a:ln>
+            <a:solidFill>
+              <a:schemeClr val="tx1"/>
+            </a:solidFill>
+            <a:tailEnd type="triangle"/>
+          </a:ln>
+        </p:spPr>
+        <p:style>
+          <a:lnRef idx="1">
+            <a:schemeClr val="accent1"/>
+          </a:lnRef>
+          <a:fillRef idx="0">
+            <a:schemeClr val="accent1"/>
+          </a:fillRef>
+          <a:effectRef idx="0">
+            <a:schemeClr val="accent1"/>
+          </a:effectRef>
+          <a:fontRef idx="minor">
+            <a:schemeClr val="tx1"/>
+          </a:fontRef>
+        </p:style>
+      </p:cxnSp>
+      <p:cxnSp>
+        <p:nvCxnSpPr>
+          <p:cNvPr id="22" name="Conector recto de flecha 21">
+            <a:extLst>
+              <a:ext uri="{FF2B5EF4-FFF2-40B4-BE49-F238E27FC236}">
+                <a16:creationId xmlns:a16="http://schemas.microsoft.com/office/drawing/2014/main" id="{68F472F1-82E7-4AA3-BD21-FE4318BD3BD4}"/>
+              </a:ext>
+            </a:extLst>
+          </p:cNvPr>
+          <p:cNvCxnSpPr>
+            <a:cxnSpLocks/>
+          </p:cNvCxnSpPr>
+          <p:nvPr/>
+        </p:nvCxnSpPr>
+        <p:spPr>
+          <a:xfrm flipH="1">
+            <a:off x="2679041" y="3164205"/>
+            <a:ext cx="1549741" cy="144780"/>
+          </a:xfrm>
+          <a:prstGeom prst="straightConnector1">
+            <a:avLst/>
+          </a:prstGeom>
+          <a:ln>
+            <a:solidFill>
+              <a:schemeClr val="tx1"/>
+            </a:solidFill>
+            <a:tailEnd type="triangle"/>
+          </a:ln>
+        </p:spPr>
+        <p:style>
+          <a:lnRef idx="1">
+            <a:schemeClr val="accent1"/>
+          </a:lnRef>
+          <a:fillRef idx="0">
+            <a:schemeClr val="accent1"/>
+          </a:fillRef>
+          <a:effectRef idx="0">
+            <a:schemeClr val="accent1"/>
+          </a:effectRef>
+          <a:fontRef idx="minor">
+            <a:schemeClr val="tx1"/>
+          </a:fontRef>
+        </p:style>
+      </p:cxnSp>
+      <p:cxnSp>
+        <p:nvCxnSpPr>
+          <p:cNvPr id="23" name="Conector recto de flecha 22">
+            <a:extLst>
+              <a:ext uri="{FF2B5EF4-FFF2-40B4-BE49-F238E27FC236}">
+                <a16:creationId xmlns:a16="http://schemas.microsoft.com/office/drawing/2014/main" id="{C606382E-1BA5-49B4-8FF1-3D1F710CE6AA}"/>
+              </a:ext>
+            </a:extLst>
+          </p:cNvPr>
+          <p:cNvCxnSpPr>
+            <a:cxnSpLocks/>
+          </p:cNvCxnSpPr>
+          <p:nvPr/>
+        </p:nvCxnSpPr>
+        <p:spPr>
+          <a:xfrm>
+            <a:off x="4648517" y="3392170"/>
+            <a:ext cx="2019702" cy="1207770"/>
+          </a:xfrm>
+          <a:prstGeom prst="straightConnector1">
+            <a:avLst/>
+          </a:prstGeom>
+          <a:ln>
+            <a:solidFill>
+              <a:schemeClr val="tx1"/>
+            </a:solidFill>
+            <a:tailEnd type="triangle"/>
+          </a:ln>
+        </p:spPr>
+        <p:style>
+          <a:lnRef idx="1">
+            <a:schemeClr val="accent1"/>
+          </a:lnRef>
+          <a:fillRef idx="0">
+            <a:schemeClr val="accent1"/>
+          </a:fillRef>
+          <a:effectRef idx="0">
+            <a:schemeClr val="accent1"/>
+          </a:effectRef>
+          <a:fontRef idx="minor">
+            <a:schemeClr val="tx1"/>
+          </a:fontRef>
+        </p:style>
+      </p:cxnSp>
+      <p:cxnSp>
+        <p:nvCxnSpPr>
+          <p:cNvPr id="24" name="Conector recto de flecha 23">
+            <a:extLst>
+              <a:ext uri="{FF2B5EF4-FFF2-40B4-BE49-F238E27FC236}">
+                <a16:creationId xmlns:a16="http://schemas.microsoft.com/office/drawing/2014/main" id="{61FE0294-6788-4A74-A2DC-249694DC9E40}"/>
+              </a:ext>
+            </a:extLst>
+          </p:cNvPr>
+          <p:cNvCxnSpPr>
+            <a:cxnSpLocks/>
+          </p:cNvCxnSpPr>
+          <p:nvPr/>
+        </p:nvCxnSpPr>
+        <p:spPr>
+          <a:xfrm>
+            <a:off x="4534217" y="3602355"/>
+            <a:ext cx="37783" cy="997585"/>
+          </a:xfrm>
+          <a:prstGeom prst="straightConnector1">
+            <a:avLst/>
+          </a:prstGeom>
+          <a:ln>
+            <a:solidFill>
+              <a:schemeClr val="tx1"/>
+            </a:solidFill>
+            <a:tailEnd type="triangle"/>
+          </a:ln>
+        </p:spPr>
+        <p:style>
+          <a:lnRef idx="1">
+            <a:schemeClr val="accent1"/>
+          </a:lnRef>
+          <a:fillRef idx="0">
+            <a:schemeClr val="accent1"/>
+          </a:fillRef>
+          <a:effectRef idx="0">
+            <a:schemeClr val="accent1"/>
+          </a:effectRef>
+          <a:fontRef idx="minor">
+            <a:schemeClr val="tx1"/>
+          </a:fontRef>
+        </p:style>
+      </p:cxnSp>
+      <p:cxnSp>
+        <p:nvCxnSpPr>
+          <p:cNvPr id="25" name="Conector recto de flecha 24">
+            <a:extLst>
+              <a:ext uri="{FF2B5EF4-FFF2-40B4-BE49-F238E27FC236}">
+                <a16:creationId xmlns:a16="http://schemas.microsoft.com/office/drawing/2014/main" id="{3D783243-A711-4B91-BE85-883D82848EC1}"/>
+              </a:ext>
+            </a:extLst>
+          </p:cNvPr>
+          <p:cNvCxnSpPr>
+            <a:cxnSpLocks/>
+          </p:cNvCxnSpPr>
+          <p:nvPr/>
+        </p:nvCxnSpPr>
+        <p:spPr>
+          <a:xfrm flipH="1">
+            <a:off x="2536166" y="3602355"/>
+            <a:ext cx="1549741" cy="997585"/>
+          </a:xfrm>
+          <a:prstGeom prst="straightConnector1">
+            <a:avLst/>
+          </a:prstGeom>
+          <a:ln>
+            <a:solidFill>
+              <a:schemeClr val="tx1"/>
+            </a:solidFill>
+            <a:tailEnd type="triangle"/>
+          </a:ln>
+        </p:spPr>
+        <p:style>
+          <a:lnRef idx="1">
+            <a:schemeClr val="accent1"/>
+          </a:lnRef>
+          <a:fillRef idx="0">
+            <a:schemeClr val="accent1"/>
+          </a:fillRef>
+          <a:effectRef idx="0">
+            <a:schemeClr val="accent1"/>
+          </a:effectRef>
+          <a:fontRef idx="minor">
+            <a:schemeClr val="tx1"/>
+          </a:fontRef>
+        </p:style>
+      </p:cxnSp>
+      <p:pic>
+        <p:nvPicPr>
+          <p:cNvPr id="26" name="Imagen 25">
+            <a:extLst>
+              <a:ext uri="{FF2B5EF4-FFF2-40B4-BE49-F238E27FC236}">
+                <a16:creationId xmlns:a16="http://schemas.microsoft.com/office/drawing/2014/main" id="{1217FB6B-8DEF-4755-BD82-3F8B01BE9412}"/>
+              </a:ext>
+            </a:extLst>
+          </p:cNvPr>
+          <p:cNvPicPr/>
+          <p:nvPr/>
+        </p:nvPicPr>
+        <p:blipFill>
+          <a:blip r:embed="rId3">
+            <a:extLst>
+              <a:ext uri="{28A0092B-C50C-407E-A947-70E740481C1C}">
+                <a14:useLocalDpi xmlns:a14="http://schemas.microsoft.com/office/drawing/2010/main" val="0"/>
+              </a:ext>
+            </a:extLst>
+          </a:blip>
+          <a:stretch>
+            <a:fillRect/>
+          </a:stretch>
+        </p:blipFill>
+        <p:spPr>
+          <a:xfrm>
+            <a:off x="3483428" y="1949509"/>
+            <a:ext cx="2019701" cy="1959562"/>
+          </a:xfrm>
+          <a:prstGeom prst="rect">
+            <a:avLst/>
+          </a:prstGeom>
+        </p:spPr>
+      </p:pic>
+      <p:sp>
+        <p:nvSpPr>
+          <p:cNvPr id="27" name="Cuadro de texto 2">
+            <a:extLst>
+              <a:ext uri="{FF2B5EF4-FFF2-40B4-BE49-F238E27FC236}">
+                <a16:creationId xmlns:a16="http://schemas.microsoft.com/office/drawing/2014/main" id="{EBBFEC17-D921-4FFF-9A37-DF074BFD2CBB}"/>
+              </a:ext>
+            </a:extLst>
+          </p:cNvPr>
+          <p:cNvSpPr txBox="1">
+            <a:spLocks noChangeArrowheads="1"/>
+          </p:cNvSpPr>
+          <p:nvPr/>
+        </p:nvSpPr>
+        <p:spPr bwMode="auto">
+          <a:xfrm>
+            <a:off x="6510040" y="3694861"/>
+            <a:ext cx="1788570" cy="428421"/>
+          </a:xfrm>
+          <a:prstGeom prst="rect">
+            <a:avLst/>
+          </a:prstGeom>
+          <a:gradFill flip="none" rotWithShape="1">
+            <a:gsLst>
+              <a:gs pos="0">
+                <a:srgbClr val="FFFFFF">
+                  <a:shade val="30000"/>
+                  <a:satMod val="115000"/>
+                </a:srgbClr>
+              </a:gs>
+              <a:gs pos="18000">
+                <a:srgbClr val="FFFFFF">
+                  <a:shade val="67500"/>
+                  <a:satMod val="115000"/>
+                </a:srgbClr>
+              </a:gs>
+              <a:gs pos="100000">
+                <a:srgbClr val="FFFFFF">
+                  <a:shade val="100000"/>
+                  <a:satMod val="115000"/>
+                </a:srgbClr>
+              </a:gs>
+            </a:gsLst>
+            <a:lin ang="5400000" scaled="1"/>
+            <a:tileRect/>
+          </a:gradFill>
+          <a:ln w="9525">
+            <a:noFill/>
+            <a:miter lim="800000"/>
+            <a:headEnd/>
+            <a:tailEnd/>
+          </a:ln>
+        </p:spPr>
+        <p:txBody>
+          <a:bodyPr rot="0" vert="horz" wrap="square" lIns="91440" tIns="45720" rIns="91440" bIns="45720" anchor="ctr" anchorCtr="0">
+            <a:noAutofit/>
+          </a:bodyPr>
+          <a:lstStyle/>
+          <a:p>
+            <a:pPr>
+              <a:lnSpc>
+                <a:spcPct val="107000"/>
+              </a:lnSpc>
+              <a:spcAft>
+                <a:spcPts val="800"/>
+              </a:spcAft>
+            </a:pPr>
+            <a:r>
+              <a:rPr lang="es-ES_tradnl" sz="1400" dirty="0">
+                <a:effectLst/>
+                <a:latin typeface="Calibri" panose="020F0502020204030204" pitchFamily="34" charset="0"/>
+                <a:ea typeface="Calibri" panose="020F0502020204030204" pitchFamily="34" charset="0"/>
+                <a:cs typeface="Times New Roman" panose="02020603050405020304" pitchFamily="18" charset="0"/>
+              </a:rPr>
+              <a:t>Eliminar comentarios</a:t>
+            </a:r>
+            <a:endParaRPr lang="es-ES" sz="1400" dirty="0">
+              <a:effectLst/>
+              <a:latin typeface="Calibri" panose="020F0502020204030204" pitchFamily="34" charset="0"/>
+              <a:ea typeface="Calibri" panose="020F0502020204030204" pitchFamily="34" charset="0"/>
+              <a:cs typeface="Times New Roman" panose="02020603050405020304" pitchFamily="18" charset="0"/>
+            </a:endParaRPr>
+          </a:p>
+        </p:txBody>
+      </p:sp>
+      <p:sp>
+        <p:nvSpPr>
+          <p:cNvPr id="28" name="Cuadro de texto 2">
+            <a:extLst>
+              <a:ext uri="{FF2B5EF4-FFF2-40B4-BE49-F238E27FC236}">
+                <a16:creationId xmlns:a16="http://schemas.microsoft.com/office/drawing/2014/main" id="{CCEFBA85-24A6-40C8-86F9-E83BF701E7EE}"/>
+              </a:ext>
+            </a:extLst>
+          </p:cNvPr>
+          <p:cNvSpPr txBox="1">
+            <a:spLocks noChangeArrowheads="1"/>
+          </p:cNvSpPr>
+          <p:nvPr/>
+        </p:nvSpPr>
+        <p:spPr bwMode="auto">
+          <a:xfrm>
+            <a:off x="845053" y="3738334"/>
+            <a:ext cx="1786703" cy="421640"/>
+          </a:xfrm>
+          <a:prstGeom prst="rect">
+            <a:avLst/>
+          </a:prstGeom>
+          <a:gradFill flip="none" rotWithShape="1">
+            <a:gsLst>
+              <a:gs pos="0">
+                <a:srgbClr val="FFFFFF">
+                  <a:shade val="30000"/>
+                  <a:satMod val="115000"/>
+                </a:srgbClr>
+              </a:gs>
+              <a:gs pos="18000">
+                <a:srgbClr val="FFFFFF">
+                  <a:shade val="67500"/>
+                  <a:satMod val="115000"/>
+                </a:srgbClr>
+              </a:gs>
+              <a:gs pos="100000">
+                <a:srgbClr val="FFFFFF">
+                  <a:shade val="100000"/>
+                  <a:satMod val="115000"/>
+                </a:srgbClr>
+              </a:gs>
+            </a:gsLst>
+            <a:lin ang="5400000" scaled="1"/>
+            <a:tileRect/>
+          </a:gradFill>
+          <a:ln w="9525">
+            <a:noFill/>
+            <a:miter lim="800000"/>
+            <a:headEnd/>
+            <a:tailEnd/>
+          </a:ln>
+        </p:spPr>
+        <p:txBody>
+          <a:bodyPr rot="0" vert="horz" wrap="square" lIns="91440" tIns="45720" rIns="91440" bIns="45720" anchor="ctr" anchorCtr="0">
+            <a:noAutofit/>
+          </a:bodyPr>
+          <a:lstStyle/>
+          <a:p>
+            <a:pPr>
+              <a:lnSpc>
+                <a:spcPct val="107000"/>
+              </a:lnSpc>
+              <a:spcAft>
+                <a:spcPts val="800"/>
+              </a:spcAft>
+            </a:pPr>
+            <a:r>
+              <a:rPr lang="es-ES_tradnl" sz="1400" dirty="0">
+                <a:effectLst/>
+                <a:latin typeface="Calibri" panose="020F0502020204030204" pitchFamily="34" charset="0"/>
+                <a:ea typeface="Calibri" panose="020F0502020204030204" pitchFamily="34" charset="0"/>
+                <a:cs typeface="Times New Roman" panose="02020603050405020304" pitchFamily="18" charset="0"/>
+              </a:rPr>
+              <a:t>Añadir imágenes</a:t>
+            </a:r>
+            <a:endParaRPr lang="es-ES" sz="1400" dirty="0">
+              <a:effectLst/>
+              <a:latin typeface="Calibri" panose="020F0502020204030204" pitchFamily="34" charset="0"/>
+              <a:ea typeface="Calibri" panose="020F0502020204030204" pitchFamily="34" charset="0"/>
+              <a:cs typeface="Times New Roman" panose="02020603050405020304" pitchFamily="18" charset="0"/>
+            </a:endParaRPr>
+          </a:p>
+        </p:txBody>
+      </p:sp>
     </p:spTree>
     <p:extLst>
       <p:ext uri="{BB962C8B-B14F-4D97-AF65-F5344CB8AC3E}">
@@ -13406,12 +17075,18 @@
             </a:r>
           </a:p>
           <a:p>
+            <a:pPr marL="0" indent="0">
+              <a:buNone/>
+            </a:pPr>
+            <a:endParaRPr lang="es-ES" sz="2000" b="1" dirty="0"/>
+          </a:p>
+          <a:p>
             <a:pPr lvl="1" algn="just">
               <a:buFont typeface="Wingdings" panose="05000000000000000000" pitchFamily="2" charset="2"/>
               <a:buChar char="Ø"/>
             </a:pPr>
             <a:r>
-              <a:rPr lang="es-ES" sz="1600" dirty="0"/>
+              <a:rPr lang="es-ES" sz="2000" dirty="0"/>
               <a:t>La realización de este proyecto nos ha dotado de buenos hábitos de programación y nos ha enriquecido enormemente.</a:t>
             </a:r>
           </a:p>
@@ -13421,7 +17096,7 @@
               <a:buChar char="Ø"/>
             </a:pPr>
             <a:r>
-              <a:rPr lang="es-ES_tradnl" sz="1600" dirty="0"/>
+              <a:rPr lang="es-ES_tradnl" sz="2000" dirty="0"/>
               <a:t>Se ha intentado realizar el proyecto de manera profesional y procurando en todo momento realizar una codificación clara, para facilitar la comprensión del código fuente.</a:t>
             </a:r>
           </a:p>
@@ -13431,10 +17106,10 @@
               <a:buChar char="Ø"/>
             </a:pPr>
             <a:r>
-              <a:rPr lang="es-ES_tradnl" sz="1700" dirty="0"/>
+              <a:rPr lang="es-ES_tradnl" sz="2000" dirty="0"/>
               <a:t>Mención especial para lo aprendido en los centros de trabajo, donde hemos cogido grandes ideas y aumentado nuestro conocimiento.</a:t>
             </a:r>
-            <a:endParaRPr lang="es-ES" sz="1700" dirty="0"/>
+            <a:endParaRPr lang="es-ES" sz="2000" dirty="0"/>
           </a:p>
           <a:p>
             <a:pPr lvl="1" algn="just">
@@ -13442,44 +17117,10 @@
               <a:buChar char="Ø"/>
             </a:pPr>
             <a:r>
-              <a:rPr lang="es-ES_tradnl" sz="1700" dirty="0"/>
+              <a:rPr lang="es-ES_tradnl" sz="2000" dirty="0"/>
               <a:t>Como conclusión final y global, se nos permite decir que la experiencia ha sido muy enriquecedora, aunque ha costado muchas horas de investigación y solución de errores surgidos.</a:t>
             </a:r>
-            <a:endParaRPr lang="es-ES" sz="1700" dirty="0"/>
-          </a:p>
-          <a:p>
-            <a:r>
-              <a:rPr lang="es-ES" sz="2000" b="1" dirty="0"/>
-              <a:t>OBJETIVOS CONSEGUIDOS</a:t>
-            </a:r>
-          </a:p>
-          <a:p>
-            <a:pPr lvl="1" algn="just">
-              <a:buFont typeface="Wingdings" panose="05000000000000000000" pitchFamily="2" charset="2"/>
-              <a:buChar char="Ø"/>
-            </a:pPr>
-            <a:r>
-              <a:rPr lang="es-ES_tradnl" sz="1700" dirty="0"/>
-              <a:t>Cubrir la necesidad del centro de documentar las actividades realizadas, objetivo que se cumplirá una vez implantado en el centro.</a:t>
-            </a:r>
-          </a:p>
-          <a:p>
-            <a:pPr lvl="1" algn="just">
-              <a:buFont typeface="Wingdings" panose="05000000000000000000" pitchFamily="2" charset="2"/>
-              <a:buChar char="Ø"/>
-            </a:pPr>
-            <a:r>
-              <a:rPr lang="es-ES_tradnl" sz="1700" dirty="0"/>
-              <a:t>Adquisición de conocimientos, hábitos de trabajo, intento de desarrollo eficiente y ordenado, así como fomentar el trabajo en equipo. </a:t>
-            </a:r>
-            <a:endParaRPr lang="es-ES" sz="1700" dirty="0"/>
-          </a:p>
-          <a:p>
-            <a:pPr lvl="1" algn="just">
-              <a:buFont typeface="Wingdings" panose="05000000000000000000" pitchFamily="2" charset="2"/>
-              <a:buChar char="Ø"/>
-            </a:pPr>
-            <a:endParaRPr lang="es-ES" sz="1600" b="1" dirty="0"/>
+            <a:endParaRPr lang="es-ES" sz="2000" dirty="0"/>
           </a:p>
           <a:p>
             <a:pPr marL="0" indent="0">
@@ -13489,6 +17130,42 @@
           </a:p>
         </p:txBody>
       </p:sp>
+      <p:pic>
+        <p:nvPicPr>
+          <p:cNvPr id="4" name="Imagen 3">
+            <a:extLst>
+              <a:ext uri="{FF2B5EF4-FFF2-40B4-BE49-F238E27FC236}">
+                <a16:creationId xmlns:a16="http://schemas.microsoft.com/office/drawing/2014/main" id="{D7F53B6F-CB7E-4AB4-B273-FE3743C08E99}"/>
+              </a:ext>
+            </a:extLst>
+          </p:cNvPr>
+          <p:cNvPicPr>
+            <a:picLocks noChangeAspect="1"/>
+          </p:cNvPicPr>
+          <p:nvPr/>
+        </p:nvPicPr>
+        <p:blipFill>
+          <a:blip r:embed="rId2">
+            <a:extLst>
+              <a:ext uri="{28A0092B-C50C-407E-A947-70E740481C1C}">
+                <a14:useLocalDpi xmlns:a14="http://schemas.microsoft.com/office/drawing/2010/main" val="0"/>
+              </a:ext>
+            </a:extLst>
+          </a:blip>
+          <a:stretch>
+            <a:fillRect/>
+          </a:stretch>
+        </p:blipFill>
+        <p:spPr>
+          <a:xfrm>
+            <a:off x="-112663" y="4744527"/>
+            <a:ext cx="3856730" cy="2461163"/>
+          </a:xfrm>
+          <a:prstGeom prst="rect">
+            <a:avLst/>
+          </a:prstGeom>
+        </p:spPr>
+      </p:pic>
     </p:spTree>
     <p:extLst>
       <p:ext uri="{BB962C8B-B14F-4D97-AF65-F5344CB8AC3E}">
@@ -13543,7 +17220,7 @@
         </p:spPr>
         <p:txBody>
           <a:bodyPr>
-            <a:normAutofit lnSpcReduction="10000"/>
+            <a:normAutofit/>
           </a:bodyPr>
           <a:lstStyle/>
           <a:p>
@@ -13558,7 +17235,7 @@
               <a:buChar char="Ø"/>
             </a:pPr>
             <a:r>
-              <a:rPr lang="es-ES_tradnl" sz="1800" dirty="0"/>
+              <a:rPr lang="es-ES_tradnl" sz="2000" dirty="0"/>
               <a:t>Los principales problemas no han sido otros que afrontar los distintos desarrollos que eran desconocidos para nosotros, ocasionando en algunas ocasiones los primeros errores.</a:t>
             </a:r>
           </a:p>
@@ -13568,10 +17245,10 @@
               <a:buChar char="Ø"/>
             </a:pPr>
             <a:r>
-              <a:rPr lang="es-ES_tradnl" sz="1800" dirty="0"/>
+              <a:rPr lang="es-ES_tradnl" sz="2000" dirty="0"/>
               <a:t>Por un lado, la creación de la arquitectura HTML, MySQL, PHP, JavaScript, AJAX, etc no ha sido difícil de integrar, aunque también han surgido pequeños errores o inconvenientes.</a:t>
             </a:r>
-            <a:endParaRPr lang="es-ES" sz="1800" dirty="0"/>
+            <a:endParaRPr lang="es-ES" sz="2000" dirty="0"/>
           </a:p>
           <a:p>
             <a:pPr lvl="1" algn="just">
@@ -13579,10 +17256,57 @@
               <a:buChar char="Ø"/>
             </a:pPr>
             <a:r>
-              <a:rPr lang="es-ES_tradnl" sz="1800" dirty="0"/>
+              <a:rPr lang="es-ES_tradnl" sz="2000" dirty="0"/>
               <a:t>Por ejemplo, integrar el envío automático de emails requirió algo más de trabajo y dedicación, igual ocurrió con el script de las cookies, etc.</a:t>
             </a:r>
-            <a:endParaRPr lang="es-ES" dirty="0"/>
+          </a:p>
+          <a:p>
+            <a:pPr lvl="1" algn="just">
+              <a:buFont typeface="Wingdings" panose="05000000000000000000" pitchFamily="2" charset="2"/>
+              <a:buChar char="Ø"/>
+            </a:pPr>
+            <a:endParaRPr lang="es-ES_tradnl" sz="2000" dirty="0"/>
+          </a:p>
+          <a:p>
+            <a:r>
+              <a:rPr lang="es-ES" sz="2000" b="1" dirty="0"/>
+              <a:t>OBJETIVOS CONSEGUIDOS</a:t>
+            </a:r>
+          </a:p>
+          <a:p>
+            <a:pPr lvl="1" algn="just">
+              <a:buFont typeface="Wingdings" panose="05000000000000000000" pitchFamily="2" charset="2"/>
+              <a:buChar char="Ø"/>
+            </a:pPr>
+            <a:r>
+              <a:rPr lang="es-ES_tradnl" sz="2000" dirty="0"/>
+              <a:t>Cubrir la necesidad del centro de documentar las actividades realizadas, objetivo que se cumplirá una vez implantado en el centro.</a:t>
+            </a:r>
+          </a:p>
+          <a:p>
+            <a:pPr lvl="1" algn="just">
+              <a:buFont typeface="Wingdings" panose="05000000000000000000" pitchFamily="2" charset="2"/>
+              <a:buChar char="Ø"/>
+            </a:pPr>
+            <a:r>
+              <a:rPr lang="es-ES_tradnl" sz="2000" dirty="0"/>
+              <a:t>Adquisición de conocimientos, hábitos de trabajo, intento de desarrollo eficiente y ordenado, así como fomentar el trabajo en equipo. </a:t>
+            </a:r>
+            <a:endParaRPr lang="es-ES" sz="2000" dirty="0"/>
+          </a:p>
+          <a:p>
+            <a:pPr lvl="1" algn="just">
+              <a:buFont typeface="Wingdings" panose="05000000000000000000" pitchFamily="2" charset="2"/>
+              <a:buChar char="Ø"/>
+            </a:pPr>
+            <a:endParaRPr lang="es-ES" sz="2000" b="1" dirty="0"/>
+          </a:p>
+          <a:p>
+            <a:pPr lvl="1" algn="just">
+              <a:buFont typeface="Wingdings" panose="05000000000000000000" pitchFamily="2" charset="2"/>
+              <a:buChar char="Ø"/>
+            </a:pPr>
+            <a:endParaRPr lang="es-ES" sz="2000" dirty="0"/>
           </a:p>
           <a:p>
             <a:pPr lvl="1">
@@ -13592,66 +17316,6 @@
             <a:endParaRPr lang="es-ES" sz="1600" b="1" dirty="0"/>
           </a:p>
           <a:p>
-            <a:r>
-              <a:rPr lang="es-ES" sz="2000" b="1" dirty="0"/>
-              <a:t>POSIBLES AMPLIACIONES</a:t>
-            </a:r>
-          </a:p>
-          <a:p>
-            <a:pPr lvl="1" algn="just">
-              <a:buFont typeface="Wingdings" panose="05000000000000000000" pitchFamily="2" charset="2"/>
-              <a:buChar char="Ø"/>
-            </a:pPr>
-            <a:r>
-              <a:rPr lang="es-ES_tradnl" sz="1800" dirty="0"/>
-              <a:t>Se puede implementar el sistema de copias de seguridad, tanto Backup como restauración desde una nueva sección en el panel de control del administrador de la aplicación.</a:t>
-            </a:r>
-            <a:endParaRPr lang="es-ES" sz="1800" dirty="0"/>
-          </a:p>
-          <a:p>
-            <a:pPr lvl="1" algn="just">
-              <a:buFont typeface="Wingdings" panose="05000000000000000000" pitchFamily="2" charset="2"/>
-              <a:buChar char="Ø"/>
-            </a:pPr>
-            <a:r>
-              <a:rPr lang="es-ES_tradnl" sz="1800" dirty="0"/>
-              <a:t>Incluir más información en forma de estadísticas, actualmente solo contempla los usuarios registrados, se podría ampliar con los proyectos y su número de participantes, número de proyectos que se realizan cada curso académico, etc.</a:t>
-            </a:r>
-          </a:p>
-          <a:p>
-            <a:pPr lvl="1" algn="just">
-              <a:buFont typeface="Wingdings" panose="05000000000000000000" pitchFamily="2" charset="2"/>
-              <a:buChar char="Ø"/>
-            </a:pPr>
-            <a:r>
-              <a:rPr lang="es-ES_tradnl" sz="1800" dirty="0"/>
-              <a:t>Añadir nuevos campos a la entidad cursos como fecha de inicio y fin, etc.</a:t>
-            </a:r>
-            <a:endParaRPr lang="es-ES" sz="1800" dirty="0"/>
-          </a:p>
-          <a:p>
-            <a:pPr lvl="1" algn="just">
-              <a:buFont typeface="Wingdings" panose="05000000000000000000" pitchFamily="2" charset="2"/>
-              <a:buChar char="Ø"/>
-            </a:pPr>
-            <a:r>
-              <a:rPr lang="es-ES_tradnl" sz="1800" dirty="0"/>
-              <a:t>Incluso un repaso al código fuente para optimizarlo.</a:t>
-            </a:r>
-            <a:endParaRPr lang="es-ES" sz="1800" dirty="0"/>
-          </a:p>
-          <a:p>
-            <a:pPr lvl="1" algn="just">
-              <a:buFont typeface="Wingdings" panose="05000000000000000000" pitchFamily="2" charset="2"/>
-              <a:buChar char="Ø"/>
-            </a:pPr>
-            <a:r>
-              <a:rPr lang="es-ES_tradnl" sz="1800" dirty="0"/>
-              <a:t>Posibilidad de incluir más idiomas como el francés.</a:t>
-            </a:r>
-            <a:endParaRPr lang="es-ES" sz="1800" dirty="0"/>
-          </a:p>
-          <a:p>
             <a:pPr lvl="1">
               <a:buFont typeface="Wingdings" panose="05000000000000000000" pitchFamily="2" charset="2"/>
               <a:buChar char="Ø"/>
@@ -13660,10 +17324,211 @@
           </a:p>
         </p:txBody>
       </p:sp>
+      <p:pic>
+        <p:nvPicPr>
+          <p:cNvPr id="4" name="Imagen 3">
+            <a:extLst>
+              <a:ext uri="{FF2B5EF4-FFF2-40B4-BE49-F238E27FC236}">
+                <a16:creationId xmlns:a16="http://schemas.microsoft.com/office/drawing/2014/main" id="{4A2FF409-6D03-4CBD-8BEC-6DD546F3CBB1}"/>
+              </a:ext>
+            </a:extLst>
+          </p:cNvPr>
+          <p:cNvPicPr>
+            <a:picLocks noChangeAspect="1"/>
+          </p:cNvPicPr>
+          <p:nvPr/>
+        </p:nvPicPr>
+        <p:blipFill>
+          <a:blip r:embed="rId2">
+            <a:extLst>
+              <a:ext uri="{28A0092B-C50C-407E-A947-70E740481C1C}">
+                <a14:useLocalDpi xmlns:a14="http://schemas.microsoft.com/office/drawing/2010/main" val="0"/>
+              </a:ext>
+            </a:extLst>
+          </a:blip>
+          <a:stretch>
+            <a:fillRect/>
+          </a:stretch>
+        </p:blipFill>
+        <p:spPr>
+          <a:xfrm>
+            <a:off x="-86783" y="4796286"/>
+            <a:ext cx="3856730" cy="2461163"/>
+          </a:xfrm>
+          <a:prstGeom prst="rect">
+            <a:avLst/>
+          </a:prstGeom>
+        </p:spPr>
+      </p:pic>
     </p:spTree>
     <p:extLst>
       <p:ext uri="{BB962C8B-B14F-4D97-AF65-F5344CB8AC3E}">
         <p14:creationId xmlns:p14="http://schemas.microsoft.com/office/powerpoint/2010/main" val="734647338"/>
+      </p:ext>
+    </p:extLst>
+  </p:cSld>
+  <p:clrMapOvr>
+    <a:masterClrMapping/>
+  </p:clrMapOvr>
+</p:sld>
+</file>
+
+<file path=ppt/slides/slide33.xml><?xml version="1.0" encoding="utf-8"?>
+<p:sld xmlns:a="http://schemas.openxmlformats.org/drawingml/2006/main" xmlns:r="http://schemas.openxmlformats.org/officeDocument/2006/relationships" xmlns:p="http://schemas.openxmlformats.org/presentationml/2006/main">
+  <p:cSld>
+    <p:spTree>
+      <p:nvGrpSpPr>
+        <p:cNvPr id="1" name=""/>
+        <p:cNvGrpSpPr/>
+        <p:nvPr/>
+      </p:nvGrpSpPr>
+      <p:grpSpPr>
+        <a:xfrm>
+          <a:off x="0" y="0"/>
+          <a:ext cx="0" cy="0"/>
+          <a:chOff x="0" y="0"/>
+          <a:chExt cx="0" cy="0"/>
+        </a:xfrm>
+      </p:grpSpPr>
+      <p:sp>
+        <p:nvSpPr>
+          <p:cNvPr id="3" name="Marcador de contenido 2">
+            <a:extLst>
+              <a:ext uri="{FF2B5EF4-FFF2-40B4-BE49-F238E27FC236}">
+                <a16:creationId xmlns:a16="http://schemas.microsoft.com/office/drawing/2014/main" id="{F5AEBCB4-F8B1-4940-96F1-3DC156F20AF7}"/>
+              </a:ext>
+            </a:extLst>
+          </p:cNvPr>
+          <p:cNvSpPr>
+            <a:spLocks noGrp="1"/>
+          </p:cNvSpPr>
+          <p:nvPr>
+            <p:ph idx="1"/>
+          </p:nvPr>
+        </p:nvSpPr>
+        <p:spPr>
+          <a:xfrm>
+            <a:off x="628650" y="681487"/>
+            <a:ext cx="7886700" cy="5495476"/>
+          </a:xfrm>
+        </p:spPr>
+        <p:txBody>
+          <a:bodyPr/>
+          <a:lstStyle/>
+          <a:p>
+            <a:r>
+              <a:rPr lang="es-ES" sz="2400" b="1" dirty="0"/>
+              <a:t>POSIBLES AMPLIACIONES</a:t>
+            </a:r>
+          </a:p>
+          <a:p>
+            <a:pPr marL="0" indent="0">
+              <a:buNone/>
+            </a:pPr>
+            <a:endParaRPr lang="es-ES" sz="2000" b="1" dirty="0"/>
+          </a:p>
+          <a:p>
+            <a:pPr lvl="1" algn="just">
+              <a:buFont typeface="Wingdings" panose="05000000000000000000" pitchFamily="2" charset="2"/>
+              <a:buChar char="Ø"/>
+            </a:pPr>
+            <a:r>
+              <a:rPr lang="es-ES_tradnl" sz="2000" dirty="0"/>
+              <a:t>Se puede implementar el sistema de copias de seguridad, tanto Backup como restauración desde una nueva sección en el panel de control del administrador de la aplicación.</a:t>
+            </a:r>
+            <a:endParaRPr lang="es-ES" sz="2000" dirty="0"/>
+          </a:p>
+          <a:p>
+            <a:pPr lvl="1" algn="just">
+              <a:buFont typeface="Wingdings" panose="05000000000000000000" pitchFamily="2" charset="2"/>
+              <a:buChar char="Ø"/>
+            </a:pPr>
+            <a:r>
+              <a:rPr lang="es-ES_tradnl" sz="2000" dirty="0"/>
+              <a:t>Incluir más información en forma de estadísticas, actualmente solo contempla los usuarios registrados, se podría ampliar con los proyectos y su número de participantes, número de proyectos que se realizan cada curso académico, etc.</a:t>
+            </a:r>
+          </a:p>
+          <a:p>
+            <a:pPr lvl="1" algn="just">
+              <a:buFont typeface="Wingdings" panose="05000000000000000000" pitchFamily="2" charset="2"/>
+              <a:buChar char="Ø"/>
+            </a:pPr>
+            <a:r>
+              <a:rPr lang="es-ES_tradnl" sz="2000" dirty="0"/>
+              <a:t>Añadir nuevos campos a la entidad cursos como fecha de inicio y fin, además de posibles relaciones directas con otras entidades, de ahí que se haya tratado como una entidad.</a:t>
+            </a:r>
+            <a:endParaRPr lang="es-ES" sz="2000" dirty="0"/>
+          </a:p>
+          <a:p>
+            <a:pPr lvl="1" algn="just">
+              <a:buFont typeface="Wingdings" panose="05000000000000000000" pitchFamily="2" charset="2"/>
+              <a:buChar char="Ø"/>
+            </a:pPr>
+            <a:r>
+              <a:rPr lang="es-ES_tradnl" sz="2000" dirty="0"/>
+              <a:t>Incluso un repaso al código fuente para optimizarlo.</a:t>
+            </a:r>
+            <a:endParaRPr lang="es-ES" sz="2000" dirty="0"/>
+          </a:p>
+          <a:p>
+            <a:pPr lvl="1" algn="just">
+              <a:buFont typeface="Wingdings" panose="05000000000000000000" pitchFamily="2" charset="2"/>
+              <a:buChar char="Ø"/>
+            </a:pPr>
+            <a:r>
+              <a:rPr lang="es-ES_tradnl" sz="2000" dirty="0"/>
+              <a:t>Posibilidad de incluir más idiomas como el francés.</a:t>
+            </a:r>
+            <a:endParaRPr lang="es-ES" sz="2000" dirty="0"/>
+          </a:p>
+          <a:p>
+            <a:pPr marL="0" indent="0">
+              <a:buNone/>
+            </a:pPr>
+            <a:endParaRPr lang="es-ES" dirty="0"/>
+          </a:p>
+        </p:txBody>
+      </p:sp>
+      <p:pic>
+        <p:nvPicPr>
+          <p:cNvPr id="4" name="Imagen 3">
+            <a:extLst>
+              <a:ext uri="{FF2B5EF4-FFF2-40B4-BE49-F238E27FC236}">
+                <a16:creationId xmlns:a16="http://schemas.microsoft.com/office/drawing/2014/main" id="{0CA17FC4-3E1B-4A47-9EE1-8BE581607091}"/>
+              </a:ext>
+            </a:extLst>
+          </p:cNvPr>
+          <p:cNvPicPr>
+            <a:picLocks noChangeAspect="1"/>
+          </p:cNvPicPr>
+          <p:nvPr/>
+        </p:nvPicPr>
+        <p:blipFill>
+          <a:blip r:embed="rId2">
+            <a:extLst>
+              <a:ext uri="{28A0092B-C50C-407E-A947-70E740481C1C}">
+                <a14:useLocalDpi xmlns:a14="http://schemas.microsoft.com/office/drawing/2010/main" val="0"/>
+              </a:ext>
+            </a:extLst>
+          </a:blip>
+          <a:stretch>
+            <a:fillRect/>
+          </a:stretch>
+        </p:blipFill>
+        <p:spPr>
+          <a:xfrm>
+            <a:off x="2350538" y="4525309"/>
+            <a:ext cx="4442923" cy="2854734"/>
+          </a:xfrm>
+          <a:prstGeom prst="rect">
+            <a:avLst/>
+          </a:prstGeom>
+        </p:spPr>
+      </p:pic>
+    </p:spTree>
+    <p:extLst>
+      <p:ext uri="{BB962C8B-B14F-4D97-AF65-F5344CB8AC3E}">
+        <p14:creationId xmlns:p14="http://schemas.microsoft.com/office/powerpoint/2010/main" val="1837734399"/>
       </p:ext>
     </p:extLst>
   </p:cSld>
@@ -13799,6 +17664,42 @@
           <a:xfrm>
             <a:off x="1536417" y="3139624"/>
             <a:ext cx="6071166" cy="2531333"/>
+          </a:xfrm>
+          <a:prstGeom prst="rect">
+            <a:avLst/>
+          </a:prstGeom>
+        </p:spPr>
+      </p:pic>
+      <p:pic>
+        <p:nvPicPr>
+          <p:cNvPr id="5" name="Imagen 4">
+            <a:extLst>
+              <a:ext uri="{FF2B5EF4-FFF2-40B4-BE49-F238E27FC236}">
+                <a16:creationId xmlns:a16="http://schemas.microsoft.com/office/drawing/2014/main" id="{2B58C190-F8C1-47FA-A6D4-FDC06E99D54D}"/>
+              </a:ext>
+            </a:extLst>
+          </p:cNvPr>
+          <p:cNvPicPr>
+            <a:picLocks noChangeAspect="1"/>
+          </p:cNvPicPr>
+          <p:nvPr/>
+        </p:nvPicPr>
+        <p:blipFill>
+          <a:blip r:embed="rId3">
+            <a:extLst>
+              <a:ext uri="{28A0092B-C50C-407E-A947-70E740481C1C}">
+                <a14:useLocalDpi xmlns:a14="http://schemas.microsoft.com/office/drawing/2010/main" val="0"/>
+              </a:ext>
+            </a:extLst>
+          </a:blip>
+          <a:stretch>
+            <a:fillRect/>
+          </a:stretch>
+        </p:blipFill>
+        <p:spPr>
+          <a:xfrm>
+            <a:off x="2070021" y="4472042"/>
+            <a:ext cx="5003957" cy="3215218"/>
           </a:xfrm>
           <a:prstGeom prst="rect">
             <a:avLst/>
@@ -13878,8 +17779,12 @@
               <a:buChar char="Ø"/>
             </a:pPr>
             <a:r>
+              <a:rPr lang="es-ES" b="1" dirty="0"/>
+              <a:t>Servidor LAMP</a:t>
+            </a:r>
+            <a:r>
               <a:rPr lang="es-ES" dirty="0"/>
-              <a:t>Servidor LAMP: </a:t>
+              <a:t>: </a:t>
             </a:r>
             <a:r>
               <a:rPr lang="es-ES_tradnl" dirty="0"/>
@@ -13932,6 +17837,42 @@
           <a:ln>
             <a:noFill/>
           </a:ln>
+        </p:spPr>
+      </p:pic>
+      <p:pic>
+        <p:nvPicPr>
+          <p:cNvPr id="6" name="Imagen 5">
+            <a:extLst>
+              <a:ext uri="{FF2B5EF4-FFF2-40B4-BE49-F238E27FC236}">
+                <a16:creationId xmlns:a16="http://schemas.microsoft.com/office/drawing/2014/main" id="{1C19C320-2B07-4827-B465-0F71FB703C0E}"/>
+              </a:ext>
+            </a:extLst>
+          </p:cNvPr>
+          <p:cNvPicPr>
+            <a:picLocks noChangeAspect="1"/>
+          </p:cNvPicPr>
+          <p:nvPr/>
+        </p:nvPicPr>
+        <p:blipFill>
+          <a:blip r:embed="rId3">
+            <a:extLst>
+              <a:ext uri="{28A0092B-C50C-407E-A947-70E740481C1C}">
+                <a14:useLocalDpi xmlns:a14="http://schemas.microsoft.com/office/drawing/2010/main" val="0"/>
+              </a:ext>
+            </a:extLst>
+          </a:blip>
+          <a:stretch>
+            <a:fillRect/>
+          </a:stretch>
+        </p:blipFill>
+        <p:spPr>
+          <a:xfrm>
+            <a:off x="-78158" y="4324469"/>
+            <a:ext cx="4650158" cy="2967487"/>
+          </a:xfrm>
+          <a:prstGeom prst="rect">
+            <a:avLst/>
+          </a:prstGeom>
         </p:spPr>
       </p:pic>
     </p:spTree>
@@ -13994,8 +17935,8 @@
           <a:p>
             <a:pPr algn="ctr"/>
             <a:r>
-              <a:rPr lang="es-ES" sz="3600" dirty="0"/>
-              <a:t>Configuración del servidor</a:t>
+              <a:rPr lang="es-ES" sz="3600" b="1" dirty="0"/>
+              <a:t>CONFIGURACIÓN DEL SERVIDOR</a:t>
             </a:r>
           </a:p>
         </p:txBody>
@@ -14028,103 +17969,83 @@
           </a:bodyPr>
           <a:lstStyle/>
           <a:p>
+            <a:pPr algn="just"/>
             <a:r>
               <a:rPr lang="es-ES" sz="2200" dirty="0"/>
               <a:t>Una vez instalados todos los servicios necesarios mediante repositorio, procedemos a configurar apache, ya que los demás servicios no requiere de una configuración previa a su uso.</a:t>
             </a:r>
           </a:p>
           <a:p>
-            <a:pPr lvl="1">
+            <a:pPr lvl="1" algn="just">
               <a:buFont typeface="Wingdings" panose="05000000000000000000" pitchFamily="2" charset="2"/>
               <a:buChar char="Ø"/>
             </a:pPr>
             <a:r>
-              <a:rPr lang="es-ES_tradnl" dirty="0"/>
-              <a:t>Creamos una regla en el firewall para permitir la salida de Apache.</a:t>
-            </a:r>
-          </a:p>
-          <a:p>
-            <a:pPr marL="914400" lvl="2" indent="0">
-              <a:buNone/>
-            </a:pPr>
-            <a:r>
-              <a:rPr lang="es-ES" b="1" dirty="0" err="1"/>
-              <a:t>ufw</a:t>
-            </a:r>
-            <a:r>
-              <a:rPr lang="es-ES" b="1" dirty="0"/>
-              <a:t> </a:t>
-            </a:r>
-            <a:r>
-              <a:rPr lang="es-ES" b="1" dirty="0" err="1"/>
-              <a:t>allow</a:t>
-            </a:r>
-            <a:r>
-              <a:rPr lang="es-ES" dirty="0"/>
-              <a:t> “Apache Full”</a:t>
-            </a:r>
-          </a:p>
-          <a:p>
-            <a:pPr lvl="1">
+              <a:rPr lang="es-ES_tradnl" sz="2200" dirty="0"/>
+              <a:t>Creamos una regla en el firewall para permitir la salida.</a:t>
+            </a:r>
+          </a:p>
+          <a:p>
+            <a:pPr lvl="1" algn="just">
               <a:buFont typeface="Wingdings" panose="05000000000000000000" pitchFamily="2" charset="2"/>
               <a:buChar char="Ø"/>
             </a:pPr>
             <a:r>
-              <a:rPr lang="es-ES_tradnl" dirty="0"/>
+              <a:rPr lang="es-ES_tradnl" sz="2200" dirty="0"/>
               <a:t>Habilitar HTTPS en el servidor (conexión SSL/TSL)</a:t>
             </a:r>
-            <a:endParaRPr lang="es-ES" dirty="0"/>
-          </a:p>
-          <a:p>
-            <a:pPr marL="914400" lvl="2" indent="0">
+            <a:endParaRPr lang="es-ES" sz="2200" dirty="0"/>
+          </a:p>
+          <a:p>
+            <a:pPr marL="914400" lvl="2" indent="0" algn="just">
               <a:buNone/>
             </a:pPr>
             <a:r>
-              <a:rPr lang="es-ES" dirty="0"/>
+              <a:rPr lang="es-ES" sz="2200" dirty="0"/>
               <a:t>- Creación de certificado </a:t>
             </a:r>
             <a:r>
-              <a:rPr lang="es-ES" dirty="0" err="1"/>
+              <a:rPr lang="es-ES" sz="2200" dirty="0" err="1"/>
               <a:t>autofirmado</a:t>
             </a:r>
             <a:r>
-              <a:rPr lang="es-ES" dirty="0"/>
+              <a:rPr lang="es-ES" sz="2200" dirty="0"/>
               <a:t> para hacer uso del servicio seguro de http.</a:t>
             </a:r>
           </a:p>
           <a:p>
-            <a:pPr marL="914400" lvl="2" indent="0">
+            <a:pPr marL="914400" lvl="2" indent="0" algn="just">
               <a:buNone/>
             </a:pPr>
             <a:r>
-              <a:rPr lang="es-ES" dirty="0"/>
+              <a:rPr lang="es-ES" sz="2200" dirty="0"/>
               <a:t>- R</a:t>
             </a:r>
             <a:r>
-              <a:rPr lang="es-ES_tradnl" dirty="0" err="1"/>
+              <a:rPr lang="es-ES_tradnl" sz="2200" dirty="0" err="1"/>
               <a:t>edirigimos</a:t>
             </a:r>
             <a:r>
-              <a:rPr lang="es-ES_tradnl" dirty="0"/>
+              <a:rPr lang="es-ES_tradnl" sz="2200" dirty="0"/>
               <a:t> las peticiones que vengan por el puerto 80 hacia el 443 para forzar la conexión </a:t>
             </a:r>
             <a:r>
-              <a:rPr lang="es-ES_tradnl" dirty="0" err="1"/>
+              <a:rPr lang="es-ES_tradnl" sz="2200" dirty="0" err="1"/>
               <a:t>mediate</a:t>
             </a:r>
             <a:r>
-              <a:rPr lang="es-ES_tradnl" dirty="0"/>
+              <a:rPr lang="es-ES_tradnl" sz="2200" dirty="0"/>
               <a:t> https. Editamos el fichero /etc/apache2/</a:t>
             </a:r>
             <a:r>
-              <a:rPr lang="es-ES_tradnl" dirty="0" err="1"/>
+              <a:rPr lang="es-ES_tradnl" sz="2200" dirty="0" err="1"/>
               <a:t>sites-enabled</a:t>
             </a:r>
             <a:r>
-              <a:rPr lang="es-ES_tradnl" dirty="0"/>
+              <a:rPr lang="es-ES_tradnl" sz="2200" dirty="0"/>
               <a:t>/000-default.conf .</a:t>
             </a:r>
-            <a:endParaRPr lang="es-ES" dirty="0"/>
+            <a:endParaRPr lang="es-ES" sz="2200" dirty="0"/>
           </a:p>
           <a:p>
             <a:pPr marL="914400" lvl="2" indent="0">
@@ -14154,8 +18075,44 @@
         </p:blipFill>
         <p:spPr>
           <a:xfrm>
-            <a:off x="2109787" y="5561552"/>
-            <a:ext cx="4924425" cy="533400"/>
+            <a:off x="923026" y="5167223"/>
+            <a:ext cx="7297947" cy="874716"/>
+          </a:xfrm>
+          <a:prstGeom prst="rect">
+            <a:avLst/>
+          </a:prstGeom>
+        </p:spPr>
+      </p:pic>
+      <p:pic>
+        <p:nvPicPr>
+          <p:cNvPr id="5" name="Imagen 4">
+            <a:extLst>
+              <a:ext uri="{FF2B5EF4-FFF2-40B4-BE49-F238E27FC236}">
+                <a16:creationId xmlns:a16="http://schemas.microsoft.com/office/drawing/2014/main" id="{2749C5A5-5026-4974-84DA-6193CE077C4D}"/>
+              </a:ext>
+            </a:extLst>
+          </p:cNvPr>
+          <p:cNvPicPr>
+            <a:picLocks noChangeAspect="1"/>
+          </p:cNvPicPr>
+          <p:nvPr/>
+        </p:nvPicPr>
+        <p:blipFill>
+          <a:blip r:embed="rId3">
+            <a:extLst>
+              <a:ext uri="{28A0092B-C50C-407E-A947-70E740481C1C}">
+                <a14:useLocalDpi xmlns:a14="http://schemas.microsoft.com/office/drawing/2010/main" val="0"/>
+              </a:ext>
+            </a:extLst>
+          </a:blip>
+          <a:stretch>
+            <a:fillRect/>
+          </a:stretch>
+        </p:blipFill>
+        <p:spPr>
+          <a:xfrm>
+            <a:off x="-233434" y="4445238"/>
+            <a:ext cx="4650158" cy="2967487"/>
           </a:xfrm>
           <a:prstGeom prst="rect">
             <a:avLst/>
@@ -14270,6 +18227,42 @@
           </a:prstGeom>
         </p:spPr>
       </p:pic>
+      <p:pic>
+        <p:nvPicPr>
+          <p:cNvPr id="5" name="Imagen 4">
+            <a:extLst>
+              <a:ext uri="{FF2B5EF4-FFF2-40B4-BE49-F238E27FC236}">
+                <a16:creationId xmlns:a16="http://schemas.microsoft.com/office/drawing/2014/main" id="{B11B20E1-79D8-499C-9726-DB450197F17E}"/>
+              </a:ext>
+            </a:extLst>
+          </p:cNvPr>
+          <p:cNvPicPr>
+            <a:picLocks noChangeAspect="1"/>
+          </p:cNvPicPr>
+          <p:nvPr/>
+        </p:nvPicPr>
+        <p:blipFill>
+          <a:blip r:embed="rId3">
+            <a:extLst>
+              <a:ext uri="{28A0092B-C50C-407E-A947-70E740481C1C}">
+                <a14:useLocalDpi xmlns:a14="http://schemas.microsoft.com/office/drawing/2010/main" val="0"/>
+              </a:ext>
+            </a:extLst>
+          </a:blip>
+          <a:stretch>
+            <a:fillRect/>
+          </a:stretch>
+        </p:blipFill>
+        <p:spPr>
+          <a:xfrm>
+            <a:off x="-78158" y="4324469"/>
+            <a:ext cx="4650158" cy="2967487"/>
+          </a:xfrm>
+          <a:prstGeom prst="rect">
+            <a:avLst/>
+          </a:prstGeom>
+        </p:spPr>
+      </p:pic>
     </p:spTree>
     <p:extLst>
       <p:ext uri="{BB962C8B-B14F-4D97-AF65-F5344CB8AC3E}">
@@ -14394,6 +18387,42 @@
           </a:graphicData>
         </a:graphic>
       </p:graphicFrame>
+      <p:pic>
+        <p:nvPicPr>
+          <p:cNvPr id="5" name="Imagen 4">
+            <a:extLst>
+              <a:ext uri="{FF2B5EF4-FFF2-40B4-BE49-F238E27FC236}">
+                <a16:creationId xmlns:a16="http://schemas.microsoft.com/office/drawing/2014/main" id="{8FC323AD-8B5F-4BA2-A8FC-DB4AA3531362}"/>
+              </a:ext>
+            </a:extLst>
+          </p:cNvPr>
+          <p:cNvPicPr>
+            <a:picLocks noChangeAspect="1"/>
+          </p:cNvPicPr>
+          <p:nvPr/>
+        </p:nvPicPr>
+        <p:blipFill>
+          <a:blip r:embed="rId7">
+            <a:extLst>
+              <a:ext uri="{28A0092B-C50C-407E-A947-70E740481C1C}">
+                <a14:useLocalDpi xmlns:a14="http://schemas.microsoft.com/office/drawing/2010/main" val="0"/>
+              </a:ext>
+            </a:extLst>
+          </a:blip>
+          <a:stretch>
+            <a:fillRect/>
+          </a:stretch>
+        </p:blipFill>
+        <p:spPr>
+          <a:xfrm>
+            <a:off x="-78158" y="4324469"/>
+            <a:ext cx="4650158" cy="2967487"/>
+          </a:xfrm>
+          <a:prstGeom prst="rect">
+            <a:avLst/>
+          </a:prstGeom>
+        </p:spPr>
+      </p:pic>
     </p:spTree>
     <p:extLst>
       <p:ext uri="{BB962C8B-B14F-4D97-AF65-F5344CB8AC3E}">
@@ -14454,91 +18483,61 @@
           <a:p>
             <a:pPr lvl="0" algn="just"/>
             <a:r>
-              <a:rPr lang="es-ES_tradnl" sz="1700" b="1" dirty="0"/>
+              <a:rPr lang="es-ES_tradnl" sz="2000" b="1" dirty="0"/>
               <a:t>Usabilidad</a:t>
             </a:r>
             <a:r>
-              <a:rPr lang="es-ES_tradnl" sz="1700" dirty="0"/>
+              <a:rPr lang="es-ES_tradnl" sz="2000" dirty="0"/>
               <a:t>: La aplicación dispone de una interfaz sencilla e intuitiva. Además, se implementa el sistema “</a:t>
             </a:r>
             <a:r>
-              <a:rPr lang="es-ES_tradnl" sz="1700" dirty="0" err="1"/>
+              <a:rPr lang="es-ES_tradnl" sz="2000" dirty="0" err="1"/>
               <a:t>Responsive</a:t>
             </a:r>
             <a:r>
-              <a:rPr lang="es-ES_tradnl" sz="1700" dirty="0"/>
+              <a:rPr lang="es-ES_tradnl" sz="2000" dirty="0"/>
               <a:t> web </a:t>
             </a:r>
             <a:r>
-              <a:rPr lang="es-ES_tradnl" sz="1700" dirty="0" err="1"/>
+              <a:rPr lang="es-ES_tradnl" sz="2000" dirty="0" err="1"/>
               <a:t>Design</a:t>
             </a:r>
             <a:r>
-              <a:rPr lang="es-ES_tradnl" sz="1700" dirty="0"/>
+              <a:rPr lang="es-ES_tradnl" sz="2000" dirty="0"/>
               <a:t>” para favorecer la experiencia del usuario en dispositivos móviles. </a:t>
             </a:r>
-            <a:endParaRPr lang="es-ES" sz="1700" dirty="0"/>
+            <a:endParaRPr lang="es-ES" sz="2000" dirty="0"/>
           </a:p>
           <a:p>
             <a:pPr lvl="0" algn="just"/>
             <a:r>
-              <a:rPr lang="es-ES_tradnl" sz="1700" b="1" dirty="0"/>
+              <a:rPr lang="es-ES_tradnl" sz="2000" b="1" dirty="0"/>
               <a:t>Rendimiento</a:t>
             </a:r>
             <a:r>
-              <a:rPr lang="es-ES_tradnl" sz="1700" dirty="0"/>
+              <a:rPr lang="es-ES_tradnl" sz="2000" dirty="0"/>
               <a:t>: El servidor debe contar con un mínimo de tiempo de respuesta ante solicitudes del usuario, proporcionado por un hardware adecuado y una buena conexión a internet. </a:t>
             </a:r>
           </a:p>
           <a:p>
             <a:pPr lvl="0" algn="just"/>
             <a:r>
-              <a:rPr lang="es-ES_tradnl" sz="1700" b="1" dirty="0"/>
+              <a:rPr lang="es-ES_tradnl" sz="2000" b="1" dirty="0"/>
               <a:t>Seguridad</a:t>
             </a:r>
             <a:r>
-              <a:rPr lang="es-ES_tradnl" sz="1700" dirty="0"/>
+              <a:rPr lang="es-ES_tradnl" sz="2000" dirty="0"/>
               <a:t>: Hace referencia tanto a las regulaciones legales, como el uso de cookies obligando a presentar un aviso para aceptar que la aplicación guarde información de usuario en el navegador, como a los siguientes aspectos esenciales si hablamos de seguridad informática.</a:t>
             </a:r>
           </a:p>
           <a:p>
-            <a:pPr lvl="1" algn="just">
-              <a:buFontTx/>
-              <a:buChar char="-"/>
-            </a:pPr>
-            <a:r>
-              <a:rPr lang="es-ES_tradnl" sz="1700" dirty="0"/>
-              <a:t>Confidencialidad: Acceso indebido mediante inicio de sesión.</a:t>
-            </a:r>
-          </a:p>
-          <a:p>
-            <a:pPr lvl="1" algn="just">
-              <a:buFontTx/>
-              <a:buChar char="-"/>
-            </a:pPr>
-            <a:r>
-              <a:rPr lang="es-ES_tradnl" sz="1700" dirty="0"/>
-              <a:t>Integridad: Preservación de los datos mediante inicio de sesión.</a:t>
-            </a:r>
-          </a:p>
-          <a:p>
-            <a:pPr lvl="1" algn="just">
-              <a:buFontTx/>
-              <a:buChar char="-"/>
-            </a:pPr>
-            <a:r>
-              <a:rPr lang="es-ES_tradnl" sz="1700" dirty="0"/>
-              <a:t>Disponibilidad: Garantiza el acceso a la información el mayor tiempo posible.</a:t>
-            </a:r>
-          </a:p>
-          <a:p>
             <a:pPr marL="266700" lvl="1" algn="just"/>
             <a:r>
-              <a:rPr lang="es-ES_tradnl" sz="1700" b="1" dirty="0"/>
+              <a:rPr lang="es-ES_tradnl" sz="2000" b="1" dirty="0"/>
               <a:t>Costo</a:t>
             </a:r>
             <a:r>
-              <a:rPr lang="es-ES_tradnl" sz="1700" dirty="0"/>
+              <a:rPr lang="es-ES_tradnl" sz="2000" dirty="0"/>
               <a:t>: </a:t>
             </a:r>
           </a:p>
@@ -14566,8 +18565,44 @@
         </p:blipFill>
         <p:spPr>
           <a:xfrm>
-            <a:off x="2359351" y="4390845"/>
-            <a:ext cx="4425298" cy="2228068"/>
+            <a:off x="2785687" y="3653891"/>
+            <a:ext cx="5470437" cy="2754279"/>
+          </a:xfrm>
+          <a:prstGeom prst="rect">
+            <a:avLst/>
+          </a:prstGeom>
+        </p:spPr>
+      </p:pic>
+      <p:pic>
+        <p:nvPicPr>
+          <p:cNvPr id="5" name="Imagen 4">
+            <a:extLst>
+              <a:ext uri="{FF2B5EF4-FFF2-40B4-BE49-F238E27FC236}">
+                <a16:creationId xmlns:a16="http://schemas.microsoft.com/office/drawing/2014/main" id="{078980A7-A881-4CCE-B54B-8435D27046EC}"/>
+              </a:ext>
+            </a:extLst>
+          </p:cNvPr>
+          <p:cNvPicPr>
+            <a:picLocks noChangeAspect="1"/>
+          </p:cNvPicPr>
+          <p:nvPr/>
+        </p:nvPicPr>
+        <p:blipFill>
+          <a:blip r:embed="rId3">
+            <a:extLst>
+              <a:ext uri="{28A0092B-C50C-407E-A947-70E740481C1C}">
+                <a14:useLocalDpi xmlns:a14="http://schemas.microsoft.com/office/drawing/2010/main" val="0"/>
+              </a:ext>
+            </a:extLst>
+          </a:blip>
+          <a:stretch>
+            <a:fillRect/>
+          </a:stretch>
+        </p:blipFill>
+        <p:spPr>
+          <a:xfrm>
+            <a:off x="-78158" y="4718649"/>
+            <a:ext cx="4032464" cy="2573307"/>
           </a:xfrm>
           <a:prstGeom prst="rect">
             <a:avLst/>
